--- a/presentations/Logic1c.pptx
+++ b/presentations/Logic1c.pptx
@@ -186,10 +186,9 @@
           <a:lstStyle/>
           <a:p>
             <a:r>
-              <a:rPr lang="en-US" smtClean="0"/>
+              <a:rPr lang="en-US"/>
               <a:t>Click to edit Master title style</a:t>
             </a:r>
-            <a:endParaRPr lang="en-US"/>
           </a:p>
         </p:txBody>
       </p:sp>
@@ -305,10 +304,9 @@
           </a:lstStyle>
           <a:p>
             <a:r>
-              <a:rPr lang="en-US" smtClean="0"/>
+              <a:rPr lang="en-US"/>
               <a:t>Click to edit Master subtitle style</a:t>
             </a:r>
-            <a:endParaRPr lang="en-US"/>
           </a:p>
         </p:txBody>
       </p:sp>
@@ -329,7 +327,7 @@
           <a:p>
             <a:fld id="{241EB5C9-1307-BA42-ABA2-0BC069CD8E7F}" type="datetimeFigureOut">
               <a:rPr lang="en-US" smtClean="0"/>
-              <a:t>2/17/2018</a:t>
+              <a:t>3/6/2019</a:t>
             </a:fld>
             <a:endParaRPr lang="en-US"/>
           </a:p>
@@ -423,10 +421,9 @@
           <a:lstStyle/>
           <a:p>
             <a:r>
-              <a:rPr lang="en-US" smtClean="0"/>
+              <a:rPr lang="en-US"/>
               <a:t>Click to edit Master title style</a:t>
             </a:r>
-            <a:endParaRPr lang="en-US"/>
           </a:p>
         </p:txBody>
       </p:sp>
@@ -447,38 +444,37 @@
           <a:p>
             <a:pPr lvl="0"/>
             <a:r>
-              <a:rPr lang="en-US" smtClean="0"/>
+              <a:rPr lang="en-US"/>
               <a:t>Click to edit Master text styles</a:t>
             </a:r>
           </a:p>
           <a:p>
             <a:pPr lvl="1"/>
             <a:r>
-              <a:rPr lang="en-US" smtClean="0"/>
+              <a:rPr lang="en-US"/>
               <a:t>Second level</a:t>
             </a:r>
           </a:p>
           <a:p>
             <a:pPr lvl="2"/>
             <a:r>
-              <a:rPr lang="en-US" smtClean="0"/>
+              <a:rPr lang="en-US"/>
               <a:t>Third level</a:t>
             </a:r>
           </a:p>
           <a:p>
             <a:pPr lvl="3"/>
             <a:r>
-              <a:rPr lang="en-US" smtClean="0"/>
+              <a:rPr lang="en-US"/>
               <a:t>Fourth level</a:t>
             </a:r>
           </a:p>
           <a:p>
             <a:pPr lvl="4"/>
             <a:r>
-              <a:rPr lang="en-US" smtClean="0"/>
+              <a:rPr lang="en-US"/>
               <a:t>Fifth level</a:t>
             </a:r>
-            <a:endParaRPr lang="en-US"/>
           </a:p>
         </p:txBody>
       </p:sp>
@@ -499,7 +495,7 @@
           <a:p>
             <a:fld id="{241EB5C9-1307-BA42-ABA2-0BC069CD8E7F}" type="datetimeFigureOut">
               <a:rPr lang="en-US" smtClean="0"/>
-              <a:t>2/17/2018</a:t>
+              <a:t>3/6/2019</a:t>
             </a:fld>
             <a:endParaRPr lang="en-US"/>
           </a:p>
@@ -598,10 +594,9 @@
           <a:lstStyle/>
           <a:p>
             <a:r>
-              <a:rPr lang="en-US" smtClean="0"/>
+              <a:rPr lang="en-US"/>
               <a:t>Click to edit Master title style</a:t>
             </a:r>
-            <a:endParaRPr lang="en-US"/>
           </a:p>
         </p:txBody>
       </p:sp>
@@ -627,38 +622,37 @@
           <a:p>
             <a:pPr lvl="0"/>
             <a:r>
-              <a:rPr lang="en-US" smtClean="0"/>
+              <a:rPr lang="en-US"/>
               <a:t>Click to edit Master text styles</a:t>
             </a:r>
           </a:p>
           <a:p>
             <a:pPr lvl="1"/>
             <a:r>
-              <a:rPr lang="en-US" smtClean="0"/>
+              <a:rPr lang="en-US"/>
               <a:t>Second level</a:t>
             </a:r>
           </a:p>
           <a:p>
             <a:pPr lvl="2"/>
             <a:r>
-              <a:rPr lang="en-US" smtClean="0"/>
+              <a:rPr lang="en-US"/>
               <a:t>Third level</a:t>
             </a:r>
           </a:p>
           <a:p>
             <a:pPr lvl="3"/>
             <a:r>
-              <a:rPr lang="en-US" smtClean="0"/>
+              <a:rPr lang="en-US"/>
               <a:t>Fourth level</a:t>
             </a:r>
           </a:p>
           <a:p>
             <a:pPr lvl="4"/>
             <a:r>
-              <a:rPr lang="en-US" smtClean="0"/>
+              <a:rPr lang="en-US"/>
               <a:t>Fifth level</a:t>
             </a:r>
-            <a:endParaRPr lang="en-US"/>
           </a:p>
         </p:txBody>
       </p:sp>
@@ -679,7 +673,7 @@
           <a:p>
             <a:fld id="{241EB5C9-1307-BA42-ABA2-0BC069CD8E7F}" type="datetimeFigureOut">
               <a:rPr lang="en-US" smtClean="0"/>
-              <a:t>2/17/2018</a:t>
+              <a:t>3/6/2019</a:t>
             </a:fld>
             <a:endParaRPr lang="en-US"/>
           </a:p>
@@ -773,10 +767,9 @@
           <a:lstStyle/>
           <a:p>
             <a:r>
-              <a:rPr lang="en-US" smtClean="0"/>
+              <a:rPr lang="en-US"/>
               <a:t>Click to edit Master title style</a:t>
             </a:r>
-            <a:endParaRPr lang="en-US"/>
           </a:p>
         </p:txBody>
       </p:sp>
@@ -797,38 +790,37 @@
           <a:p>
             <a:pPr lvl="0"/>
             <a:r>
-              <a:rPr lang="en-US" smtClean="0"/>
+              <a:rPr lang="en-US"/>
               <a:t>Click to edit Master text styles</a:t>
             </a:r>
           </a:p>
           <a:p>
             <a:pPr lvl="1"/>
             <a:r>
-              <a:rPr lang="en-US" smtClean="0"/>
+              <a:rPr lang="en-US"/>
               <a:t>Second level</a:t>
             </a:r>
           </a:p>
           <a:p>
             <a:pPr lvl="2"/>
             <a:r>
-              <a:rPr lang="en-US" smtClean="0"/>
+              <a:rPr lang="en-US"/>
               <a:t>Third level</a:t>
             </a:r>
           </a:p>
           <a:p>
             <a:pPr lvl="3"/>
             <a:r>
-              <a:rPr lang="en-US" smtClean="0"/>
+              <a:rPr lang="en-US"/>
               <a:t>Fourth level</a:t>
             </a:r>
           </a:p>
           <a:p>
             <a:pPr lvl="4"/>
             <a:r>
-              <a:rPr lang="en-US" smtClean="0"/>
+              <a:rPr lang="en-US"/>
               <a:t>Fifth level</a:t>
             </a:r>
-            <a:endParaRPr lang="en-US"/>
           </a:p>
         </p:txBody>
       </p:sp>
@@ -849,7 +841,7 @@
           <a:p>
             <a:fld id="{241EB5C9-1307-BA42-ABA2-0BC069CD8E7F}" type="datetimeFigureOut">
               <a:rPr lang="en-US" smtClean="0"/>
-              <a:t>2/17/2018</a:t>
+              <a:t>3/6/2019</a:t>
             </a:fld>
             <a:endParaRPr lang="en-US"/>
           </a:p>
@@ -952,10 +944,9 @@
           </a:lstStyle>
           <a:p>
             <a:r>
-              <a:rPr lang="en-US" smtClean="0"/>
+              <a:rPr lang="en-US"/>
               <a:t>Click to edit Master title style</a:t>
             </a:r>
-            <a:endParaRPr lang="en-US"/>
           </a:p>
         </p:txBody>
       </p:sp>
@@ -1072,7 +1063,7 @@
           <a:p>
             <a:pPr lvl="0"/>
             <a:r>
-              <a:rPr lang="en-US" smtClean="0"/>
+              <a:rPr lang="en-US"/>
               <a:t>Click to edit Master text styles</a:t>
             </a:r>
           </a:p>
@@ -1095,7 +1086,7 @@
           <a:p>
             <a:fld id="{241EB5C9-1307-BA42-ABA2-0BC069CD8E7F}" type="datetimeFigureOut">
               <a:rPr lang="en-US" smtClean="0"/>
-              <a:t>2/17/2018</a:t>
+              <a:t>3/6/2019</a:t>
             </a:fld>
             <a:endParaRPr lang="en-US"/>
           </a:p>
@@ -1189,10 +1180,9 @@
           <a:lstStyle/>
           <a:p>
             <a:r>
-              <a:rPr lang="en-US" smtClean="0"/>
+              <a:rPr lang="en-US"/>
               <a:t>Click to edit Master title style</a:t>
             </a:r>
-            <a:endParaRPr lang="en-US"/>
           </a:p>
         </p:txBody>
       </p:sp>
@@ -1246,38 +1236,37 @@
           <a:p>
             <a:pPr lvl="0"/>
             <a:r>
-              <a:rPr lang="en-US" smtClean="0"/>
+              <a:rPr lang="en-US"/>
               <a:t>Click to edit Master text styles</a:t>
             </a:r>
           </a:p>
           <a:p>
             <a:pPr lvl="1"/>
             <a:r>
-              <a:rPr lang="en-US" smtClean="0"/>
+              <a:rPr lang="en-US"/>
               <a:t>Second level</a:t>
             </a:r>
           </a:p>
           <a:p>
             <a:pPr lvl="2"/>
             <a:r>
-              <a:rPr lang="en-US" smtClean="0"/>
+              <a:rPr lang="en-US"/>
               <a:t>Third level</a:t>
             </a:r>
           </a:p>
           <a:p>
             <a:pPr lvl="3"/>
             <a:r>
-              <a:rPr lang="en-US" smtClean="0"/>
+              <a:rPr lang="en-US"/>
               <a:t>Fourth level</a:t>
             </a:r>
           </a:p>
           <a:p>
             <a:pPr lvl="4"/>
             <a:r>
-              <a:rPr lang="en-US" smtClean="0"/>
+              <a:rPr lang="en-US"/>
               <a:t>Fifth level</a:t>
             </a:r>
-            <a:endParaRPr lang="en-US"/>
           </a:p>
         </p:txBody>
       </p:sp>
@@ -1331,38 +1320,37 @@
           <a:p>
             <a:pPr lvl="0"/>
             <a:r>
-              <a:rPr lang="en-US" smtClean="0"/>
+              <a:rPr lang="en-US"/>
               <a:t>Click to edit Master text styles</a:t>
             </a:r>
           </a:p>
           <a:p>
             <a:pPr lvl="1"/>
             <a:r>
-              <a:rPr lang="en-US" smtClean="0"/>
+              <a:rPr lang="en-US"/>
               <a:t>Second level</a:t>
             </a:r>
           </a:p>
           <a:p>
             <a:pPr lvl="2"/>
             <a:r>
-              <a:rPr lang="en-US" smtClean="0"/>
+              <a:rPr lang="en-US"/>
               <a:t>Third level</a:t>
             </a:r>
           </a:p>
           <a:p>
             <a:pPr lvl="3"/>
             <a:r>
-              <a:rPr lang="en-US" smtClean="0"/>
+              <a:rPr lang="en-US"/>
               <a:t>Fourth level</a:t>
             </a:r>
           </a:p>
           <a:p>
             <a:pPr lvl="4"/>
             <a:r>
-              <a:rPr lang="en-US" smtClean="0"/>
+              <a:rPr lang="en-US"/>
               <a:t>Fifth level</a:t>
             </a:r>
-            <a:endParaRPr lang="en-US"/>
           </a:p>
         </p:txBody>
       </p:sp>
@@ -1383,7 +1371,7 @@
           <a:p>
             <a:fld id="{241EB5C9-1307-BA42-ABA2-0BC069CD8E7F}" type="datetimeFigureOut">
               <a:rPr lang="en-US" smtClean="0"/>
-              <a:t>2/17/2018</a:t>
+              <a:t>3/6/2019</a:t>
             </a:fld>
             <a:endParaRPr lang="en-US"/>
           </a:p>
@@ -1481,10 +1469,9 @@
           </a:lstStyle>
           <a:p>
             <a:r>
-              <a:rPr lang="en-US" smtClean="0"/>
+              <a:rPr lang="en-US"/>
               <a:t>Click to edit Master title style</a:t>
             </a:r>
-            <a:endParaRPr lang="en-US"/>
           </a:p>
         </p:txBody>
       </p:sp>
@@ -1547,7 +1534,7 @@
           <a:p>
             <a:pPr lvl="0"/>
             <a:r>
-              <a:rPr lang="en-US" smtClean="0"/>
+              <a:rPr lang="en-US"/>
               <a:t>Click to edit Master text styles</a:t>
             </a:r>
           </a:p>
@@ -1603,38 +1590,37 @@
           <a:p>
             <a:pPr lvl="0"/>
             <a:r>
-              <a:rPr lang="en-US" smtClean="0"/>
+              <a:rPr lang="en-US"/>
               <a:t>Click to edit Master text styles</a:t>
             </a:r>
           </a:p>
           <a:p>
             <a:pPr lvl="1"/>
             <a:r>
-              <a:rPr lang="en-US" smtClean="0"/>
+              <a:rPr lang="en-US"/>
               <a:t>Second level</a:t>
             </a:r>
           </a:p>
           <a:p>
             <a:pPr lvl="2"/>
             <a:r>
-              <a:rPr lang="en-US" smtClean="0"/>
+              <a:rPr lang="en-US"/>
               <a:t>Third level</a:t>
             </a:r>
           </a:p>
           <a:p>
             <a:pPr lvl="3"/>
             <a:r>
-              <a:rPr lang="en-US" smtClean="0"/>
+              <a:rPr lang="en-US"/>
               <a:t>Fourth level</a:t>
             </a:r>
           </a:p>
           <a:p>
             <a:pPr lvl="4"/>
             <a:r>
-              <a:rPr lang="en-US" smtClean="0"/>
+              <a:rPr lang="en-US"/>
               <a:t>Fifth level</a:t>
             </a:r>
-            <a:endParaRPr lang="en-US"/>
           </a:p>
         </p:txBody>
       </p:sp>
@@ -1697,7 +1683,7 @@
           <a:p>
             <a:pPr lvl="0"/>
             <a:r>
-              <a:rPr lang="en-US" smtClean="0"/>
+              <a:rPr lang="en-US"/>
               <a:t>Click to edit Master text styles</a:t>
             </a:r>
           </a:p>
@@ -1753,38 +1739,37 @@
           <a:p>
             <a:pPr lvl="0"/>
             <a:r>
-              <a:rPr lang="en-US" smtClean="0"/>
+              <a:rPr lang="en-US"/>
               <a:t>Click to edit Master text styles</a:t>
             </a:r>
           </a:p>
           <a:p>
             <a:pPr lvl="1"/>
             <a:r>
-              <a:rPr lang="en-US" smtClean="0"/>
+              <a:rPr lang="en-US"/>
               <a:t>Second level</a:t>
             </a:r>
           </a:p>
           <a:p>
             <a:pPr lvl="2"/>
             <a:r>
-              <a:rPr lang="en-US" smtClean="0"/>
+              <a:rPr lang="en-US"/>
               <a:t>Third level</a:t>
             </a:r>
           </a:p>
           <a:p>
             <a:pPr lvl="3"/>
             <a:r>
-              <a:rPr lang="en-US" smtClean="0"/>
+              <a:rPr lang="en-US"/>
               <a:t>Fourth level</a:t>
             </a:r>
           </a:p>
           <a:p>
             <a:pPr lvl="4"/>
             <a:r>
-              <a:rPr lang="en-US" smtClean="0"/>
+              <a:rPr lang="en-US"/>
               <a:t>Fifth level</a:t>
             </a:r>
-            <a:endParaRPr lang="en-US"/>
           </a:p>
         </p:txBody>
       </p:sp>
@@ -1805,7 +1790,7 @@
           <a:p>
             <a:fld id="{241EB5C9-1307-BA42-ABA2-0BC069CD8E7F}" type="datetimeFigureOut">
               <a:rPr lang="en-US" smtClean="0"/>
-              <a:t>2/17/2018</a:t>
+              <a:t>3/6/2019</a:t>
             </a:fld>
             <a:endParaRPr lang="en-US"/>
           </a:p>
@@ -1899,10 +1884,9 @@
           <a:lstStyle/>
           <a:p>
             <a:r>
-              <a:rPr lang="en-US" smtClean="0"/>
+              <a:rPr lang="en-US"/>
               <a:t>Click to edit Master title style</a:t>
             </a:r>
-            <a:endParaRPr lang="en-US"/>
           </a:p>
         </p:txBody>
       </p:sp>
@@ -1923,7 +1907,7 @@
           <a:p>
             <a:fld id="{241EB5C9-1307-BA42-ABA2-0BC069CD8E7F}" type="datetimeFigureOut">
               <a:rPr lang="en-US" smtClean="0"/>
-              <a:t>2/17/2018</a:t>
+              <a:t>3/6/2019</a:t>
             </a:fld>
             <a:endParaRPr lang="en-US"/>
           </a:p>
@@ -2018,7 +2002,7 @@
           <a:p>
             <a:fld id="{241EB5C9-1307-BA42-ABA2-0BC069CD8E7F}" type="datetimeFigureOut">
               <a:rPr lang="en-US" smtClean="0"/>
-              <a:t>2/17/2018</a:t>
+              <a:t>3/6/2019</a:t>
             </a:fld>
             <a:endParaRPr lang="en-US"/>
           </a:p>
@@ -2121,10 +2105,9 @@
           </a:lstStyle>
           <a:p>
             <a:r>
-              <a:rPr lang="en-US" smtClean="0"/>
+              <a:rPr lang="en-US"/>
               <a:t>Click to edit Master title style</a:t>
             </a:r>
-            <a:endParaRPr lang="en-US"/>
           </a:p>
         </p:txBody>
       </p:sp>
@@ -2178,38 +2161,37 @@
           <a:p>
             <a:pPr lvl="0"/>
             <a:r>
-              <a:rPr lang="en-US" smtClean="0"/>
+              <a:rPr lang="en-US"/>
               <a:t>Click to edit Master text styles</a:t>
             </a:r>
           </a:p>
           <a:p>
             <a:pPr lvl="1"/>
             <a:r>
-              <a:rPr lang="en-US" smtClean="0"/>
+              <a:rPr lang="en-US"/>
               <a:t>Second level</a:t>
             </a:r>
           </a:p>
           <a:p>
             <a:pPr lvl="2"/>
             <a:r>
-              <a:rPr lang="en-US" smtClean="0"/>
+              <a:rPr lang="en-US"/>
               <a:t>Third level</a:t>
             </a:r>
           </a:p>
           <a:p>
             <a:pPr lvl="3"/>
             <a:r>
-              <a:rPr lang="en-US" smtClean="0"/>
+              <a:rPr lang="en-US"/>
               <a:t>Fourth level</a:t>
             </a:r>
           </a:p>
           <a:p>
             <a:pPr lvl="4"/>
             <a:r>
-              <a:rPr lang="en-US" smtClean="0"/>
+              <a:rPr lang="en-US"/>
               <a:t>Fifth level</a:t>
             </a:r>
-            <a:endParaRPr lang="en-US"/>
           </a:p>
         </p:txBody>
       </p:sp>
@@ -2272,7 +2254,7 @@
           <a:p>
             <a:pPr lvl="0"/>
             <a:r>
-              <a:rPr lang="en-US" smtClean="0"/>
+              <a:rPr lang="en-US"/>
               <a:t>Click to edit Master text styles</a:t>
             </a:r>
           </a:p>
@@ -2295,7 +2277,7 @@
           <a:p>
             <a:fld id="{241EB5C9-1307-BA42-ABA2-0BC069CD8E7F}" type="datetimeFigureOut">
               <a:rPr lang="en-US" smtClean="0"/>
-              <a:t>2/17/2018</a:t>
+              <a:t>3/6/2019</a:t>
             </a:fld>
             <a:endParaRPr lang="en-US"/>
           </a:p>
@@ -2398,10 +2380,9 @@
           </a:lstStyle>
           <a:p>
             <a:r>
-              <a:rPr lang="en-US" smtClean="0"/>
+              <a:rPr lang="en-US"/>
               <a:t>Click to edit Master title style</a:t>
             </a:r>
-            <a:endParaRPr lang="en-US"/>
           </a:p>
         </p:txBody>
       </p:sp>
@@ -2525,7 +2506,7 @@
           <a:p>
             <a:pPr lvl="0"/>
             <a:r>
-              <a:rPr lang="en-US" smtClean="0"/>
+              <a:rPr lang="en-US"/>
               <a:t>Click to edit Master text styles</a:t>
             </a:r>
           </a:p>
@@ -2548,7 +2529,7 @@
           <a:p>
             <a:fld id="{241EB5C9-1307-BA42-ABA2-0BC069CD8E7F}" type="datetimeFigureOut">
               <a:rPr lang="en-US" smtClean="0"/>
-              <a:t>2/17/2018</a:t>
+              <a:t>3/6/2019</a:t>
             </a:fld>
             <a:endParaRPr lang="en-US"/>
           </a:p>
@@ -2657,10 +2638,9 @@
           <a:lstStyle/>
           <a:p>
             <a:r>
-              <a:rPr lang="en-US" smtClean="0"/>
+              <a:rPr lang="en-US"/>
               <a:t>Click to edit Master title style</a:t>
             </a:r>
-            <a:endParaRPr lang="en-US"/>
           </a:p>
         </p:txBody>
       </p:sp>
@@ -2691,38 +2671,37 @@
           <a:p>
             <a:pPr lvl="0"/>
             <a:r>
-              <a:rPr lang="en-US" smtClean="0"/>
+              <a:rPr lang="en-US"/>
               <a:t>Click to edit Master text styles</a:t>
             </a:r>
           </a:p>
           <a:p>
             <a:pPr lvl="1"/>
             <a:r>
-              <a:rPr lang="en-US" smtClean="0"/>
+              <a:rPr lang="en-US"/>
               <a:t>Second level</a:t>
             </a:r>
           </a:p>
           <a:p>
             <a:pPr lvl="2"/>
             <a:r>
-              <a:rPr lang="en-US" smtClean="0"/>
+              <a:rPr lang="en-US"/>
               <a:t>Third level</a:t>
             </a:r>
           </a:p>
           <a:p>
             <a:pPr lvl="3"/>
             <a:r>
-              <a:rPr lang="en-US" smtClean="0"/>
+              <a:rPr lang="en-US"/>
               <a:t>Fourth level</a:t>
             </a:r>
           </a:p>
           <a:p>
             <a:pPr lvl="4"/>
             <a:r>
-              <a:rPr lang="en-US" smtClean="0"/>
+              <a:rPr lang="en-US"/>
               <a:t>Fifth level</a:t>
             </a:r>
-            <a:endParaRPr lang="en-US"/>
           </a:p>
         </p:txBody>
       </p:sp>
@@ -2761,7 +2740,7 @@
           <a:p>
             <a:fld id="{241EB5C9-1307-BA42-ABA2-0BC069CD8E7F}" type="datetimeFigureOut">
               <a:rPr lang="en-US" smtClean="0"/>
-              <a:t>2/17/2018</a:t>
+              <a:t>3/6/2019</a:t>
             </a:fld>
             <a:endParaRPr lang="en-US"/>
           </a:p>
@@ -3156,52 +3135,11 @@
           <a:bodyPr/>
           <a:lstStyle/>
           <a:p>
-            <a:pPr lvl="0" marL="0" indent="0">
+            <a:pPr marL="0" lvl="0" indent="0">
               <a:buNone/>
             </a:pPr>
             <a:r>
-              <a:rPr/>
-              <a:t>Existential</a:t>
-            </a:r>
-            <a:r>
-              <a:rPr/>
-              <a:t> </a:t>
-            </a:r>
-            <a:r>
-              <a:rPr/>
-              <a:t>quantification</a:t>
-            </a:r>
-            <a:r>
-              <a:rPr/>
-              <a:t> </a:t>
-            </a:r>
-            <a:r>
-              <a:rPr/>
-              <a:t>and</a:t>
-            </a:r>
-            <a:r>
-              <a:rPr/>
-              <a:t> </a:t>
-            </a:r>
-            <a:r>
-              <a:rPr/>
-              <a:t>closed</a:t>
-            </a:r>
-            <a:r>
-              <a:rPr/>
-              <a:t> </a:t>
-            </a:r>
-            <a:r>
-              <a:rPr/>
-              <a:t>vs. open</a:t>
-            </a:r>
-            <a:r>
-              <a:rPr/>
-              <a:t> </a:t>
-            </a:r>
-            <a:r>
-              <a:rPr/>
-              <a:t>worlds</a:t>
+              <a:t>Existential quantification and closed vs. open worlds</a:t>
             </a:r>
           </a:p>
         </p:txBody>
@@ -3226,22 +3164,13 @@
           <a:bodyPr/>
           <a:lstStyle/>
           <a:p>
-            <a:pPr lvl="0" marL="0" indent="0">
+            <a:pPr marL="0" lvl="0" indent="0">
               <a:buNone/>
             </a:pPr>
             <a:br/>
             <a:br/>
             <a:r>
-              <a:rPr/>
-              <a:t>Dave</a:t>
-            </a:r>
-            <a:r>
-              <a:rPr/>
-              <a:t> </a:t>
-            </a:r>
-            <a:r>
-              <a:rPr/>
-              <a:t>Dubin</a:t>
+              <a:t>Dave Dubin</a:t>
             </a:r>
           </a:p>
         </p:txBody>
@@ -3261,26 +3190,20 @@
           <a:bodyPr/>
           <a:lstStyle/>
           <a:p>
-            <a:pPr lvl="0" marL="0" indent="0">
+            <a:pPr marL="0" lvl="0" indent="0">
               <a:buNone/>
             </a:pPr>
             <a:r>
-              <a:rPr/>
-              <a:t>March</a:t>
-            </a:r>
-            <a:r>
-              <a:rPr/>
-              <a:t> </a:t>
-            </a:r>
-            <a:r>
-              <a:rPr/>
-              <a:t>2019</a:t>
+              <a:t>March 2019</a:t>
             </a:r>
           </a:p>
         </p:txBody>
       </p:sp>
     </p:spTree>
   </p:cSld>
+  <p:clrMapOvr>
+    <a:masterClrMapping/>
+  </p:clrMapOvr>
 </p:sld>
 </file>
 
@@ -3316,43 +3239,18 @@
           <a:bodyPr/>
           <a:lstStyle/>
           <a:p>
-            <a:pPr lvl="0" marL="0" indent="0">
+            <a:pPr marL="0" lvl="0" indent="0">
               <a:buNone/>
             </a:pPr>
             <a:r>
-              <a:rPr/>
-              <a:t>Language</a:t>
-            </a:r>
-            <a:r>
-              <a:rPr/>
-              <a:t> </a:t>
-            </a:r>
-            <a:r>
-              <a:rPr/>
-              <a:t>and</a:t>
-            </a:r>
-            <a:r>
-              <a:rPr/>
-              <a:t> </a:t>
-            </a:r>
-            <a:r>
-              <a:rPr/>
-              <a:t>the</a:t>
-            </a:r>
-            <a:r>
-              <a:rPr/>
-              <a:t> </a:t>
-            </a:r>
-            <a:r>
-              <a:rPr/>
-              <a:t>world</a:t>
+              <a:t>Language and the world</a:t>
             </a:r>
           </a:p>
         </p:txBody>
       </p:sp>
       <p:pic>
         <p:nvPicPr>
-          <p:cNvPr descr="lovers.eps" id="0" name="Picture 1"/>
+          <p:cNvPr id="3" name="Picture 1" descr="lovers.eps"/>
           <p:cNvPicPr>
             <a:picLocks noGrp="1" noChangeAspect="1"/>
           </p:cNvPicPr>
@@ -3382,7 +3280,7 @@
       </p:pic>
       <p:sp>
         <p:nvSpPr>
-          <p:cNvPr id="1" name="TextBox 3"/>
+          <p:cNvPr id="4" name="TextBox 3"/>
           <p:cNvSpPr txBox="1"/>
           <p:nvPr/>
         </p:nvSpPr>
@@ -3400,58 +3298,20 @@
           <a:bodyPr/>
           <a:lstStyle/>
           <a:p>
-            <a:pPr lvl="0" marL="0" indent="0" algn="ctr">
+            <a:pPr marL="0" lvl="0" indent="0" algn="ctr">
               <a:buNone/>
             </a:pPr>
             <a:r>
-              <a:rPr/>
-              <a:t>page</a:t>
-            </a:r>
-            <a:r>
-              <a:rPr/>
-              <a:t> </a:t>
-            </a:r>
-            <a:r>
-              <a:rPr/>
-              <a:t>12</a:t>
-            </a:r>
-            <a:r>
-              <a:rPr/>
-              <a:t> </a:t>
-            </a:r>
-            <a:r>
-              <a:rPr/>
-              <a:t>figure</a:t>
-            </a:r>
-            <a:r>
-              <a:rPr/>
-              <a:t> </a:t>
-            </a:r>
-            <a:r>
-              <a:rPr/>
-              <a:t>from</a:t>
-            </a:r>
-            <a:r>
-              <a:rPr/>
-              <a:t> </a:t>
-            </a:r>
-            <a:r>
-              <a:rPr/>
-              <a:t>Bach</a:t>
-            </a:r>
-            <a:r>
-              <a:rPr/>
-              <a:t> </a:t>
-            </a:r>
-            <a:r>
-              <a:rPr/>
-              <a:t>(1989)</a:t>
+              <a:t>page 12 figure from Bach (1989)</a:t>
             </a:r>
           </a:p>
         </p:txBody>
       </p:sp>
     </p:spTree>
   </p:cSld>
+  <p:clrMapOvr>
+    <a:masterClrMapping/>
+  </p:clrMapOvr>
 </p:sld>
 </file>
 
@@ -3487,44 +3347,11 @@
           <a:bodyPr/>
           <a:lstStyle/>
           <a:p>
-            <a:pPr lvl="0" marL="0" indent="0">
+            <a:pPr marL="0" lvl="0" indent="0">
               <a:buNone/>
             </a:pPr>
             <a:r>
-              <a:rPr/>
-              <a:t>Syntax</a:t>
-            </a:r>
-            <a:r>
-              <a:rPr/>
-              <a:t> </a:t>
-            </a:r>
-            <a:r>
-              <a:rPr/>
-              <a:t>of</a:t>
-            </a:r>
-            <a:r>
-              <a:rPr/>
-              <a:t> </a:t>
-            </a:r>
-            <a:r>
-              <a:rPr/>
-              <a:t>Bach’s</a:t>
-            </a:r>
-            <a:r>
-              <a:rPr/>
-              <a:t> </a:t>
-            </a:r>
-            <a:r>
-              <a:rPr/>
-              <a:t>logic</a:t>
-            </a:r>
-            <a:r>
-              <a:rPr/>
-              <a:t> </a:t>
-            </a:r>
-            <a:r>
-              <a:rPr/>
-              <a:t>subset</a:t>
+              <a:t>Syntax of Bach’s logic subset</a:t>
             </a:r>
           </a:p>
         </p:txBody>
@@ -3543,788 +3370,808 @@
             </p:nvSpPr>
             <p:spPr/>
             <p:txBody>
-              <a:bodyPr/>
+              <a:bodyPr>
+                <a:normAutofit fontScale="70000" lnSpcReduction="20000"/>
+              </a:bodyPr>
               <a:lstStyle/>
               <a:p>
-                <a:pPr lvl="0" marL="0" indent="0">
+                <a:pPr marL="0" lvl="0" indent="0">
                   <a:buNone/>
                 </a:pPr>
                 <a14:m>
-                  <m:oMath xmlns:m="http://schemas.openxmlformats.org/officeDocument/2006/math">
-                    <m:r>
-                      <m:t>⟨</m:t>
-                    </m:r>
-                    <m:r>
-                      <m:t>v</m:t>
-                    </m:r>
-                    <m:r>
-                      <m:t>a</m:t>
-                    </m:r>
-                    <m:r>
-                      <m:t>r</m:t>
-                    </m:r>
-                    <m:r>
-                      <m:t>⟩</m:t>
-                    </m:r>
-                    <m:r>
-                      <m:t>⩴</m:t>
-                    </m:r>
-                    <m:r>
-                      <m:t>w</m:t>
-                    </m:r>
-                    <m:r>
-                      <m:t>|</m:t>
-                    </m:r>
-                    <m:r>
-                      <m:t>x</m:t>
-                    </m:r>
-                    <m:r>
-                      <m:t>|</m:t>
-                    </m:r>
-                    <m:r>
-                      <m:t>y</m:t>
-                    </m:r>
-                    <m:r>
-                      <m:t>|</m:t>
-                    </m:r>
-                    <m:r>
-                      <m:t>z</m:t>
-                    </m:r>
-                  </m:oMath>
+                  <m:oMathPara xmlns:m="http://schemas.openxmlformats.org/officeDocument/2006/math">
+                    <m:oMathParaPr>
+                      <m:jc m:val="centerGroup"/>
+                    </m:oMathParaPr>
+                    <m:oMath xmlns:m="http://schemas.openxmlformats.org/officeDocument/2006/math">
+                      <m:r>
+                        <a:rPr>
+                          <a:latin typeface="Cambria Math" panose="02040503050406030204" pitchFamily="18" charset="0"/>
+                        </a:rPr>
+                        <m:t>⟨</m:t>
+                      </m:r>
+                      <m:r>
+                        <a:rPr>
+                          <a:latin typeface="Cambria Math" panose="02040503050406030204" pitchFamily="18" charset="0"/>
+                        </a:rPr>
+                        <m:t>𝑣𝑎𝑟</m:t>
+                      </m:r>
+                      <m:r>
+                        <a:rPr>
+                          <a:latin typeface="Cambria Math" panose="02040503050406030204" pitchFamily="18" charset="0"/>
+                        </a:rPr>
+                        <m:t>⟩⩴</m:t>
+                      </m:r>
+                      <m:r>
+                        <a:rPr>
+                          <a:latin typeface="Cambria Math" panose="02040503050406030204" pitchFamily="18" charset="0"/>
+                        </a:rPr>
+                        <m:t>𝑤</m:t>
+                      </m:r>
+                      <m:r>
+                        <a:rPr>
+                          <a:latin typeface="Cambria Math" panose="02040503050406030204" pitchFamily="18" charset="0"/>
+                        </a:rPr>
+                        <m:t>|</m:t>
+                      </m:r>
+                      <m:r>
+                        <a:rPr>
+                          <a:latin typeface="Cambria Math" panose="02040503050406030204" pitchFamily="18" charset="0"/>
+                        </a:rPr>
+                        <m:t>𝑥</m:t>
+                      </m:r>
+                      <m:r>
+                        <a:rPr>
+                          <a:latin typeface="Cambria Math" panose="02040503050406030204" pitchFamily="18" charset="0"/>
+                        </a:rPr>
+                        <m:t>|</m:t>
+                      </m:r>
+                      <m:r>
+                        <a:rPr>
+                          <a:latin typeface="Cambria Math" panose="02040503050406030204" pitchFamily="18" charset="0"/>
+                        </a:rPr>
+                        <m:t>𝑦</m:t>
+                      </m:r>
+                      <m:r>
+                        <a:rPr>
+                          <a:latin typeface="Cambria Math" panose="02040503050406030204" pitchFamily="18" charset="0"/>
+                        </a:rPr>
+                        <m:t>|</m:t>
+                      </m:r>
+                      <m:r>
+                        <a:rPr>
+                          <a:latin typeface="Cambria Math" panose="02040503050406030204" pitchFamily="18" charset="0"/>
+                        </a:rPr>
+                        <m:t>𝑧</m:t>
+                      </m:r>
+                    </m:oMath>
+                  </m:oMathPara>
                 </a14:m>
+                <a:endParaRPr/>
               </a:p>
               <a:p>
-                <a:pPr lvl="0" marL="0" indent="0">
+                <a:pPr marL="0" lvl="0" indent="0">
                   <a:buNone/>
                 </a:pPr>
                 <a14:m>
-                  <m:oMath xmlns:m="http://schemas.openxmlformats.org/officeDocument/2006/math">
-                    <m:r>
-                      <m:t>⟨</m:t>
-                    </m:r>
-                    <m:r>
-                      <m:t>c</m:t>
-                    </m:r>
-                    <m:r>
-                      <m:t>o</m:t>
-                    </m:r>
-                    <m:r>
-                      <m:t>n</m:t>
-                    </m:r>
-                    <m:r>
-                      <m:t>⟩</m:t>
-                    </m:r>
-                    <m:r>
-                      <m:t>⩴</m:t>
-                    </m:r>
-                    <m:r>
-                      <m:t>a</m:t>
-                    </m:r>
-                    <m:r>
-                      <m:t>|</m:t>
-                    </m:r>
-                    <m:r>
-                      <m:t>b</m:t>
-                    </m:r>
-                    <m:r>
-                      <m:t>|</m:t>
-                    </m:r>
-                    <m:r>
-                      <m:t>c</m:t>
-                    </m:r>
-                    <m:r>
-                      <m:t>|</m:t>
-                    </m:r>
-                    <m:r>
-                      <m:t>d</m:t>
-                    </m:r>
-                  </m:oMath>
+                  <m:oMathPara xmlns:m="http://schemas.openxmlformats.org/officeDocument/2006/math">
+                    <m:oMathParaPr>
+                      <m:jc m:val="centerGroup"/>
+                    </m:oMathParaPr>
+                    <m:oMath xmlns:m="http://schemas.openxmlformats.org/officeDocument/2006/math">
+                      <m:r>
+                        <a:rPr>
+                          <a:latin typeface="Cambria Math" panose="02040503050406030204" pitchFamily="18" charset="0"/>
+                        </a:rPr>
+                        <m:t>⟨</m:t>
+                      </m:r>
+                      <m:r>
+                        <a:rPr>
+                          <a:latin typeface="Cambria Math" panose="02040503050406030204" pitchFamily="18" charset="0"/>
+                        </a:rPr>
+                        <m:t>𝑐𝑜𝑛</m:t>
+                      </m:r>
+                      <m:r>
+                        <a:rPr>
+                          <a:latin typeface="Cambria Math" panose="02040503050406030204" pitchFamily="18" charset="0"/>
+                        </a:rPr>
+                        <m:t>⟩⩴</m:t>
+                      </m:r>
+                      <m:r>
+                        <a:rPr>
+                          <a:latin typeface="Cambria Math" panose="02040503050406030204" pitchFamily="18" charset="0"/>
+                        </a:rPr>
+                        <m:t>𝑎</m:t>
+                      </m:r>
+                      <m:r>
+                        <a:rPr>
+                          <a:latin typeface="Cambria Math" panose="02040503050406030204" pitchFamily="18" charset="0"/>
+                        </a:rPr>
+                        <m:t>|</m:t>
+                      </m:r>
+                      <m:r>
+                        <a:rPr>
+                          <a:latin typeface="Cambria Math" panose="02040503050406030204" pitchFamily="18" charset="0"/>
+                        </a:rPr>
+                        <m:t>𝑏</m:t>
+                      </m:r>
+                      <m:r>
+                        <a:rPr>
+                          <a:latin typeface="Cambria Math" panose="02040503050406030204" pitchFamily="18" charset="0"/>
+                        </a:rPr>
+                        <m:t>|</m:t>
+                      </m:r>
+                      <m:r>
+                        <a:rPr>
+                          <a:latin typeface="Cambria Math" panose="02040503050406030204" pitchFamily="18" charset="0"/>
+                        </a:rPr>
+                        <m:t>𝑐</m:t>
+                      </m:r>
+                      <m:r>
+                        <a:rPr>
+                          <a:latin typeface="Cambria Math" panose="02040503050406030204" pitchFamily="18" charset="0"/>
+                        </a:rPr>
+                        <m:t>|</m:t>
+                      </m:r>
+                      <m:r>
+                        <a:rPr>
+                          <a:latin typeface="Cambria Math" panose="02040503050406030204" pitchFamily="18" charset="0"/>
+                        </a:rPr>
+                        <m:t>𝑑</m:t>
+                      </m:r>
+                    </m:oMath>
+                  </m:oMathPara>
                 </a14:m>
+                <a:endParaRPr/>
               </a:p>
               <a:p>
-                <a:pPr lvl="0" marL="0" indent="0">
+                <a:pPr marL="0" lvl="0" indent="0">
                   <a:buNone/>
                 </a:pPr>
                 <a14:m>
-                  <m:oMath xmlns:m="http://schemas.openxmlformats.org/officeDocument/2006/math">
-                    <m:r>
-                      <m:t>⟨</m:t>
-                    </m:r>
-                    <m:r>
-                      <m:t>t</m:t>
-                    </m:r>
-                    <m:r>
-                      <m:t>e</m:t>
-                    </m:r>
-                    <m:r>
-                      <m:t>r</m:t>
-                    </m:r>
-                    <m:r>
-                      <m:t>⟩</m:t>
-                    </m:r>
-                    <m:r>
-                      <m:t>⩴</m:t>
-                    </m:r>
-                    <m:r>
-                      <m:t>⟨</m:t>
-                    </m:r>
-                    <m:r>
-                      <m:t>v</m:t>
-                    </m:r>
-                    <m:r>
-                      <m:t>a</m:t>
-                    </m:r>
-                    <m:r>
-                      <m:t>r</m:t>
-                    </m:r>
-                    <m:r>
-                      <m:t>⟩</m:t>
-                    </m:r>
-                    <m:r>
-                      <m:t>|</m:t>
-                    </m:r>
-                    <m:r>
-                      <m:t>⟨</m:t>
-                    </m:r>
-                    <m:r>
-                      <m:t>c</m:t>
-                    </m:r>
-                    <m:r>
-                      <m:t>o</m:t>
-                    </m:r>
-                    <m:r>
-                      <m:t>n</m:t>
-                    </m:r>
-                    <m:r>
-                      <m:t>⟩</m:t>
-                    </m:r>
-                  </m:oMath>
+                  <m:oMathPara xmlns:m="http://schemas.openxmlformats.org/officeDocument/2006/math">
+                    <m:oMathParaPr>
+                      <m:jc m:val="centerGroup"/>
+                    </m:oMathParaPr>
+                    <m:oMath xmlns:m="http://schemas.openxmlformats.org/officeDocument/2006/math">
+                      <m:r>
+                        <a:rPr>
+                          <a:latin typeface="Cambria Math" panose="02040503050406030204" pitchFamily="18" charset="0"/>
+                        </a:rPr>
+                        <m:t>⟨</m:t>
+                      </m:r>
+                      <m:r>
+                        <a:rPr>
+                          <a:latin typeface="Cambria Math" panose="02040503050406030204" pitchFamily="18" charset="0"/>
+                        </a:rPr>
+                        <m:t>𝑡𝑒𝑟</m:t>
+                      </m:r>
+                      <m:r>
+                        <a:rPr>
+                          <a:latin typeface="Cambria Math" panose="02040503050406030204" pitchFamily="18" charset="0"/>
+                        </a:rPr>
+                        <m:t>⟩⩴⟨</m:t>
+                      </m:r>
+                      <m:r>
+                        <a:rPr>
+                          <a:latin typeface="Cambria Math" panose="02040503050406030204" pitchFamily="18" charset="0"/>
+                        </a:rPr>
+                        <m:t>𝑣𝑎𝑟</m:t>
+                      </m:r>
+                      <m:r>
+                        <a:rPr>
+                          <a:latin typeface="Cambria Math" panose="02040503050406030204" pitchFamily="18" charset="0"/>
+                        </a:rPr>
+                        <m:t>⟩|⟨</m:t>
+                      </m:r>
+                      <m:r>
+                        <a:rPr>
+                          <a:latin typeface="Cambria Math" panose="02040503050406030204" pitchFamily="18" charset="0"/>
+                        </a:rPr>
+                        <m:t>𝑐𝑜𝑛</m:t>
+                      </m:r>
+                      <m:r>
+                        <a:rPr>
+                          <a:latin typeface="Cambria Math" panose="02040503050406030204" pitchFamily="18" charset="0"/>
+                        </a:rPr>
+                        <m:t>⟩</m:t>
+                      </m:r>
+                    </m:oMath>
+                  </m:oMathPara>
                 </a14:m>
+                <a:endParaRPr/>
               </a:p>
               <a:p>
-                <a:pPr lvl="0" marL="0" indent="0">
+                <a:pPr marL="0" lvl="0" indent="0">
                   <a:buNone/>
                 </a:pPr>
                 <a14:m>
-                  <m:oMath xmlns:m="http://schemas.openxmlformats.org/officeDocument/2006/math">
-                    <m:r>
-                      <m:t>⟨</m:t>
-                    </m:r>
-                    <m:r>
-                      <m:t>1</m:t>
-                    </m:r>
-                    <m:r>
-                      <m:t>p</m:t>
-                    </m:r>
-                    <m:r>
-                      <m:t>p</m:t>
-                    </m:r>
-                    <m:r>
-                      <m:t>⟩</m:t>
-                    </m:r>
-                    <m:r>
-                      <m:t>⩴</m:t>
-                    </m:r>
-                    <m:r>
-                      <m:t>R</m:t>
-                    </m:r>
-                    <m:r>
-                      <m:t>u</m:t>
-                    </m:r>
-                    <m:r>
-                      <m:t>n</m:t>
-                    </m:r>
-                    <m:r>
-                      <m:t>|</m:t>
-                    </m:r>
-                    <m:r>
-                      <m:t>W</m:t>
-                    </m:r>
-                    <m:r>
-                      <m:t>a</m:t>
-                    </m:r>
-                    <m:r>
-                      <m:t>l</m:t>
-                    </m:r>
-                    <m:r>
-                      <m:t>k</m:t>
-                    </m:r>
-                    <m:r>
-                      <m:t>|</m:t>
-                    </m:r>
-                    <m:r>
-                      <m:t>H</m:t>
-                    </m:r>
-                    <m:r>
-                      <m:t>a</m:t>
-                    </m:r>
-                    <m:r>
-                      <m:t>p</m:t>
-                    </m:r>
-                    <m:r>
-                      <m:t>p</m:t>
-                    </m:r>
-                    <m:r>
-                      <m:t>y</m:t>
-                    </m:r>
-                    <m:r>
-                      <m:t>|</m:t>
-                    </m:r>
-                    <m:r>
-                      <m:t>C</m:t>
-                    </m:r>
-                    <m:r>
-                      <m:t>a</m:t>
-                    </m:r>
-                    <m:r>
-                      <m:t>l</m:t>
-                    </m:r>
-                    <m:r>
-                      <m:t>m</m:t>
-                    </m:r>
-                  </m:oMath>
+                  <m:oMathPara xmlns:m="http://schemas.openxmlformats.org/officeDocument/2006/math">
+                    <m:oMathParaPr>
+                      <m:jc m:val="centerGroup"/>
+                    </m:oMathParaPr>
+                    <m:oMath xmlns:m="http://schemas.openxmlformats.org/officeDocument/2006/math">
+                      <m:r>
+                        <a:rPr>
+                          <a:latin typeface="Cambria Math" panose="02040503050406030204" pitchFamily="18" charset="0"/>
+                        </a:rPr>
+                        <m:t>⟨1</m:t>
+                      </m:r>
+                      <m:r>
+                        <a:rPr>
+                          <a:latin typeface="Cambria Math" panose="02040503050406030204" pitchFamily="18" charset="0"/>
+                        </a:rPr>
+                        <m:t>𝑝𝑝</m:t>
+                      </m:r>
+                      <m:r>
+                        <a:rPr>
+                          <a:latin typeface="Cambria Math" panose="02040503050406030204" pitchFamily="18" charset="0"/>
+                        </a:rPr>
+                        <m:t>⟩⩴</m:t>
+                      </m:r>
+                      <m:r>
+                        <a:rPr>
+                          <a:latin typeface="Cambria Math" panose="02040503050406030204" pitchFamily="18" charset="0"/>
+                        </a:rPr>
+                        <m:t>𝑅𝑢𝑛</m:t>
+                      </m:r>
+                      <m:r>
+                        <a:rPr>
+                          <a:latin typeface="Cambria Math" panose="02040503050406030204" pitchFamily="18" charset="0"/>
+                        </a:rPr>
+                        <m:t>|</m:t>
+                      </m:r>
+                      <m:r>
+                        <a:rPr>
+                          <a:latin typeface="Cambria Math" panose="02040503050406030204" pitchFamily="18" charset="0"/>
+                        </a:rPr>
+                        <m:t>𝑊𝑎𝑙𝑘</m:t>
+                      </m:r>
+                      <m:r>
+                        <a:rPr>
+                          <a:latin typeface="Cambria Math" panose="02040503050406030204" pitchFamily="18" charset="0"/>
+                        </a:rPr>
+                        <m:t>|</m:t>
+                      </m:r>
+                      <m:r>
+                        <a:rPr>
+                          <a:latin typeface="Cambria Math" panose="02040503050406030204" pitchFamily="18" charset="0"/>
+                        </a:rPr>
+                        <m:t>𝐻𝑎𝑝𝑝𝑦</m:t>
+                      </m:r>
+                      <m:r>
+                        <a:rPr>
+                          <a:latin typeface="Cambria Math" panose="02040503050406030204" pitchFamily="18" charset="0"/>
+                        </a:rPr>
+                        <m:t>|</m:t>
+                      </m:r>
+                      <m:r>
+                        <a:rPr>
+                          <a:latin typeface="Cambria Math" panose="02040503050406030204" pitchFamily="18" charset="0"/>
+                        </a:rPr>
+                        <m:t>𝐶𝑎𝑙𝑚</m:t>
+                      </m:r>
+                    </m:oMath>
+                  </m:oMathPara>
                 </a14:m>
+                <a:endParaRPr/>
               </a:p>
               <a:p>
-                <a:pPr lvl="0" marL="0" indent="0">
+                <a:pPr marL="0" lvl="0" indent="0">
                   <a:buNone/>
                 </a:pPr>
                 <a14:m>
-                  <m:oMath xmlns:m="http://schemas.openxmlformats.org/officeDocument/2006/math">
-                    <m:r>
-                      <m:t>⟨</m:t>
-                    </m:r>
-                    <m:r>
-                      <m:t>2</m:t>
-                    </m:r>
-                    <m:r>
-                      <m:t>p</m:t>
-                    </m:r>
-                    <m:r>
-                      <m:t>p</m:t>
-                    </m:r>
-                    <m:r>
-                      <m:t>⟩</m:t>
-                    </m:r>
-                    <m:r>
-                      <m:t>⩴</m:t>
-                    </m:r>
-                    <m:r>
-                      <m:t>L</m:t>
-                    </m:r>
-                    <m:r>
-                      <m:t>o</m:t>
-                    </m:r>
-                    <m:r>
-                      <m:t>v</m:t>
-                    </m:r>
-                    <m:r>
-                      <m:t>e</m:t>
-                    </m:r>
-                    <m:r>
-                      <m:t>|</m:t>
-                    </m:r>
-                    <m:r>
-                      <m:t>K</m:t>
-                    </m:r>
-                    <m:r>
-                      <m:t>i</m:t>
-                    </m:r>
-                    <m:r>
-                      <m:t>s</m:t>
-                    </m:r>
-                    <m:r>
-                      <m:t>s</m:t>
-                    </m:r>
-                    <m:r>
-                      <m:t>|</m:t>
-                    </m:r>
-                    <m:r>
-                      <m:t>L</m:t>
-                    </m:r>
-                    <m:r>
-                      <m:t>i</m:t>
-                    </m:r>
-                    <m:r>
-                      <m:t>k</m:t>
-                    </m:r>
-                    <m:r>
-                      <m:t>e</m:t>
-                    </m:r>
-                    <m:r>
-                      <m:t>|</m:t>
-                    </m:r>
-                    <m:r>
-                      <m:t>S</m:t>
-                    </m:r>
-                    <m:r>
-                      <m:t>e</m:t>
-                    </m:r>
-                    <m:r>
-                      <m:t>e</m:t>
-                    </m:r>
-                  </m:oMath>
+                  <m:oMathPara xmlns:m="http://schemas.openxmlformats.org/officeDocument/2006/math">
+                    <m:oMathParaPr>
+                      <m:jc m:val="centerGroup"/>
+                    </m:oMathParaPr>
+                    <m:oMath xmlns:m="http://schemas.openxmlformats.org/officeDocument/2006/math">
+                      <m:r>
+                        <a:rPr>
+                          <a:latin typeface="Cambria Math" panose="02040503050406030204" pitchFamily="18" charset="0"/>
+                        </a:rPr>
+                        <m:t>⟨2</m:t>
+                      </m:r>
+                      <m:r>
+                        <a:rPr>
+                          <a:latin typeface="Cambria Math" panose="02040503050406030204" pitchFamily="18" charset="0"/>
+                        </a:rPr>
+                        <m:t>𝑝𝑝</m:t>
+                      </m:r>
+                      <m:r>
+                        <a:rPr>
+                          <a:latin typeface="Cambria Math" panose="02040503050406030204" pitchFamily="18" charset="0"/>
+                        </a:rPr>
+                        <m:t>⟩⩴</m:t>
+                      </m:r>
+                      <m:r>
+                        <a:rPr>
+                          <a:latin typeface="Cambria Math" panose="02040503050406030204" pitchFamily="18" charset="0"/>
+                        </a:rPr>
+                        <m:t>𝐿𝑜𝑣𝑒</m:t>
+                      </m:r>
+                      <m:r>
+                        <a:rPr>
+                          <a:latin typeface="Cambria Math" panose="02040503050406030204" pitchFamily="18" charset="0"/>
+                        </a:rPr>
+                        <m:t>|</m:t>
+                      </m:r>
+                      <m:r>
+                        <a:rPr>
+                          <a:latin typeface="Cambria Math" panose="02040503050406030204" pitchFamily="18" charset="0"/>
+                        </a:rPr>
+                        <m:t>𝐾𝑖𝑠𝑠</m:t>
+                      </m:r>
+                      <m:r>
+                        <a:rPr>
+                          <a:latin typeface="Cambria Math" panose="02040503050406030204" pitchFamily="18" charset="0"/>
+                        </a:rPr>
+                        <m:t>|</m:t>
+                      </m:r>
+                      <m:r>
+                        <a:rPr>
+                          <a:latin typeface="Cambria Math" panose="02040503050406030204" pitchFamily="18" charset="0"/>
+                        </a:rPr>
+                        <m:t>𝐿𝑖𝑘𝑒</m:t>
+                      </m:r>
+                      <m:r>
+                        <a:rPr>
+                          <a:latin typeface="Cambria Math" panose="02040503050406030204" pitchFamily="18" charset="0"/>
+                        </a:rPr>
+                        <m:t>|</m:t>
+                      </m:r>
+                      <m:r>
+                        <a:rPr>
+                          <a:latin typeface="Cambria Math" panose="02040503050406030204" pitchFamily="18" charset="0"/>
+                        </a:rPr>
+                        <m:t>𝑆𝑒𝑒</m:t>
+                      </m:r>
+                    </m:oMath>
+                  </m:oMathPara>
                 </a14:m>
+                <a:endParaRPr/>
               </a:p>
               <a:p>
-                <a:pPr lvl="0" marL="0" indent="0">
+                <a:pPr marL="0" lvl="0" indent="0">
                   <a:buNone/>
                 </a:pPr>
                 <a14:m>
-                  <m:oMath xmlns:m="http://schemas.openxmlformats.org/officeDocument/2006/math">
-                    <m:r>
-                      <m:t>⟨</m:t>
-                    </m:r>
-                    <m:r>
-                      <m:t>w</m:t>
-                    </m:r>
-                    <m:r>
-                      <m:t>f</m:t>
-                    </m:r>
-                    <m:r>
-                      <m:t>f</m:t>
-                    </m:r>
-                    <m:r>
-                      <m:t>⟩</m:t>
-                    </m:r>
-                    <m:r>
-                      <m:t>⩴</m:t>
-                    </m:r>
-                    <m:r>
-                      <m:t>⟨</m:t>
-                    </m:r>
-                    <m:r>
-                      <m:t>1</m:t>
-                    </m:r>
-                    <m:r>
-                      <m:t>p</m:t>
-                    </m:r>
-                    <m:r>
-                      <m:t>p</m:t>
-                    </m:r>
-                    <m:r>
-                      <m:t>⟩</m:t>
-                    </m:r>
-                    <m:r>
-                      <m:t>(</m:t>
-                    </m:r>
-                    <m:r>
-                      <m:t>⟨</m:t>
-                    </m:r>
-                    <m:r>
-                      <m:t>t</m:t>
-                    </m:r>
-                    <m:r>
-                      <m:t>e</m:t>
-                    </m:r>
-                    <m:r>
-                      <m:t>r</m:t>
-                    </m:r>
-                    <m:r>
-                      <m:t>⟩</m:t>
-                    </m:r>
-                    <m:r>
-                      <m:t>)</m:t>
-                    </m:r>
-                  </m:oMath>
+                  <m:oMathPara xmlns:m="http://schemas.openxmlformats.org/officeDocument/2006/math">
+                    <m:oMathParaPr>
+                      <m:jc m:val="centerGroup"/>
+                    </m:oMathParaPr>
+                    <m:oMath xmlns:m="http://schemas.openxmlformats.org/officeDocument/2006/math">
+                      <m:r>
+                        <a:rPr>
+                          <a:latin typeface="Cambria Math" panose="02040503050406030204" pitchFamily="18" charset="0"/>
+                        </a:rPr>
+                        <m:t>⟨</m:t>
+                      </m:r>
+                      <m:r>
+                        <a:rPr>
+                          <a:latin typeface="Cambria Math" panose="02040503050406030204" pitchFamily="18" charset="0"/>
+                        </a:rPr>
+                        <m:t>𝑤𝑓𝑓</m:t>
+                      </m:r>
+                      <m:r>
+                        <a:rPr>
+                          <a:latin typeface="Cambria Math" panose="02040503050406030204" pitchFamily="18" charset="0"/>
+                        </a:rPr>
+                        <m:t>⟩⩴⟨1</m:t>
+                      </m:r>
+                      <m:r>
+                        <a:rPr>
+                          <a:latin typeface="Cambria Math" panose="02040503050406030204" pitchFamily="18" charset="0"/>
+                        </a:rPr>
+                        <m:t>𝑝𝑝</m:t>
+                      </m:r>
+                      <m:r>
+                        <a:rPr>
+                          <a:latin typeface="Cambria Math" panose="02040503050406030204" pitchFamily="18" charset="0"/>
+                        </a:rPr>
+                        <m:t>⟩(⟨</m:t>
+                      </m:r>
+                      <m:r>
+                        <a:rPr>
+                          <a:latin typeface="Cambria Math" panose="02040503050406030204" pitchFamily="18" charset="0"/>
+                        </a:rPr>
+                        <m:t>𝑡𝑒𝑟</m:t>
+                      </m:r>
+                      <m:r>
+                        <a:rPr>
+                          <a:latin typeface="Cambria Math" panose="02040503050406030204" pitchFamily="18" charset="0"/>
+                        </a:rPr>
+                        <m:t>⟩)</m:t>
+                      </m:r>
+                    </m:oMath>
+                  </m:oMathPara>
                 </a14:m>
+                <a:endParaRPr/>
               </a:p>
               <a:p>
-                <a:pPr lvl="0" marL="0" indent="0">
+                <a:pPr marL="0" lvl="0" indent="0">
                   <a:buNone/>
                 </a:pPr>
                 <a14:m>
-                  <m:oMath xmlns:m="http://schemas.openxmlformats.org/officeDocument/2006/math">
-                    <m:r>
-                      <m:t>⟨</m:t>
-                    </m:r>
-                    <m:r>
-                      <m:t>w</m:t>
-                    </m:r>
-                    <m:r>
-                      <m:t>f</m:t>
-                    </m:r>
-                    <m:r>
-                      <m:t>f</m:t>
-                    </m:r>
-                    <m:r>
-                      <m:t>⟩</m:t>
-                    </m:r>
-                    <m:r>
-                      <m:t>⩴</m:t>
-                    </m:r>
-                    <m:r>
-                      <m:t>⟨</m:t>
-                    </m:r>
-                    <m:r>
-                      <m:t>2</m:t>
-                    </m:r>
-                    <m:r>
-                      <m:t>p</m:t>
-                    </m:r>
-                    <m:r>
-                      <m:t>p</m:t>
-                    </m:r>
-                    <m:r>
-                      <m:t>⟩</m:t>
-                    </m:r>
-                    <m:r>
-                      <m:t>(</m:t>
-                    </m:r>
-                    <m:r>
-                      <m:t>⟨</m:t>
-                    </m:r>
-                    <m:r>
-                      <m:t>t</m:t>
-                    </m:r>
-                    <m:r>
-                      <m:t>e</m:t>
-                    </m:r>
-                    <m:r>
-                      <m:t>r</m:t>
-                    </m:r>
-                    <m:r>
-                      <m:t>⟩</m:t>
-                    </m:r>
-                    <m:r>
-                      <m:t>,</m:t>
-                    </m:r>
-                    <m:r>
-                      <m:t>⟨</m:t>
-                    </m:r>
-                    <m:r>
-                      <m:t>t</m:t>
-                    </m:r>
-                    <m:r>
-                      <m:t>e</m:t>
-                    </m:r>
-                    <m:r>
-                      <m:t>r</m:t>
-                    </m:r>
-                    <m:r>
-                      <m:t>⟩</m:t>
-                    </m:r>
-                    <m:r>
-                      <m:t>)</m:t>
-                    </m:r>
-                  </m:oMath>
+                  <m:oMathPara xmlns:m="http://schemas.openxmlformats.org/officeDocument/2006/math">
+                    <m:oMathParaPr>
+                      <m:jc m:val="centerGroup"/>
+                    </m:oMathParaPr>
+                    <m:oMath xmlns:m="http://schemas.openxmlformats.org/officeDocument/2006/math">
+                      <m:r>
+                        <a:rPr>
+                          <a:latin typeface="Cambria Math" panose="02040503050406030204" pitchFamily="18" charset="0"/>
+                        </a:rPr>
+                        <m:t>⟨</m:t>
+                      </m:r>
+                      <m:r>
+                        <a:rPr>
+                          <a:latin typeface="Cambria Math" panose="02040503050406030204" pitchFamily="18" charset="0"/>
+                        </a:rPr>
+                        <m:t>𝑤𝑓𝑓</m:t>
+                      </m:r>
+                      <m:r>
+                        <a:rPr>
+                          <a:latin typeface="Cambria Math" panose="02040503050406030204" pitchFamily="18" charset="0"/>
+                        </a:rPr>
+                        <m:t>⟩⩴⟨2</m:t>
+                      </m:r>
+                      <m:r>
+                        <a:rPr>
+                          <a:latin typeface="Cambria Math" panose="02040503050406030204" pitchFamily="18" charset="0"/>
+                        </a:rPr>
+                        <m:t>𝑝𝑝</m:t>
+                      </m:r>
+                      <m:r>
+                        <a:rPr>
+                          <a:latin typeface="Cambria Math" panose="02040503050406030204" pitchFamily="18" charset="0"/>
+                        </a:rPr>
+                        <m:t>⟩(⟨</m:t>
+                      </m:r>
+                      <m:r>
+                        <a:rPr>
+                          <a:latin typeface="Cambria Math" panose="02040503050406030204" pitchFamily="18" charset="0"/>
+                        </a:rPr>
+                        <m:t>𝑡𝑒𝑟</m:t>
+                      </m:r>
+                      <m:r>
+                        <a:rPr>
+                          <a:latin typeface="Cambria Math" panose="02040503050406030204" pitchFamily="18" charset="0"/>
+                        </a:rPr>
+                        <m:t>⟩,⟨</m:t>
+                      </m:r>
+                      <m:r>
+                        <a:rPr>
+                          <a:latin typeface="Cambria Math" panose="02040503050406030204" pitchFamily="18" charset="0"/>
+                        </a:rPr>
+                        <m:t>𝑡𝑒𝑟</m:t>
+                      </m:r>
+                      <m:r>
+                        <a:rPr>
+                          <a:latin typeface="Cambria Math" panose="02040503050406030204" pitchFamily="18" charset="0"/>
+                        </a:rPr>
+                        <m:t>⟩)</m:t>
+                      </m:r>
+                    </m:oMath>
+                  </m:oMathPara>
                 </a14:m>
+                <a:endParaRPr/>
               </a:p>
               <a:p>
-                <a:pPr lvl="0" marL="0" indent="0">
+                <a:pPr marL="0" lvl="0" indent="0">
                   <a:buNone/>
                 </a:pPr>
                 <a14:m>
-                  <m:oMath xmlns:m="http://schemas.openxmlformats.org/officeDocument/2006/math">
-                    <m:r>
-                      <m:t>⟨</m:t>
-                    </m:r>
-                    <m:r>
-                      <m:t>w</m:t>
-                    </m:r>
-                    <m:r>
-                      <m:t>f</m:t>
-                    </m:r>
-                    <m:r>
-                      <m:t>f</m:t>
-                    </m:r>
-                    <m:r>
-                      <m:t>⟩</m:t>
-                    </m:r>
-                    <m:r>
-                      <m:t>⩴</m:t>
-                    </m:r>
-                    <m:r>
-                      <m:t>−</m:t>
-                    </m:r>
-                    <m:r>
-                      <m:t>⟨</m:t>
-                    </m:r>
-                    <m:r>
-                      <m:t>w</m:t>
-                    </m:r>
-                    <m:r>
-                      <m:t>f</m:t>
-                    </m:r>
-                    <m:r>
-                      <m:t>f</m:t>
-                    </m:r>
-                    <m:r>
-                      <m:t>⟩</m:t>
-                    </m:r>
-                  </m:oMath>
+                  <m:oMathPara xmlns:m="http://schemas.openxmlformats.org/officeDocument/2006/math">
+                    <m:oMathParaPr>
+                      <m:jc m:val="centerGroup"/>
+                    </m:oMathParaPr>
+                    <m:oMath xmlns:m="http://schemas.openxmlformats.org/officeDocument/2006/math">
+                      <m:r>
+                        <a:rPr>
+                          <a:latin typeface="Cambria Math" panose="02040503050406030204" pitchFamily="18" charset="0"/>
+                        </a:rPr>
+                        <m:t>⟨</m:t>
+                      </m:r>
+                      <m:r>
+                        <a:rPr>
+                          <a:latin typeface="Cambria Math" panose="02040503050406030204" pitchFamily="18" charset="0"/>
+                        </a:rPr>
+                        <m:t>𝑤𝑓𝑓</m:t>
+                      </m:r>
+                      <m:r>
+                        <a:rPr>
+                          <a:latin typeface="Cambria Math" panose="02040503050406030204" pitchFamily="18" charset="0"/>
+                        </a:rPr>
+                        <m:t>⟩⩴−⟨</m:t>
+                      </m:r>
+                      <m:r>
+                        <a:rPr>
+                          <a:latin typeface="Cambria Math" panose="02040503050406030204" pitchFamily="18" charset="0"/>
+                        </a:rPr>
+                        <m:t>𝑤𝑓𝑓</m:t>
+                      </m:r>
+                      <m:r>
+                        <a:rPr>
+                          <a:latin typeface="Cambria Math" panose="02040503050406030204" pitchFamily="18" charset="0"/>
+                        </a:rPr>
+                        <m:t>⟩</m:t>
+                      </m:r>
+                    </m:oMath>
+                  </m:oMathPara>
                 </a14:m>
+                <a:endParaRPr/>
               </a:p>
               <a:p>
-                <a:pPr lvl="0" marL="0" indent="0">
+                <a:pPr marL="0" lvl="0" indent="0">
                   <a:buNone/>
                 </a:pPr>
                 <a14:m>
-                  <m:oMath xmlns:m="http://schemas.openxmlformats.org/officeDocument/2006/math">
-                    <m:r>
-                      <m:t>⟨</m:t>
-                    </m:r>
-                    <m:r>
-                      <m:t>w</m:t>
-                    </m:r>
-                    <m:r>
-                      <m:t>f</m:t>
-                    </m:r>
-                    <m:r>
-                      <m:t>f</m:t>
-                    </m:r>
-                    <m:r>
-                      <m:t>⟩</m:t>
-                    </m:r>
-                    <m:r>
-                      <m:t>⩴</m:t>
-                    </m:r>
-                    <m:r>
-                      <m:t>(</m:t>
-                    </m:r>
-                    <m:r>
-                      <m:t>⟨</m:t>
-                    </m:r>
-                    <m:r>
-                      <m:t>w</m:t>
-                    </m:r>
-                    <m:r>
-                      <m:t>f</m:t>
-                    </m:r>
-                    <m:r>
-                      <m:t>f</m:t>
-                    </m:r>
-                    <m:r>
-                      <m:t>⟩</m:t>
-                    </m:r>
-                    <m:r>
-                      <m:t>∨</m:t>
-                    </m:r>
-                    <m:r>
-                      <m:t>⟨</m:t>
-                    </m:r>
-                    <m:r>
-                      <m:t>w</m:t>
-                    </m:r>
-                    <m:r>
-                      <m:t>f</m:t>
-                    </m:r>
-                    <m:r>
-                      <m:t>f</m:t>
-                    </m:r>
-                    <m:r>
-                      <m:t>⟩</m:t>
-                    </m:r>
-                    <m:r>
-                      <m:t>)</m:t>
-                    </m:r>
-                  </m:oMath>
+                  <m:oMathPara xmlns:m="http://schemas.openxmlformats.org/officeDocument/2006/math">
+                    <m:oMathParaPr>
+                      <m:jc m:val="centerGroup"/>
+                    </m:oMathParaPr>
+                    <m:oMath xmlns:m="http://schemas.openxmlformats.org/officeDocument/2006/math">
+                      <m:r>
+                        <a:rPr>
+                          <a:latin typeface="Cambria Math" panose="02040503050406030204" pitchFamily="18" charset="0"/>
+                        </a:rPr>
+                        <m:t>⟨</m:t>
+                      </m:r>
+                      <m:r>
+                        <a:rPr>
+                          <a:latin typeface="Cambria Math" panose="02040503050406030204" pitchFamily="18" charset="0"/>
+                        </a:rPr>
+                        <m:t>𝑤𝑓𝑓</m:t>
+                      </m:r>
+                      <m:r>
+                        <a:rPr>
+                          <a:latin typeface="Cambria Math" panose="02040503050406030204" pitchFamily="18" charset="0"/>
+                        </a:rPr>
+                        <m:t>⟩⩴(⟨</m:t>
+                      </m:r>
+                      <m:r>
+                        <a:rPr>
+                          <a:latin typeface="Cambria Math" panose="02040503050406030204" pitchFamily="18" charset="0"/>
+                        </a:rPr>
+                        <m:t>𝑤𝑓𝑓</m:t>
+                      </m:r>
+                      <m:r>
+                        <a:rPr>
+                          <a:latin typeface="Cambria Math" panose="02040503050406030204" pitchFamily="18" charset="0"/>
+                        </a:rPr>
+                        <m:t>⟩∨⟨</m:t>
+                      </m:r>
+                      <m:r>
+                        <a:rPr>
+                          <a:latin typeface="Cambria Math" panose="02040503050406030204" pitchFamily="18" charset="0"/>
+                        </a:rPr>
+                        <m:t>𝑤𝑓𝑓</m:t>
+                      </m:r>
+                      <m:r>
+                        <a:rPr>
+                          <a:latin typeface="Cambria Math" panose="02040503050406030204" pitchFamily="18" charset="0"/>
+                        </a:rPr>
+                        <m:t>⟩)</m:t>
+                      </m:r>
+                    </m:oMath>
+                  </m:oMathPara>
                 </a14:m>
+                <a:endParaRPr/>
               </a:p>
               <a:p>
-                <a:pPr lvl="0" marL="0" indent="0">
+                <a:pPr marL="0" lvl="0" indent="0">
                   <a:buNone/>
                 </a:pPr>
                 <a14:m>
-                  <m:oMath xmlns:m="http://schemas.openxmlformats.org/officeDocument/2006/math">
-                    <m:r>
-                      <m:t>⟨</m:t>
-                    </m:r>
-                    <m:r>
-                      <m:t>w</m:t>
-                    </m:r>
-                    <m:r>
-                      <m:t>f</m:t>
-                    </m:r>
-                    <m:r>
-                      <m:t>f</m:t>
-                    </m:r>
-                    <m:r>
-                      <m:t>⟩</m:t>
-                    </m:r>
-                    <m:r>
-                      <m:t>⩴</m:t>
-                    </m:r>
-                    <m:r>
-                      <m:t>(</m:t>
-                    </m:r>
-                    <m:r>
-                      <m:t>⟨</m:t>
-                    </m:r>
-                    <m:r>
-                      <m:t>w</m:t>
-                    </m:r>
-                    <m:r>
-                      <m:t>f</m:t>
-                    </m:r>
-                    <m:r>
-                      <m:t>f</m:t>
-                    </m:r>
-                    <m:r>
-                      <m:t>⟩</m:t>
-                    </m:r>
-                    <m:r>
-                      <m:t> </m:t>
-                    </m:r>
-                    <m:r>
-                      <m:t>&amp;</m:t>
-                    </m:r>
-                    <m:r>
-                      <m:t> </m:t>
-                    </m:r>
-                    <m:r>
-                      <m:t>⟨</m:t>
-                    </m:r>
-                    <m:r>
-                      <m:t>w</m:t>
-                    </m:r>
-                    <m:r>
-                      <m:t>f</m:t>
-                    </m:r>
-                    <m:r>
-                      <m:t>f</m:t>
-                    </m:r>
-                    <m:r>
-                      <m:t>⟩</m:t>
-                    </m:r>
-                    <m:r>
-                      <m:t>)</m:t>
-                    </m:r>
-                  </m:oMath>
+                  <m:oMathPara xmlns:m="http://schemas.openxmlformats.org/officeDocument/2006/math">
+                    <m:oMathParaPr>
+                      <m:jc m:val="centerGroup"/>
+                    </m:oMathParaPr>
+                    <m:oMath xmlns:m="http://schemas.openxmlformats.org/officeDocument/2006/math">
+                      <m:r>
+                        <a:rPr>
+                          <a:latin typeface="Cambria Math" panose="02040503050406030204" pitchFamily="18" charset="0"/>
+                        </a:rPr>
+                        <m:t>⟨</m:t>
+                      </m:r>
+                      <m:r>
+                        <a:rPr>
+                          <a:latin typeface="Cambria Math" panose="02040503050406030204" pitchFamily="18" charset="0"/>
+                        </a:rPr>
+                        <m:t>𝑤𝑓𝑓</m:t>
+                      </m:r>
+                      <m:r>
+                        <a:rPr>
+                          <a:latin typeface="Cambria Math" panose="02040503050406030204" pitchFamily="18" charset="0"/>
+                        </a:rPr>
+                        <m:t>⟩⩴(⟨</m:t>
+                      </m:r>
+                      <m:r>
+                        <a:rPr>
+                          <a:latin typeface="Cambria Math" panose="02040503050406030204" pitchFamily="18" charset="0"/>
+                        </a:rPr>
+                        <m:t>𝑤𝑓𝑓</m:t>
+                      </m:r>
+                      <m:r>
+                        <a:rPr>
+                          <a:latin typeface="Cambria Math" panose="02040503050406030204" pitchFamily="18" charset="0"/>
+                        </a:rPr>
+                        <m:t>⟩ &amp; ⟨</m:t>
+                      </m:r>
+                      <m:r>
+                        <a:rPr>
+                          <a:latin typeface="Cambria Math" panose="02040503050406030204" pitchFamily="18" charset="0"/>
+                        </a:rPr>
+                        <m:t>𝑤𝑓𝑓</m:t>
+                      </m:r>
+                      <m:r>
+                        <a:rPr>
+                          <a:latin typeface="Cambria Math" panose="02040503050406030204" pitchFamily="18" charset="0"/>
+                        </a:rPr>
+                        <m:t>⟩)</m:t>
+                      </m:r>
+                    </m:oMath>
+                  </m:oMathPara>
                 </a14:m>
+                <a:endParaRPr/>
               </a:p>
               <a:p>
-                <a:pPr lvl="0" marL="0" indent="0">
+                <a:pPr marL="0" lvl="0" indent="0">
                   <a:buNone/>
                 </a:pPr>
                 <a14:m>
-                  <m:oMath xmlns:m="http://schemas.openxmlformats.org/officeDocument/2006/math">
-                    <m:r>
-                      <m:t>⟨</m:t>
-                    </m:r>
-                    <m:r>
-                      <m:t>w</m:t>
-                    </m:r>
-                    <m:r>
-                      <m:t>f</m:t>
-                    </m:r>
-                    <m:r>
-                      <m:t>f</m:t>
-                    </m:r>
-                    <m:r>
-                      <m:t>⟩</m:t>
-                    </m:r>
-                    <m:r>
-                      <m:t>⩴</m:t>
-                    </m:r>
-                    <m:r>
-                      <m:t>∀</m:t>
-                    </m:r>
-                    <m:r>
-                      <m:t>⟨</m:t>
-                    </m:r>
-                    <m:r>
-                      <m:t>v</m:t>
-                    </m:r>
-                    <m:r>
-                      <m:t>a</m:t>
-                    </m:r>
-                    <m:r>
-                      <m:t>r</m:t>
-                    </m:r>
-                    <m:r>
-                      <m:t>⟩</m:t>
-                    </m:r>
-                    <m:r>
-                      <m:t> </m:t>
-                    </m:r>
-                    <m:r>
-                      <m:t>⟨</m:t>
-                    </m:r>
-                    <m:r>
-                      <m:t>w</m:t>
-                    </m:r>
-                    <m:r>
-                      <m:t>f</m:t>
-                    </m:r>
-                    <m:r>
-                      <m:t>f</m:t>
-                    </m:r>
-                    <m:r>
-                      <m:t>⟩</m:t>
-                    </m:r>
-                  </m:oMath>
+                  <m:oMathPara xmlns:m="http://schemas.openxmlformats.org/officeDocument/2006/math">
+                    <m:oMathParaPr>
+                      <m:jc m:val="centerGroup"/>
+                    </m:oMathParaPr>
+                    <m:oMath xmlns:m="http://schemas.openxmlformats.org/officeDocument/2006/math">
+                      <m:r>
+                        <a:rPr>
+                          <a:latin typeface="Cambria Math" panose="02040503050406030204" pitchFamily="18" charset="0"/>
+                        </a:rPr>
+                        <m:t>⟨</m:t>
+                      </m:r>
+                      <m:r>
+                        <a:rPr>
+                          <a:latin typeface="Cambria Math" panose="02040503050406030204" pitchFamily="18" charset="0"/>
+                        </a:rPr>
+                        <m:t>𝑤𝑓𝑓</m:t>
+                      </m:r>
+                      <m:r>
+                        <a:rPr>
+                          <a:latin typeface="Cambria Math" panose="02040503050406030204" pitchFamily="18" charset="0"/>
+                        </a:rPr>
+                        <m:t>⟩⩴∀⟨</m:t>
+                      </m:r>
+                      <m:r>
+                        <a:rPr>
+                          <a:latin typeface="Cambria Math" panose="02040503050406030204" pitchFamily="18" charset="0"/>
+                        </a:rPr>
+                        <m:t>𝑣𝑎𝑟</m:t>
+                      </m:r>
+                      <m:r>
+                        <a:rPr>
+                          <a:latin typeface="Cambria Math" panose="02040503050406030204" pitchFamily="18" charset="0"/>
+                        </a:rPr>
+                        <m:t>⟩ ⟨</m:t>
+                      </m:r>
+                      <m:r>
+                        <a:rPr>
+                          <a:latin typeface="Cambria Math" panose="02040503050406030204" pitchFamily="18" charset="0"/>
+                        </a:rPr>
+                        <m:t>𝑤𝑓𝑓</m:t>
+                      </m:r>
+                      <m:r>
+                        <a:rPr>
+                          <a:latin typeface="Cambria Math" panose="02040503050406030204" pitchFamily="18" charset="0"/>
+                        </a:rPr>
+                        <m:t>⟩</m:t>
+                      </m:r>
+                    </m:oMath>
+                  </m:oMathPara>
                 </a14:m>
+                <a:endParaRPr/>
               </a:p>
               <a:p>
-                <a:pPr lvl="0" marL="0" indent="0">
+                <a:pPr marL="0" lvl="0" indent="0">
                   <a:buNone/>
                 </a:pPr>
                 <a14:m>
-                  <m:oMath xmlns:m="http://schemas.openxmlformats.org/officeDocument/2006/math">
-                    <m:r>
-                      <m:t>⟨</m:t>
-                    </m:r>
-                    <m:r>
-                      <m:t>w</m:t>
-                    </m:r>
-                    <m:r>
-                      <m:t>f</m:t>
-                    </m:r>
-                    <m:r>
-                      <m:t>f</m:t>
-                    </m:r>
-                    <m:r>
-                      <m:t>⟩</m:t>
-                    </m:r>
-                    <m:r>
-                      <m:t>⩴</m:t>
-                    </m:r>
-                    <m:r>
-                      <m:t>∃</m:t>
-                    </m:r>
-                    <m:r>
-                      <m:t>⟨</m:t>
-                    </m:r>
-                    <m:r>
-                      <m:t>v</m:t>
-                    </m:r>
-                    <m:r>
-                      <m:t>a</m:t>
-                    </m:r>
-                    <m:r>
-                      <m:t>r</m:t>
-                    </m:r>
-                    <m:r>
-                      <m:t>⟩</m:t>
-                    </m:r>
-                    <m:r>
-                      <m:t> </m:t>
-                    </m:r>
-                    <m:r>
-                      <m:t>⟨</m:t>
-                    </m:r>
-                    <m:r>
-                      <m:t>w</m:t>
-                    </m:r>
-                    <m:r>
-                      <m:t>f</m:t>
-                    </m:r>
-                    <m:r>
-                      <m:t>f</m:t>
-                    </m:r>
-                    <m:r>
-                      <m:t>⟩</m:t>
-                    </m:r>
-                  </m:oMath>
+                  <m:oMathPara xmlns:m="http://schemas.openxmlformats.org/officeDocument/2006/math">
+                    <m:oMathParaPr>
+                      <m:jc m:val="centerGroup"/>
+                    </m:oMathParaPr>
+                    <m:oMath xmlns:m="http://schemas.openxmlformats.org/officeDocument/2006/math">
+                      <m:r>
+                        <a:rPr>
+                          <a:latin typeface="Cambria Math" panose="02040503050406030204" pitchFamily="18" charset="0"/>
+                        </a:rPr>
+                        <m:t>⟨</m:t>
+                      </m:r>
+                      <m:r>
+                        <a:rPr>
+                          <a:latin typeface="Cambria Math" panose="02040503050406030204" pitchFamily="18" charset="0"/>
+                        </a:rPr>
+                        <m:t>𝑤𝑓𝑓</m:t>
+                      </m:r>
+                      <m:r>
+                        <a:rPr>
+                          <a:latin typeface="Cambria Math" panose="02040503050406030204" pitchFamily="18" charset="0"/>
+                        </a:rPr>
+                        <m:t>⟩⩴∃⟨</m:t>
+                      </m:r>
+                      <m:r>
+                        <a:rPr>
+                          <a:latin typeface="Cambria Math" panose="02040503050406030204" pitchFamily="18" charset="0"/>
+                        </a:rPr>
+                        <m:t>𝑣𝑎𝑟</m:t>
+                      </m:r>
+                      <m:r>
+                        <a:rPr>
+                          <a:latin typeface="Cambria Math" panose="02040503050406030204" pitchFamily="18" charset="0"/>
+                        </a:rPr>
+                        <m:t>⟩ ⟨</m:t>
+                      </m:r>
+                      <m:r>
+                        <a:rPr>
+                          <a:latin typeface="Cambria Math" panose="02040503050406030204" pitchFamily="18" charset="0"/>
+                        </a:rPr>
+                        <m:t>𝑤𝑓𝑓</m:t>
+                      </m:r>
+                      <m:r>
+                        <a:rPr>
+                          <a:latin typeface="Cambria Math" panose="02040503050406030204" pitchFamily="18" charset="0"/>
+                        </a:rPr>
+                        <m:t>⟩</m:t>
+                      </m:r>
+                    </m:oMath>
+                  </m:oMathPara>
                 </a14:m>
+                <a:endParaRPr/>
               </a:p>
             </p:txBody>
           </p:sp>
         </mc:Choice>
+        <mc:Fallback>
+          <p:sp>
+            <p:nvSpPr>
+              <p:cNvPr id="3" name="Content Placeholder 2"/>
+              <p:cNvSpPr>
+                <a:spLocks noGrp="1" noRot="1" noChangeAspect="1" noMove="1" noResize="1" noEditPoints="1" noAdjustHandles="1" noChangeArrowheads="1" noChangeShapeType="1" noTextEdit="1"/>
+              </p:cNvSpPr>
+              <p:nvPr>
+                <p:ph idx="1"/>
+              </p:nvPr>
+            </p:nvSpPr>
+            <p:spPr>
+              <a:blipFill>
+                <a:blip r:embed="rId2"/>
+                <a:stretch>
+                  <a:fillRect/>
+                </a:stretch>
+              </a:blipFill>
+            </p:spPr>
+            <p:txBody>
+              <a:bodyPr/>
+              <a:lstStyle/>
+              <a:p>
+                <a:r>
+                  <a:rPr lang="en-US">
+                    <a:noFill/>
+                  </a:rPr>
+                  <a:t> </a:t>
+                </a:r>
+              </a:p>
+            </p:txBody>
+          </p:sp>
+        </mc:Fallback>
       </mc:AlternateContent>
     </p:spTree>
   </p:cSld>
+  <p:clrMapOvr>
+    <a:masterClrMapping/>
+  </p:clrMapOvr>
 </p:sld>
 </file>
 
@@ -4357,39 +4204,16 @@
         </p:nvSpPr>
         <p:spPr/>
         <p:txBody>
-          <a:bodyPr/>
+          <a:bodyPr>
+            <a:normAutofit fontScale="90000"/>
+          </a:bodyPr>
           <a:lstStyle/>
           <a:p>
-            <a:pPr lvl="0" marL="0" indent="0">
+            <a:pPr marL="0" lvl="0" indent="0">
               <a:buNone/>
             </a:pPr>
             <a:r>
-              <a:rPr/>
-              <a:t>Notational</a:t>
-            </a:r>
-            <a:r>
-              <a:rPr/>
-              <a:t> </a:t>
-            </a:r>
-            <a:r>
-              <a:rPr/>
-              <a:t>differences</a:t>
-            </a:r>
-            <a:r>
-              <a:rPr/>
-              <a:t> </a:t>
-            </a:r>
-            <a:r>
-              <a:rPr/>
-              <a:t>between</a:t>
-            </a:r>
-            <a:r>
-              <a:rPr/>
-              <a:t> </a:t>
-            </a:r>
-            <a:r>
-              <a:rPr/>
-              <a:t>readings</a:t>
+              <a:t>Notational differences between readings</a:t>
             </a:r>
           </a:p>
         </p:txBody>
@@ -4408,323 +4232,408 @@
             </p:nvSpPr>
             <p:spPr/>
             <p:txBody>
-              <a:bodyPr/>
+              <a:bodyPr>
+                <a:normAutofit fontScale="77500" lnSpcReduction="20000"/>
+              </a:bodyPr>
               <a:lstStyle/>
               <a:p>
                 <a:pPr lvl="1"/>
                 <a:r>
-                  <a:rPr/>
                   <a:t>The </a:t>
                 </a:r>
                 <a14:m>
                   <m:oMath xmlns:m="http://schemas.openxmlformats.org/officeDocument/2006/math">
                     <m:r>
+                      <a:rPr>
+                        <a:latin typeface="Cambria Math" panose="02040503050406030204" pitchFamily="18" charset="0"/>
+                      </a:rPr>
                       <m:t>&amp;</m:t>
                     </m:r>
                   </m:oMath>
                 </a14:m>
                 <a:r>
-                  <a:rPr/>
                   <a:t> and </a:t>
                 </a:r>
                 <a14:m>
                   <m:oMath xmlns:m="http://schemas.openxmlformats.org/officeDocument/2006/math">
                     <m:r>
+                      <a:rPr>
+                        <a:latin typeface="Cambria Math" panose="02040503050406030204" pitchFamily="18" charset="0"/>
+                      </a:rPr>
                       <m:t>∧</m:t>
                     </m:r>
                   </m:oMath>
                 </a14:m>
                 <a:r>
-                  <a:rPr/>
                   <a:t> symbols both mean conjunction (“and”).</a:t>
                 </a:r>
               </a:p>
               <a:p>
                 <a:pPr lvl="1"/>
                 <a:r>
-                  <a:rPr/>
                   <a:t>The </a:t>
                 </a:r>
                 <a14:m>
                   <m:oMath xmlns:m="http://schemas.openxmlformats.org/officeDocument/2006/math">
                     <m:r>
+                      <a:rPr>
+                        <a:latin typeface="Cambria Math" panose="02040503050406030204" pitchFamily="18" charset="0"/>
+                      </a:rPr>
                       <m:t>¬</m:t>
                     </m:r>
                   </m:oMath>
                 </a14:m>
                 <a:r>
-                  <a:rPr/>
                   <a:t>, </a:t>
                 </a:r>
                 <a14:m>
                   <m:oMath xmlns:m="http://schemas.openxmlformats.org/officeDocument/2006/math">
                     <m:r>
+                      <a:rPr>
+                        <a:latin typeface="Cambria Math" panose="02040503050406030204" pitchFamily="18" charset="0"/>
+                      </a:rPr>
                       <m:t>∼</m:t>
                     </m:r>
                   </m:oMath>
                 </a14:m>
                 <a:r>
-                  <a:rPr/>
                   <a:t>, and </a:t>
                 </a:r>
                 <a14:m>
                   <m:oMath xmlns:m="http://schemas.openxmlformats.org/officeDocument/2006/math">
                     <m:r>
+                      <a:rPr>
+                        <a:latin typeface="Cambria Math" panose="02040503050406030204" pitchFamily="18" charset="0"/>
+                      </a:rPr>
                       <m:t>−</m:t>
                     </m:r>
                   </m:oMath>
                 </a14:m>
                 <a:r>
-                  <a:rPr/>
                   <a:t> all mean negation (“not”).</a:t>
                 </a:r>
               </a:p>
               <a:p>
                 <a:pPr lvl="1"/>
                 <a:r>
-                  <a:rPr/>
                   <a:t>Sometimes predicates are written with parentheses (</a:t>
                 </a:r>
                 <a14:m>
                   <m:oMath xmlns:m="http://schemas.openxmlformats.org/officeDocument/2006/math">
                     <m:r>
-                      <m:t>P</m:t>
-                    </m:r>
-                    <m:r>
+                      <a:rPr>
+                        <a:latin typeface="Cambria Math" panose="02040503050406030204" pitchFamily="18" charset="0"/>
+                      </a:rPr>
+                      <m:t>𝑃</m:t>
+                    </m:r>
+                    <m:r>
+                      <a:rPr>
+                        <a:latin typeface="Cambria Math" panose="02040503050406030204" pitchFamily="18" charset="0"/>
+                      </a:rPr>
                       <m:t>(</m:t>
                     </m:r>
                     <m:r>
-                      <m:t>x</m:t>
-                    </m:r>
-                    <m:r>
+                      <a:rPr>
+                        <a:latin typeface="Cambria Math" panose="02040503050406030204" pitchFamily="18" charset="0"/>
+                      </a:rPr>
+                      <m:t>𝑥</m:t>
+                    </m:r>
+                    <m:r>
+                      <a:rPr>
+                        <a:latin typeface="Cambria Math" panose="02040503050406030204" pitchFamily="18" charset="0"/>
+                      </a:rPr>
                       <m:t>,</m:t>
                     </m:r>
                     <m:r>
-                      <m:t>y</m:t>
-                    </m:r>
-                    <m:r>
+                      <a:rPr>
+                        <a:latin typeface="Cambria Math" panose="02040503050406030204" pitchFamily="18" charset="0"/>
+                      </a:rPr>
+                      <m:t>𝑦</m:t>
+                    </m:r>
+                    <m:r>
+                      <a:rPr>
+                        <a:latin typeface="Cambria Math" panose="02040503050406030204" pitchFamily="18" charset="0"/>
+                      </a:rPr>
                       <m:t>)</m:t>
                     </m:r>
                   </m:oMath>
                 </a14:m>
                 <a:r>
-                  <a:rPr/>
                   <a:t>), sometimes not (</a:t>
                 </a:r>
                 <a14:m>
                   <m:oMath xmlns:m="http://schemas.openxmlformats.org/officeDocument/2006/math">
                     <m:r>
-                      <m:t>P</m:t>
-                    </m:r>
-                    <m:r>
-                      <m:t>x</m:t>
-                    </m:r>
-                    <m:r>
-                      <m:t>y</m:t>
+                      <a:rPr>
+                        <a:latin typeface="Cambria Math" panose="02040503050406030204" pitchFamily="18" charset="0"/>
+                      </a:rPr>
+                      <m:t>𝑃𝑥𝑦</m:t>
                     </m:r>
                   </m:oMath>
                 </a14:m>
                 <a:r>
-                  <a:rPr/>
                   <a:t>).</a:t>
                 </a:r>
               </a:p>
               <a:p>
                 <a:pPr lvl="1"/>
                 <a:r>
-                  <a:rPr/>
                   <a:t>In other words, </a:t>
                 </a:r>
                 <a14:m>
                   <m:oMath xmlns:m="http://schemas.openxmlformats.org/officeDocument/2006/math">
                     <m:r>
+                      <a:rPr>
+                        <a:latin typeface="Cambria Math" panose="02040503050406030204" pitchFamily="18" charset="0"/>
+                      </a:rPr>
                       <m:t>(</m:t>
                     </m:r>
                     <m:r>
-                      <m:t>P</m:t>
-                    </m:r>
-                    <m:r>
-                      <m:t>a</m:t>
-                    </m:r>
-                    <m:r>
-                      <m:t>b</m:t>
-                    </m:r>
-                    <m:r>
-                      <m:t>∧</m:t>
-                    </m:r>
-                    <m:r>
-                      <m:t>¬</m:t>
-                    </m:r>
-                    <m:r>
-                      <m:t>Q</m:t>
-                    </m:r>
-                    <m:r>
-                      <m:t>b</m:t>
-                    </m:r>
-                    <m:r>
-                      <m:t>c</m:t>
-                    </m:r>
-                    <m:r>
+                      <a:rPr>
+                        <a:latin typeface="Cambria Math" panose="02040503050406030204" pitchFamily="18" charset="0"/>
+                      </a:rPr>
+                      <m:t>𝑃𝑎𝑏</m:t>
+                    </m:r>
+                    <m:r>
+                      <a:rPr>
+                        <a:latin typeface="Cambria Math" panose="02040503050406030204" pitchFamily="18" charset="0"/>
+                      </a:rPr>
+                      <m:t>∧¬</m:t>
+                    </m:r>
+                    <m:r>
+                      <a:rPr>
+                        <a:latin typeface="Cambria Math" panose="02040503050406030204" pitchFamily="18" charset="0"/>
+                      </a:rPr>
+                      <m:t>𝑄𝑏𝑐</m:t>
+                    </m:r>
+                    <m:r>
+                      <a:rPr>
+                        <a:latin typeface="Cambria Math" panose="02040503050406030204" pitchFamily="18" charset="0"/>
+                      </a:rPr>
                       <m:t>)</m:t>
                     </m:r>
                   </m:oMath>
                 </a14:m>
                 <a:r>
-                  <a:rPr/>
                   <a:t> is the same as </a:t>
                 </a:r>
                 <a14:m>
                   <m:oMath xmlns:m="http://schemas.openxmlformats.org/officeDocument/2006/math">
                     <m:r>
+                      <a:rPr>
+                        <a:latin typeface="Cambria Math" panose="02040503050406030204" pitchFamily="18" charset="0"/>
+                      </a:rPr>
                       <m:t>(</m:t>
                     </m:r>
                     <m:r>
-                      <m:t>P</m:t>
-                    </m:r>
-                    <m:r>
+                      <a:rPr>
+                        <a:latin typeface="Cambria Math" panose="02040503050406030204" pitchFamily="18" charset="0"/>
+                      </a:rPr>
+                      <m:t>𝑃</m:t>
+                    </m:r>
+                    <m:r>
+                      <a:rPr>
+                        <a:latin typeface="Cambria Math" panose="02040503050406030204" pitchFamily="18" charset="0"/>
+                      </a:rPr>
                       <m:t>(</m:t>
                     </m:r>
                     <m:r>
-                      <m:t>a</m:t>
-                    </m:r>
-                    <m:r>
+                      <a:rPr>
+                        <a:latin typeface="Cambria Math" panose="02040503050406030204" pitchFamily="18" charset="0"/>
+                      </a:rPr>
+                      <m:t>𝑎</m:t>
+                    </m:r>
+                    <m:r>
+                      <a:rPr>
+                        <a:latin typeface="Cambria Math" panose="02040503050406030204" pitchFamily="18" charset="0"/>
+                      </a:rPr>
                       <m:t>,</m:t>
                     </m:r>
                     <m:r>
-                      <m:t>b</m:t>
-                    </m:r>
-                    <m:r>
-                      <m:t>)</m:t>
-                    </m:r>
-                    <m:r>
-                      <m:t> </m:t>
-                    </m:r>
-                    <m:r>
-                      <m:t>&amp;</m:t>
-                    </m:r>
-                    <m:r>
-                      <m:t> </m:t>
-                    </m:r>
-                    <m:r>
-                      <m:t>−</m:t>
-                    </m:r>
-                    <m:r>
-                      <m:t>Q</m:t>
-                    </m:r>
-                    <m:r>
+                      <a:rPr>
+                        <a:latin typeface="Cambria Math" panose="02040503050406030204" pitchFamily="18" charset="0"/>
+                      </a:rPr>
+                      <m:t>𝑏</m:t>
+                    </m:r>
+                    <m:r>
+                      <a:rPr>
+                        <a:latin typeface="Cambria Math" panose="02040503050406030204" pitchFamily="18" charset="0"/>
+                      </a:rPr>
+                      <m:t>) &amp; −</m:t>
+                    </m:r>
+                    <m:r>
+                      <a:rPr>
+                        <a:latin typeface="Cambria Math" panose="02040503050406030204" pitchFamily="18" charset="0"/>
+                      </a:rPr>
+                      <m:t>𝑄</m:t>
+                    </m:r>
+                    <m:r>
+                      <a:rPr>
+                        <a:latin typeface="Cambria Math" panose="02040503050406030204" pitchFamily="18" charset="0"/>
+                      </a:rPr>
                       <m:t>(</m:t>
                     </m:r>
                     <m:r>
-                      <m:t>b</m:t>
-                    </m:r>
-                    <m:r>
+                      <a:rPr>
+                        <a:latin typeface="Cambria Math" panose="02040503050406030204" pitchFamily="18" charset="0"/>
+                      </a:rPr>
+                      <m:t>𝑏</m:t>
+                    </m:r>
+                    <m:r>
+                      <a:rPr>
+                        <a:latin typeface="Cambria Math" panose="02040503050406030204" pitchFamily="18" charset="0"/>
+                      </a:rPr>
                       <m:t>,</m:t>
                     </m:r>
                     <m:r>
-                      <m:t>c</m:t>
-                    </m:r>
-                    <m:r>
-                      <m:t>)</m:t>
-                    </m:r>
-                    <m:r>
-                      <m:t>)</m:t>
+                      <a:rPr>
+                        <a:latin typeface="Cambria Math" panose="02040503050406030204" pitchFamily="18" charset="0"/>
+                      </a:rPr>
+                      <m:t>𝑐</m:t>
+                    </m:r>
+                    <m:r>
+                      <a:rPr>
+                        <a:latin typeface="Cambria Math" panose="02040503050406030204" pitchFamily="18" charset="0"/>
+                      </a:rPr>
+                      <m:t>))</m:t>
                     </m:r>
                   </m:oMath>
                 </a14:m>
                 <a:r>
-                  <a:rPr/>
                   <a:t>.</a:t>
                 </a:r>
               </a:p>
               <a:p>
                 <a:pPr lvl="1"/>
                 <a:r>
-                  <a:rPr/>
                   <a:t>Some authors use </a:t>
                 </a:r>
                 <a14:m>
                   <m:oMath xmlns:m="http://schemas.openxmlformats.org/officeDocument/2006/math">
                     <m:r>
-                      <m:t>D</m:t>
+                      <a:rPr>
+                        <a:latin typeface="Cambria Math" panose="02040503050406030204" pitchFamily="18" charset="0"/>
+                      </a:rPr>
+                      <m:t>𝐷</m:t>
                     </m:r>
                   </m:oMath>
                 </a14:m>
                 <a:r>
-                  <a:rPr/>
                   <a:t> for the domain set and </a:t>
                 </a:r>
                 <a14:m>
                   <m:oMath xmlns:m="http://schemas.openxmlformats.org/officeDocument/2006/math">
                     <m:r>
-                      <m:t>I</m:t>
+                      <a:rPr>
+                        <a:latin typeface="Cambria Math" panose="02040503050406030204" pitchFamily="18" charset="0"/>
+                      </a:rPr>
+                      <m:t>𝐼</m:t>
                     </m:r>
                   </m:oMath>
                 </a14:m>
                 <a:r>
-                  <a:rPr/>
                   <a:t> for the interpretation function.</a:t>
                 </a:r>
               </a:p>
               <a:p>
                 <a:pPr lvl="1"/>
                 <a:r>
-                  <a:rPr/>
                   <a:t>But Bach calls the domain set </a:t>
                 </a:r>
                 <a14:m>
                   <m:oMath xmlns:m="http://schemas.openxmlformats.org/officeDocument/2006/math">
                     <m:r>
-                      <m:t>E</m:t>
+                      <a:rPr>
+                        <a:latin typeface="Cambria Math" panose="02040503050406030204" pitchFamily="18" charset="0"/>
+                      </a:rPr>
+                      <m:t>𝐸</m:t>
                     </m:r>
                   </m:oMath>
                 </a14:m>
                 <a:r>
-                  <a:rPr/>
                   <a:t> (entities) and the interpretation function </a:t>
                 </a:r>
                 <a14:m>
                   <m:oMath xmlns:m="http://schemas.openxmlformats.org/officeDocument/2006/math">
                     <m:r>
-                      <m:t>D</m:t>
+                      <a:rPr>
+                        <a:latin typeface="Cambria Math" panose="02040503050406030204" pitchFamily="18" charset="0"/>
+                      </a:rPr>
+                      <m:t>𝐷</m:t>
                     </m:r>
                   </m:oMath>
                 </a14:m>
                 <a:r>
-                  <a:rPr/>
                   <a:t> (denotes).</a:t>
                 </a:r>
               </a:p>
               <a:p>
                 <a:pPr lvl="1"/>
                 <a:r>
-                  <a:rPr/>
                   <a:t>I will bring in some details from other readings, but use Bach’s notation in this presentation.</a:t>
                 </a:r>
               </a:p>
               <a:p>
                 <a:pPr lvl="1"/>
                 <a:r>
-                  <a:rPr/>
                   <a:t>Bach calls his structure an interpretation, so I’ll use </a:t>
                 </a:r>
                 <a14:m>
                   <m:oMath xmlns:m="http://schemas.openxmlformats.org/officeDocument/2006/math">
                     <m:r>
-                      <m:t>I</m:t>
+                      <a:rPr>
+                        <a:latin typeface="Cambria Math" panose="02040503050406030204" pitchFamily="18" charset="0"/>
+                      </a:rPr>
+                      <m:t>𝐼</m:t>
                     </m:r>
                   </m:oMath>
                 </a14:m>
                 <a:r>
-                  <a:rPr/>
                   <a:t> for that.</a:t>
                 </a:r>
               </a:p>
             </p:txBody>
           </p:sp>
         </mc:Choice>
+        <mc:Fallback>
+          <p:sp>
+            <p:nvSpPr>
+              <p:cNvPr id="3" name="Content Placeholder 2"/>
+              <p:cNvSpPr>
+                <a:spLocks noGrp="1" noRot="1" noChangeAspect="1" noMove="1" noResize="1" noEditPoints="1" noAdjustHandles="1" noChangeArrowheads="1" noChangeShapeType="1" noTextEdit="1"/>
+              </p:cNvSpPr>
+              <p:nvPr>
+                <p:ph idx="1"/>
+              </p:nvPr>
+            </p:nvSpPr>
+            <p:spPr>
+              <a:blipFill>
+                <a:blip r:embed="rId2"/>
+                <a:stretch>
+                  <a:fillRect t="-2291" r="-815"/>
+                </a:stretch>
+              </a:blipFill>
+            </p:spPr>
+            <p:txBody>
+              <a:bodyPr/>
+              <a:lstStyle/>
+              <a:p>
+                <a:r>
+                  <a:rPr lang="en-US">
+                    <a:noFill/>
+                  </a:rPr>
+                  <a:t> </a:t>
+                </a:r>
+              </a:p>
+            </p:txBody>
+          </p:sp>
+        </mc:Fallback>
       </mc:AlternateContent>
     </p:spTree>
   </p:cSld>
+  <p:clrMapOvr>
+    <a:masterClrMapping/>
+  </p:clrMapOvr>
 </p:sld>
 </file>
 
@@ -4760,43 +4669,18 @@
           <a:bodyPr/>
           <a:lstStyle/>
           <a:p>
-            <a:pPr lvl="0" marL="0" indent="0">
+            <a:pPr marL="0" lvl="0" indent="0">
               <a:buNone/>
             </a:pPr>
             <a:r>
-              <a:rPr/>
-              <a:t>Language</a:t>
-            </a:r>
-            <a:r>
-              <a:rPr/>
-              <a:t> </a:t>
-            </a:r>
-            <a:r>
-              <a:rPr/>
-              <a:t>and</a:t>
-            </a:r>
-            <a:r>
-              <a:rPr/>
-              <a:t> </a:t>
-            </a:r>
-            <a:r>
-              <a:rPr/>
-              <a:t>the</a:t>
-            </a:r>
-            <a:r>
-              <a:rPr/>
-              <a:t> </a:t>
-            </a:r>
-            <a:r>
-              <a:rPr/>
-              <a:t>world</a:t>
+              <a:t>Language and the world</a:t>
             </a:r>
           </a:p>
         </p:txBody>
       </p:sp>
       <p:pic>
         <p:nvPicPr>
-          <p:cNvPr descr="semantics3a.eps" id="0" name="Picture 1"/>
+          <p:cNvPr id="3" name="Picture 1" descr="semantics3a.eps"/>
           <p:cNvPicPr>
             <a:picLocks noGrp="1" noChangeAspect="1"/>
           </p:cNvPicPr>
@@ -4826,7 +4710,7 @@
       </p:pic>
       <p:sp>
         <p:nvSpPr>
-          <p:cNvPr id="1" name="TextBox 3"/>
+          <p:cNvPr id="4" name="TextBox 3"/>
           <p:cNvSpPr txBox="1"/>
           <p:nvPr/>
         </p:nvSpPr>
@@ -4844,26 +4728,20 @@
           <a:bodyPr/>
           <a:lstStyle/>
           <a:p>
-            <a:pPr lvl="0" marL="0" indent="0" algn="ctr">
+            <a:pPr marL="0" lvl="0" indent="0" algn="ctr">
               <a:buNone/>
             </a:pPr>
             <a:r>
-              <a:rPr/>
-              <a:t>Animal</a:t>
-            </a:r>
-            <a:r>
-              <a:rPr/>
-              <a:t> </a:t>
-            </a:r>
-            <a:r>
-              <a:rPr/>
-              <a:t>example</a:t>
+              <a:t>Animal example</a:t>
             </a:r>
           </a:p>
         </p:txBody>
       </p:sp>
     </p:spTree>
   </p:cSld>
+  <p:clrMapOvr>
+    <a:masterClrMapping/>
+  </p:clrMapOvr>
 </p:sld>
 </file>
 
@@ -4899,11 +4777,10 @@
           <a:bodyPr/>
           <a:lstStyle/>
           <a:p>
-            <a:pPr lvl="0" marL="0" indent="0">
+            <a:pPr marL="0" lvl="0" indent="0">
               <a:buNone/>
             </a:pPr>
             <a:r>
-              <a:rPr/>
               <a:t> </a:t>
             </a:r>
           </a:p>
@@ -4911,6 +4788,9 @@
       </p:sp>
     </p:spTree>
   </p:cSld>
+  <p:clrMapOvr>
+    <a:masterClrMapping/>
+  </p:clrMapOvr>
 </p:sld>
 </file>
 
@@ -4946,43 +4826,18 @@
           <a:bodyPr/>
           <a:lstStyle/>
           <a:p>
-            <a:pPr lvl="0" marL="0" indent="0">
+            <a:pPr marL="0" lvl="0" indent="0">
               <a:buNone/>
             </a:pPr>
             <a:r>
-              <a:rPr/>
-              <a:t>Language</a:t>
-            </a:r>
-            <a:r>
-              <a:rPr/>
-              <a:t> </a:t>
-            </a:r>
-            <a:r>
-              <a:rPr/>
-              <a:t>and</a:t>
-            </a:r>
-            <a:r>
-              <a:rPr/>
-              <a:t> </a:t>
-            </a:r>
-            <a:r>
-              <a:rPr/>
-              <a:t>the</a:t>
-            </a:r>
-            <a:r>
-              <a:rPr/>
-              <a:t> </a:t>
-            </a:r>
-            <a:r>
-              <a:rPr/>
-              <a:t>world</a:t>
+              <a:t>Language and the world</a:t>
             </a:r>
           </a:p>
         </p:txBody>
       </p:sp>
       <p:pic>
         <p:nvPicPr>
-          <p:cNvPr descr="semantics3b.eps" id="0" name="Picture 1"/>
+          <p:cNvPr id="3" name="Picture 1" descr="semantics3b.eps"/>
           <p:cNvPicPr>
             <a:picLocks noGrp="1" noChangeAspect="1"/>
           </p:cNvPicPr>
@@ -5012,7 +4867,7 @@
       </p:pic>
       <p:sp>
         <p:nvSpPr>
-          <p:cNvPr id="1" name="TextBox 3"/>
+          <p:cNvPr id="4" name="TextBox 3"/>
           <p:cNvSpPr txBox="1"/>
           <p:nvPr/>
         </p:nvSpPr>
@@ -5030,26 +4885,20 @@
           <a:bodyPr/>
           <a:lstStyle/>
           <a:p>
-            <a:pPr lvl="0" marL="0" indent="0" algn="ctr">
+            <a:pPr marL="0" lvl="0" indent="0" algn="ctr">
               <a:buNone/>
             </a:pPr>
             <a:r>
-              <a:rPr/>
-              <a:t>Animal</a:t>
-            </a:r>
-            <a:r>
-              <a:rPr/>
-              <a:t> </a:t>
-            </a:r>
-            <a:r>
-              <a:rPr/>
-              <a:t>example</a:t>
+              <a:t>Animal example</a:t>
             </a:r>
           </a:p>
         </p:txBody>
       </p:sp>
     </p:spTree>
   </p:cSld>
+  <p:clrMapOvr>
+    <a:masterClrMapping/>
+  </p:clrMapOvr>
 </p:sld>
 </file>
 
@@ -5085,11 +4934,10 @@
           <a:bodyPr/>
           <a:lstStyle/>
           <a:p>
-            <a:pPr lvl="0" marL="0" indent="0">
+            <a:pPr marL="0" lvl="0" indent="0">
               <a:buNone/>
             </a:pPr>
             <a:r>
-              <a:rPr/>
               <a:t> </a:t>
             </a:r>
           </a:p>
@@ -5097,6 +4945,9 @@
       </p:sp>
     </p:spTree>
   </p:cSld>
+  <p:clrMapOvr>
+    <a:masterClrMapping/>
+  </p:clrMapOvr>
 </p:sld>
 </file>
 
@@ -5132,43 +4983,18 @@
           <a:bodyPr/>
           <a:lstStyle/>
           <a:p>
-            <a:pPr lvl="0" marL="0" indent="0">
+            <a:pPr marL="0" lvl="0" indent="0">
               <a:buNone/>
             </a:pPr>
             <a:r>
-              <a:rPr/>
-              <a:t>Language</a:t>
-            </a:r>
-            <a:r>
-              <a:rPr/>
-              <a:t> </a:t>
-            </a:r>
-            <a:r>
-              <a:rPr/>
-              <a:t>and</a:t>
-            </a:r>
-            <a:r>
-              <a:rPr/>
-              <a:t> </a:t>
-            </a:r>
-            <a:r>
-              <a:rPr/>
-              <a:t>the</a:t>
-            </a:r>
-            <a:r>
-              <a:rPr/>
-              <a:t> </a:t>
-            </a:r>
-            <a:r>
-              <a:rPr/>
-              <a:t>world</a:t>
+              <a:t>Language and the world</a:t>
             </a:r>
           </a:p>
         </p:txBody>
       </p:sp>
       <p:pic>
         <p:nvPicPr>
-          <p:cNvPr descr="semantics3c.eps" id="0" name="Picture 1"/>
+          <p:cNvPr id="3" name="Picture 1" descr="semantics3c.eps"/>
           <p:cNvPicPr>
             <a:picLocks noGrp="1" noChangeAspect="1"/>
           </p:cNvPicPr>
@@ -5198,7 +5024,7 @@
       </p:pic>
       <p:sp>
         <p:nvSpPr>
-          <p:cNvPr id="1" name="TextBox 3"/>
+          <p:cNvPr id="4" name="TextBox 3"/>
           <p:cNvSpPr txBox="1"/>
           <p:nvPr/>
         </p:nvSpPr>
@@ -5216,26 +5042,20 @@
           <a:bodyPr/>
           <a:lstStyle/>
           <a:p>
-            <a:pPr lvl="0" marL="0" indent="0" algn="ctr">
+            <a:pPr marL="0" lvl="0" indent="0" algn="ctr">
               <a:buNone/>
             </a:pPr>
             <a:r>
-              <a:rPr/>
-              <a:t>Animal</a:t>
-            </a:r>
-            <a:r>
-              <a:rPr/>
-              <a:t> </a:t>
-            </a:r>
-            <a:r>
-              <a:rPr/>
-              <a:t>example</a:t>
+              <a:t>Animal example</a:t>
             </a:r>
           </a:p>
         </p:txBody>
       </p:sp>
     </p:spTree>
   </p:cSld>
+  <p:clrMapOvr>
+    <a:masterClrMapping/>
+  </p:clrMapOvr>
 </p:sld>
 </file>
 
@@ -5271,11 +5091,10 @@
           <a:bodyPr/>
           <a:lstStyle/>
           <a:p>
-            <a:pPr lvl="0" marL="0" indent="0">
+            <a:pPr marL="0" lvl="0" indent="0">
               <a:buNone/>
             </a:pPr>
             <a:r>
-              <a:rPr/>
               <a:t> </a:t>
             </a:r>
           </a:p>
@@ -5283,6 +5102,9 @@
       </p:sp>
     </p:spTree>
   </p:cSld>
+  <p:clrMapOvr>
+    <a:masterClrMapping/>
+  </p:clrMapOvr>
 </p:sld>
 </file>
 
@@ -5318,43 +5140,18 @@
           <a:bodyPr/>
           <a:lstStyle/>
           <a:p>
-            <a:pPr lvl="0" marL="0" indent="0">
+            <a:pPr marL="0" lvl="0" indent="0">
               <a:buNone/>
             </a:pPr>
             <a:r>
-              <a:rPr/>
-              <a:t>Language</a:t>
-            </a:r>
-            <a:r>
-              <a:rPr/>
-              <a:t> </a:t>
-            </a:r>
-            <a:r>
-              <a:rPr/>
-              <a:t>and</a:t>
-            </a:r>
-            <a:r>
-              <a:rPr/>
-              <a:t> </a:t>
-            </a:r>
-            <a:r>
-              <a:rPr/>
-              <a:t>the</a:t>
-            </a:r>
-            <a:r>
-              <a:rPr/>
-              <a:t> </a:t>
-            </a:r>
-            <a:r>
-              <a:rPr/>
-              <a:t>world</a:t>
+              <a:t>Language and the world</a:t>
             </a:r>
           </a:p>
         </p:txBody>
       </p:sp>
       <p:pic>
         <p:nvPicPr>
-          <p:cNvPr descr="semantics3d.eps" id="0" name="Picture 1"/>
+          <p:cNvPr id="3" name="Picture 1" descr="semantics3d.eps"/>
           <p:cNvPicPr>
             <a:picLocks noGrp="1" noChangeAspect="1"/>
           </p:cNvPicPr>
@@ -5384,7 +5181,7 @@
       </p:pic>
       <p:sp>
         <p:nvSpPr>
-          <p:cNvPr id="1" name="TextBox 3"/>
+          <p:cNvPr id="4" name="TextBox 3"/>
           <p:cNvSpPr txBox="1"/>
           <p:nvPr/>
         </p:nvSpPr>
@@ -5402,26 +5199,20 @@
           <a:bodyPr/>
           <a:lstStyle/>
           <a:p>
-            <a:pPr lvl="0" marL="0" indent="0" algn="ctr">
+            <a:pPr marL="0" lvl="0" indent="0" algn="ctr">
               <a:buNone/>
             </a:pPr>
             <a:r>
-              <a:rPr/>
-              <a:t>Animal</a:t>
-            </a:r>
-            <a:r>
-              <a:rPr/>
-              <a:t> </a:t>
-            </a:r>
-            <a:r>
-              <a:rPr/>
-              <a:t>example</a:t>
+              <a:t>Animal example</a:t>
             </a:r>
           </a:p>
         </p:txBody>
       </p:sp>
     </p:spTree>
   </p:cSld>
+  <p:clrMapOvr>
+    <a:masterClrMapping/>
+  </p:clrMapOvr>
 </p:sld>
 </file>
 
@@ -5457,44 +5248,11 @@
           <a:bodyPr/>
           <a:lstStyle/>
           <a:p>
-            <a:pPr lvl="0" marL="0" indent="0">
+            <a:pPr marL="0" lvl="0" indent="0">
               <a:buNone/>
             </a:pPr>
             <a:r>
-              <a:rPr/>
-              <a:t>Inference</a:t>
-            </a:r>
-            <a:r>
-              <a:rPr/>
-              <a:t> </a:t>
-            </a:r>
-            <a:r>
-              <a:rPr/>
-              <a:t>rule</a:t>
-            </a:r>
-            <a:r>
-              <a:rPr/>
-              <a:t> </a:t>
-            </a:r>
-            <a:r>
-              <a:rPr/>
-              <a:t>from</a:t>
-            </a:r>
-            <a:r>
-              <a:rPr/>
-              <a:t> </a:t>
-            </a:r>
-            <a:r>
-              <a:rPr/>
-              <a:t>last</a:t>
-            </a:r>
-            <a:r>
-              <a:rPr/>
-              <a:t> </a:t>
-            </a:r>
-            <a:r>
-              <a:rPr/>
-              <a:t>week</a:t>
+              <a:t>Inference rule from last week</a:t>
             </a:r>
           </a:p>
         </p:txBody>
@@ -5513,10 +5271,12 @@
             </p:nvSpPr>
             <p:spPr/>
             <p:txBody>
-              <a:bodyPr/>
+              <a:bodyPr>
+                <a:normAutofit lnSpcReduction="10000"/>
+              </a:bodyPr>
               <a:lstStyle/>
               <a:p>
-                <a:pPr lvl="0" marL="1270000" indent="0">
+                <a:pPr marL="1270000" lvl="0" indent="0">
                   <a:buNone/>
                 </a:pPr>
                 <a:r>
@@ -5532,7 +5292,6 @@
               <a:p>
                 <a:pPr lvl="1"/>
                 <a:r>
-                  <a:rPr/>
                   <a:t>If a step in a recipe uses a tool that realizes a property, then the recipe needs that tool for the property.</a:t>
                 </a:r>
               </a:p>
@@ -5541,111 +5300,159 @@
                 <a14:m>
                   <m:oMath xmlns:m="http://schemas.openxmlformats.org/officeDocument/2006/math">
                     <m:r>
+                      <a:rPr>
+                        <a:latin typeface="Cambria Math" panose="02040503050406030204" pitchFamily="18" charset="0"/>
+                      </a:rPr>
                       <m:t>∀</m:t>
                     </m:r>
                     <m:r>
-                      <m:t>w</m:t>
-                    </m:r>
-                    <m:r>
+                      <a:rPr>
+                        <a:latin typeface="Cambria Math" panose="02040503050406030204" pitchFamily="18" charset="0"/>
+                      </a:rPr>
+                      <m:t>𝑤</m:t>
+                    </m:r>
+                    <m:r>
+                      <a:rPr>
+                        <a:latin typeface="Cambria Math" panose="02040503050406030204" pitchFamily="18" charset="0"/>
+                      </a:rPr>
                       <m:t>∀</m:t>
                     </m:r>
                     <m:r>
-                      <m:t>x</m:t>
-                    </m:r>
-                    <m:r>
+                      <a:rPr>
+                        <a:latin typeface="Cambria Math" panose="02040503050406030204" pitchFamily="18" charset="0"/>
+                      </a:rPr>
+                      <m:t>𝑥</m:t>
+                    </m:r>
+                    <m:r>
+                      <a:rPr>
+                        <a:latin typeface="Cambria Math" panose="02040503050406030204" pitchFamily="18" charset="0"/>
+                      </a:rPr>
                       <m:t>∀</m:t>
                     </m:r>
                     <m:r>
-                      <m:t>y</m:t>
-                    </m:r>
-                    <m:r>
+                      <a:rPr>
+                        <a:latin typeface="Cambria Math" panose="02040503050406030204" pitchFamily="18" charset="0"/>
+                      </a:rPr>
+                      <m:t>𝑦</m:t>
+                    </m:r>
+                    <m:r>
+                      <a:rPr>
+                        <a:latin typeface="Cambria Math" panose="02040503050406030204" pitchFamily="18" charset="0"/>
+                      </a:rPr>
                       <m:t>∀</m:t>
                     </m:r>
                     <m:r>
-                      <m:t>z</m:t>
-                    </m:r>
-                    <m:r>
-                      <m:t>(</m:t>
-                    </m:r>
-                    <m:r>
-                      <m:t>(</m:t>
-                    </m:r>
-                    <m:r>
-                      <m:t>(</m:t>
-                    </m:r>
-                    <m:r>
-                      <m:t>S</m:t>
-                    </m:r>
-                    <m:r>
-                      <m:t>w</m:t>
-                    </m:r>
-                    <m:r>
-                      <m:t>x</m:t>
-                    </m:r>
-                    <m:r>
+                      <a:rPr>
+                        <a:latin typeface="Cambria Math" panose="02040503050406030204" pitchFamily="18" charset="0"/>
+                      </a:rPr>
+                      <m:t>𝑧</m:t>
+                    </m:r>
+                    <m:r>
+                      <a:rPr>
+                        <a:latin typeface="Cambria Math" panose="02040503050406030204" pitchFamily="18" charset="0"/>
+                      </a:rPr>
+                      <m:t>(((</m:t>
+                    </m:r>
+                    <m:r>
+                      <a:rPr>
+                        <a:latin typeface="Cambria Math" panose="02040503050406030204" pitchFamily="18" charset="0"/>
+                      </a:rPr>
+                      <m:t>𝑆𝑤𝑥</m:t>
+                    </m:r>
+                    <m:r>
+                      <a:rPr>
+                        <a:latin typeface="Cambria Math" panose="02040503050406030204" pitchFamily="18" charset="0"/>
+                      </a:rPr>
                       <m:t>∧</m:t>
                     </m:r>
                     <m:r>
-                      <m:t>U</m:t>
-                    </m:r>
-                    <m:r>
-                      <m:t>w</m:t>
-                    </m:r>
-                    <m:r>
-                      <m:t>y</m:t>
-                    </m:r>
-                    <m:r>
-                      <m:t>)</m:t>
-                    </m:r>
-                    <m:r>
-                      <m:t>∧</m:t>
-                    </m:r>
-                    <m:r>
-                      <m:t>R</m:t>
-                    </m:r>
-                    <m:r>
-                      <m:t>y</m:t>
-                    </m:r>
-                    <m:r>
-                      <m:t>z</m:t>
-                    </m:r>
-                    <m:r>
-                      <m:t>)</m:t>
-                    </m:r>
-                    <m:r>
-                      <m:t>→</m:t>
-                    </m:r>
-                    <m:r>
-                      <m:t>N</m:t>
-                    </m:r>
-                    <m:r>
-                      <m:t>x</m:t>
-                    </m:r>
-                    <m:r>
-                      <m:t>y</m:t>
-                    </m:r>
-                    <m:r>
-                      <m:t>z</m:t>
-                    </m:r>
-                    <m:r>
+                      <a:rPr>
+                        <a:latin typeface="Cambria Math" panose="02040503050406030204" pitchFamily="18" charset="0"/>
+                      </a:rPr>
+                      <m:t>𝑈𝑤𝑦</m:t>
+                    </m:r>
+                    <m:r>
+                      <a:rPr>
+                        <a:latin typeface="Cambria Math" panose="02040503050406030204" pitchFamily="18" charset="0"/>
+                      </a:rPr>
+                      <m:t>)∧</m:t>
+                    </m:r>
+                    <m:r>
+                      <a:rPr>
+                        <a:latin typeface="Cambria Math" panose="02040503050406030204" pitchFamily="18" charset="0"/>
+                      </a:rPr>
+                      <m:t>𝑅𝑦𝑧</m:t>
+                    </m:r>
+                    <m:r>
+                      <a:rPr>
+                        <a:latin typeface="Cambria Math" panose="02040503050406030204" pitchFamily="18" charset="0"/>
+                      </a:rPr>
+                      <m:t>)→</m:t>
+                    </m:r>
+                    <m:r>
+                      <a:rPr>
+                        <a:latin typeface="Cambria Math" panose="02040503050406030204" pitchFamily="18" charset="0"/>
+                      </a:rPr>
+                      <m:t>𝑁𝑥𝑦𝑧</m:t>
+                    </m:r>
+                    <m:r>
+                      <a:rPr>
+                        <a:latin typeface="Cambria Math" panose="02040503050406030204" pitchFamily="18" charset="0"/>
+                      </a:rPr>
                       <m:t>)</m:t>
                     </m:r>
                   </m:oMath>
                 </a14:m>
+                <a:endParaRPr/>
               </a:p>
               <a:p>
                 <a:pPr lvl="1"/>
                 <a:r>
-                  <a:rPr/>
                   <a:t>However, our data usually doesn’t specify both the tool and the property. One or the other is mentioned alone.</a:t>
                 </a:r>
               </a:p>
             </p:txBody>
           </p:sp>
         </mc:Choice>
+        <mc:Fallback>
+          <p:sp>
+            <p:nvSpPr>
+              <p:cNvPr id="3" name="Content Placeholder 2"/>
+              <p:cNvSpPr>
+                <a:spLocks noGrp="1" noRot="1" noChangeAspect="1" noMove="1" noResize="1" noEditPoints="1" noAdjustHandles="1" noChangeArrowheads="1" noChangeShapeType="1" noTextEdit="1"/>
+              </p:cNvSpPr>
+              <p:nvPr>
+                <p:ph idx="1"/>
+              </p:nvPr>
+            </p:nvSpPr>
+            <p:spPr>
+              <a:blipFill>
+                <a:blip r:embed="rId2"/>
+                <a:stretch>
+                  <a:fillRect t="-1213"/>
+                </a:stretch>
+              </a:blipFill>
+            </p:spPr>
+            <p:txBody>
+              <a:bodyPr/>
+              <a:lstStyle/>
+              <a:p>
+                <a:r>
+                  <a:rPr lang="en-US">
+                    <a:noFill/>
+                  </a:rPr>
+                  <a:t> </a:t>
+                </a:r>
+              </a:p>
+            </p:txBody>
+          </p:sp>
+        </mc:Fallback>
       </mc:AlternateContent>
     </p:spTree>
   </p:cSld>
+  <p:clrMapOvr>
+    <a:masterClrMapping/>
+  </p:clrMapOvr>
 </p:sld>
 </file>
 
@@ -5681,11 +5488,10 @@
           <a:bodyPr/>
           <a:lstStyle/>
           <a:p>
-            <a:pPr lvl="0" marL="0" indent="0">
+            <a:pPr marL="0" lvl="0" indent="0">
               <a:buNone/>
             </a:pPr>
             <a:r>
-              <a:rPr/>
               <a:t> </a:t>
             </a:r>
           </a:p>
@@ -5693,6 +5499,9 @@
       </p:sp>
     </p:spTree>
   </p:cSld>
+  <p:clrMapOvr>
+    <a:masterClrMapping/>
+  </p:clrMapOvr>
 </p:sld>
 </file>
 
@@ -5728,43 +5537,18 @@
           <a:bodyPr/>
           <a:lstStyle/>
           <a:p>
-            <a:pPr lvl="0" marL="0" indent="0">
+            <a:pPr marL="0" lvl="0" indent="0">
               <a:buNone/>
             </a:pPr>
             <a:r>
-              <a:rPr/>
-              <a:t>Language</a:t>
-            </a:r>
-            <a:r>
-              <a:rPr/>
-              <a:t> </a:t>
-            </a:r>
-            <a:r>
-              <a:rPr/>
-              <a:t>and</a:t>
-            </a:r>
-            <a:r>
-              <a:rPr/>
-              <a:t> </a:t>
-            </a:r>
-            <a:r>
-              <a:rPr/>
-              <a:t>the</a:t>
-            </a:r>
-            <a:r>
-              <a:rPr/>
-              <a:t> </a:t>
-            </a:r>
-            <a:r>
-              <a:rPr/>
-              <a:t>world</a:t>
+              <a:t>Language and the world</a:t>
             </a:r>
           </a:p>
         </p:txBody>
       </p:sp>
       <p:pic>
         <p:nvPicPr>
-          <p:cNvPr descr="semantics3e.eps" id="0" name="Picture 1"/>
+          <p:cNvPr id="3" name="Picture 1" descr="semantics3e.eps"/>
           <p:cNvPicPr>
             <a:picLocks noGrp="1" noChangeAspect="1"/>
           </p:cNvPicPr>
@@ -5794,7 +5578,7 @@
       </p:pic>
       <p:sp>
         <p:nvSpPr>
-          <p:cNvPr id="1" name="TextBox 3"/>
+          <p:cNvPr id="4" name="TextBox 3"/>
           <p:cNvSpPr txBox="1"/>
           <p:nvPr/>
         </p:nvSpPr>
@@ -5812,26 +5596,20 @@
           <a:bodyPr/>
           <a:lstStyle/>
           <a:p>
-            <a:pPr lvl="0" marL="0" indent="0" algn="ctr">
+            <a:pPr marL="0" lvl="0" indent="0" algn="ctr">
               <a:buNone/>
             </a:pPr>
             <a:r>
-              <a:rPr/>
-              <a:t>Animal</a:t>
-            </a:r>
-            <a:r>
-              <a:rPr/>
-              <a:t> </a:t>
-            </a:r>
-            <a:r>
-              <a:rPr/>
-              <a:t>example</a:t>
+              <a:t>Animal example</a:t>
             </a:r>
           </a:p>
         </p:txBody>
       </p:sp>
     </p:spTree>
   </p:cSld>
+  <p:clrMapOvr>
+    <a:masterClrMapping/>
+  </p:clrMapOvr>
 </p:sld>
 </file>
 
@@ -5867,11 +5645,10 @@
           <a:bodyPr/>
           <a:lstStyle/>
           <a:p>
-            <a:pPr lvl="0" marL="0" indent="0">
+            <a:pPr marL="0" lvl="0" indent="0">
               <a:buNone/>
             </a:pPr>
             <a:r>
-              <a:rPr/>
               <a:t> </a:t>
             </a:r>
           </a:p>
@@ -5879,6 +5656,9 @@
       </p:sp>
     </p:spTree>
   </p:cSld>
+  <p:clrMapOvr>
+    <a:masterClrMapping/>
+  </p:clrMapOvr>
 </p:sld>
 </file>
 
@@ -5914,28 +5694,11 @@
           <a:bodyPr/>
           <a:lstStyle/>
           <a:p>
-            <a:pPr lvl="0" marL="0" indent="0">
+            <a:pPr marL="0" lvl="0" indent="0">
               <a:buNone/>
             </a:pPr>
             <a:r>
-              <a:rPr/>
-              <a:t>Models</a:t>
-            </a:r>
-            <a:r>
-              <a:rPr/>
-              <a:t> </a:t>
-            </a:r>
-            <a:r>
-              <a:rPr/>
-              <a:t>and</a:t>
-            </a:r>
-            <a:r>
-              <a:rPr/>
-              <a:t> </a:t>
-            </a:r>
-            <a:r>
-              <a:rPr/>
-              <a:t>interpretations</a:t>
+              <a:t>Models and interpretations</a:t>
             </a:r>
           </a:p>
         </p:txBody>
@@ -5954,19 +5717,20 @@
             </p:nvSpPr>
             <p:spPr/>
             <p:txBody>
-              <a:bodyPr/>
+              <a:bodyPr>
+                <a:normAutofit fontScale="92500" lnSpcReduction="20000"/>
+              </a:bodyPr>
               <a:lstStyle/>
               <a:p>
-                <a:pPr lvl="0" marL="0" indent="0">
+                <a:pPr marL="0" lvl="0" indent="0">
                   <a:buNone/>
                 </a:pPr>
                 <a:r>
-                  <a:rPr/>
                   <a:t>Bach writes:</a:t>
                 </a:r>
               </a:p>
               <a:p>
-                <a:pPr lvl="0" marL="1270000" indent="0">
+                <a:pPr marL="1270000" lvl="0" indent="0">
                   <a:buNone/>
                 </a:pPr>
                 <a:r>
@@ -5985,45 +5749,61 @@
               <a:p>
                 <a:pPr lvl="1"/>
                 <a:r>
-                  <a:rPr/>
                   <a:t>Bach’s formalization gives us: </a:t>
                 </a:r>
                 <a14:m>
                   <m:oMath xmlns:m="http://schemas.openxmlformats.org/officeDocument/2006/math">
                     <m:r>
-                      <m:t>I</m:t>
-                    </m:r>
-                    <m:r>
-                      <m:t>=</m:t>
-                    </m:r>
-                    <m:r>
-                      <m:t>⟨</m:t>
-                    </m:r>
-                    <m:r>
-                      <m:t>M</m:t>
-                    </m:r>
-                    <m:r>
-                      <m:t>1</m:t>
-                    </m:r>
-                    <m:r>
+                      <a:rPr>
+                        <a:latin typeface="Cambria Math" panose="02040503050406030204" pitchFamily="18" charset="0"/>
+                      </a:rPr>
+                      <m:t>𝐼</m:t>
+                    </m:r>
+                    <m:r>
+                      <a:rPr>
+                        <a:latin typeface="Cambria Math" panose="02040503050406030204" pitchFamily="18" charset="0"/>
+                      </a:rPr>
+                      <m:t>=⟨</m:t>
+                    </m:r>
+                    <m:r>
+                      <a:rPr>
+                        <a:latin typeface="Cambria Math" panose="02040503050406030204" pitchFamily="18" charset="0"/>
+                      </a:rPr>
+                      <m:t>𝑀</m:t>
+                    </m:r>
+                    <m:r>
+                      <a:rPr>
+                        <a:latin typeface="Cambria Math" panose="02040503050406030204" pitchFamily="18" charset="0"/>
+                      </a:rPr>
+                      <m:t>1,</m:t>
+                    </m:r>
+                    <m:r>
+                      <a:rPr>
+                        <a:latin typeface="Cambria Math" panose="02040503050406030204" pitchFamily="18" charset="0"/>
+                      </a:rPr>
+                      <m:t>𝐷</m:t>
+                    </m:r>
+                    <m:r>
+                      <a:rPr>
+                        <a:latin typeface="Cambria Math" panose="02040503050406030204" pitchFamily="18" charset="0"/>
+                      </a:rPr>
                       <m:t>,</m:t>
                     </m:r>
                     <m:r>
-                      <m:t>D</m:t>
-                    </m:r>
-                    <m:r>
-                      <m:t>,</m:t>
-                    </m:r>
-                    <m:r>
-                      <m:t>G</m:t>
-                    </m:r>
-                    <m:r>
+                      <a:rPr>
+                        <a:latin typeface="Cambria Math" panose="02040503050406030204" pitchFamily="18" charset="0"/>
+                      </a:rPr>
+                      <m:t>𝐺</m:t>
+                    </m:r>
+                    <m:r>
+                      <a:rPr>
+                        <a:latin typeface="Cambria Math" panose="02040503050406030204" pitchFamily="18" charset="0"/>
+                      </a:rPr>
                       <m:t>⟩</m:t>
                     </m:r>
                   </m:oMath>
                 </a14:m>
                 <a:r>
-                  <a:rPr/>
                   <a:t> where:</a:t>
                 </a:r>
               </a:p>
@@ -6032,15 +5812,20 @@
                 <a14:m>
                   <m:oMath xmlns:m="http://schemas.openxmlformats.org/officeDocument/2006/math">
                     <m:r>
-                      <m:t>M</m:t>
-                    </m:r>
-                    <m:r>
+                      <a:rPr>
+                        <a:latin typeface="Cambria Math" panose="02040503050406030204" pitchFamily="18" charset="0"/>
+                      </a:rPr>
+                      <m:t>𝑀</m:t>
+                    </m:r>
+                    <m:r>
+                      <a:rPr>
+                        <a:latin typeface="Cambria Math" panose="02040503050406030204" pitchFamily="18" charset="0"/>
+                      </a:rPr>
                       <m:t>1</m:t>
                     </m:r>
                   </m:oMath>
                 </a14:m>
                 <a:r>
-                  <a:rPr/>
                   <a:t> is the first model structure he proposes;</a:t>
                 </a:r>
               </a:p>
@@ -6049,12 +5834,14 @@
                 <a14:m>
                   <m:oMath xmlns:m="http://schemas.openxmlformats.org/officeDocument/2006/math">
                     <m:r>
-                      <m:t>G</m:t>
+                      <a:rPr>
+                        <a:latin typeface="Cambria Math" panose="02040503050406030204" pitchFamily="18" charset="0"/>
+                      </a:rPr>
+                      <m:t>𝐺</m:t>
                     </m:r>
                   </m:oMath>
                 </a14:m>
                 <a:r>
-                  <a:rPr/>
                   <a:t> is a set of assignments of values to variables;</a:t>
                 </a:r>
               </a:p>
@@ -6063,97 +5850,128 @@
                 <a14:m>
                   <m:oMath xmlns:m="http://schemas.openxmlformats.org/officeDocument/2006/math">
                     <m:r>
-                      <m:t>D</m:t>
+                      <a:rPr>
+                        <a:latin typeface="Cambria Math" panose="02040503050406030204" pitchFamily="18" charset="0"/>
+                      </a:rPr>
+                      <m:t>𝐷</m:t>
                     </m:r>
                   </m:oMath>
                 </a14:m>
                 <a:r>
-                  <a:rPr/>
                   <a:t> is the denoting evaluation function.</a:t>
                 </a:r>
               </a:p>
               <a:p>
                 <a:pPr lvl="1"/>
                 <a:r>
-                  <a:rPr/>
                   <a:t>Bach’s </a:t>
                 </a:r>
                 <a14:m>
                   <m:oMath xmlns:m="http://schemas.openxmlformats.org/officeDocument/2006/math">
                     <m:r>
-                      <m:t>M</m:t>
-                    </m:r>
-                    <m:r>
+                      <a:rPr>
+                        <a:latin typeface="Cambria Math" panose="02040503050406030204" pitchFamily="18" charset="0"/>
+                      </a:rPr>
+                      <m:t>𝑀</m:t>
+                    </m:r>
+                    <m:r>
+                      <a:rPr>
+                        <a:latin typeface="Cambria Math" panose="02040503050406030204" pitchFamily="18" charset="0"/>
+                      </a:rPr>
                       <m:t>1</m:t>
                     </m:r>
                   </m:oMath>
                 </a14:m>
                 <a:r>
-                  <a:rPr/>
                   <a:t> is itself a two-place tuple consisting of:</a:t>
                 </a:r>
               </a:p>
               <a:p>
                 <a:pPr lvl="2"/>
                 <a:r>
-                  <a:rPr/>
                   <a:t>Set </a:t>
                 </a:r>
                 <a14:m>
                   <m:oMath xmlns:m="http://schemas.openxmlformats.org/officeDocument/2006/math">
                     <m:r>
-                      <m:t>E</m:t>
+                      <a:rPr>
+                        <a:latin typeface="Cambria Math" panose="02040503050406030204" pitchFamily="18" charset="0"/>
+                      </a:rPr>
+                      <m:t>𝐸</m:t>
                     </m:r>
                   </m:oMath>
                 </a14:m>
                 <a:r>
-                  <a:rPr/>
                   <a:t> of individuals;</a:t>
                 </a:r>
               </a:p>
               <a:p>
                 <a:pPr lvl="2"/>
                 <a:r>
-                  <a:rPr/>
                   <a:t>The set of truth values </a:t>
                 </a:r>
                 <a14:m>
                   <m:oMath xmlns:m="http://schemas.openxmlformats.org/officeDocument/2006/math">
                     <m:r>
-                      <m:t>{</m:t>
-                    </m:r>
-                    <m:r>
-                      <m:t>1</m:t>
-                    </m:r>
-                    <m:r>
-                      <m:t>,</m:t>
-                    </m:r>
-                    <m:r>
-                      <m:t>0</m:t>
-                    </m:r>
-                    <m:r>
-                      <m:t>}</m:t>
+                      <a:rPr>
+                        <a:latin typeface="Cambria Math" panose="02040503050406030204" pitchFamily="18" charset="0"/>
+                      </a:rPr>
+                      <m:t>{1,0}</m:t>
                     </m:r>
                   </m:oMath>
                 </a14:m>
                 <a:r>
-                  <a:rPr/>
                   <a:t>.</a:t>
                 </a:r>
               </a:p>
               <a:p>
                 <a:pPr lvl="1"/>
                 <a:r>
-                  <a:rPr/>
                   <a:t>Toward the end of the reading he suggests adding a set of times and a set of possible worlds for more expressive languages.</a:t>
                 </a:r>
               </a:p>
             </p:txBody>
           </p:sp>
         </mc:Choice>
+        <mc:Fallback>
+          <p:sp>
+            <p:nvSpPr>
+              <p:cNvPr id="3" name="Content Placeholder 2"/>
+              <p:cNvSpPr>
+                <a:spLocks noGrp="1" noRot="1" noChangeAspect="1" noMove="1" noResize="1" noEditPoints="1" noAdjustHandles="1" noChangeArrowheads="1" noChangeShapeType="1" noTextEdit="1"/>
+              </p:cNvSpPr>
+              <p:nvPr>
+                <p:ph idx="1"/>
+              </p:nvPr>
+            </p:nvSpPr>
+            <p:spPr>
+              <a:blipFill>
+                <a:blip r:embed="rId2"/>
+                <a:stretch>
+                  <a:fillRect l="-1704" t="-3504" r="-1037" b="-2695"/>
+                </a:stretch>
+              </a:blipFill>
+            </p:spPr>
+            <p:txBody>
+              <a:bodyPr/>
+              <a:lstStyle/>
+              <a:p>
+                <a:r>
+                  <a:rPr lang="en-US">
+                    <a:noFill/>
+                  </a:rPr>
+                  <a:t> </a:t>
+                </a:r>
+              </a:p>
+            </p:txBody>
+          </p:sp>
+        </mc:Fallback>
       </mc:AlternateContent>
     </p:spTree>
   </p:cSld>
+  <p:clrMapOvr>
+    <a:masterClrMapping/>
+  </p:clrMapOvr>
 </p:sld>
 </file>
 
@@ -6189,20 +6007,11 @@
           <a:bodyPr/>
           <a:lstStyle/>
           <a:p>
-            <a:pPr lvl="0" marL="0" indent="0">
+            <a:pPr marL="0" lvl="0" indent="0">
               <a:buNone/>
             </a:pPr>
             <a:r>
-              <a:rPr/>
-              <a:t>Simple</a:t>
-            </a:r>
-            <a:r>
-              <a:rPr/>
-              <a:t> </a:t>
-            </a:r>
-            <a:r>
-              <a:rPr/>
-              <a:t>denotations</a:t>
+              <a:t>Simple denotations</a:t>
             </a:r>
           </a:p>
         </p:txBody>
@@ -6221,333 +6030,463 @@
             </p:nvSpPr>
             <p:spPr/>
             <p:txBody>
-              <a:bodyPr/>
+              <a:bodyPr>
+                <a:normAutofit fontScale="77500" lnSpcReduction="20000"/>
+              </a:bodyPr>
               <a:lstStyle/>
               <a:p>
-                <a:pPr lvl="0" marL="0" indent="0">
+                <a:pPr marL="0" lvl="0" indent="0">
                   <a:buNone/>
                 </a:pPr>
                 <a:r>
-                  <a:rPr/>
                   <a:t>Individual constants (like </a:t>
                 </a:r>
                 <a14:m>
                   <m:oMath xmlns:m="http://schemas.openxmlformats.org/officeDocument/2006/math">
                     <m:r>
-                      <m:t>a</m:t>
+                      <a:rPr>
+                        <a:latin typeface="Cambria Math" panose="02040503050406030204" pitchFamily="18" charset="0"/>
+                      </a:rPr>
+                      <m:t>𝑎</m:t>
                     </m:r>
                   </m:oMath>
                 </a14:m>
                 <a:r>
-                  <a:rPr/>
                   <a:t> and </a:t>
                 </a:r>
                 <a14:m>
                   <m:oMath xmlns:m="http://schemas.openxmlformats.org/officeDocument/2006/math">
                     <m:r>
-                      <m:t>b</m:t>
+                      <a:rPr>
+                        <a:latin typeface="Cambria Math" panose="02040503050406030204" pitchFamily="18" charset="0"/>
+                      </a:rPr>
+                      <m:t>𝑏</m:t>
                     </m:r>
                   </m:oMath>
                 </a14:m>
                 <a:r>
-                  <a:rPr/>
                   <a:t>) will denote individuals in the domain, so they’ll be elements of Bach’s set </a:t>
                 </a:r>
                 <a14:m>
                   <m:oMath xmlns:m="http://schemas.openxmlformats.org/officeDocument/2006/math">
                     <m:r>
-                      <m:t>E</m:t>
+                      <a:rPr>
+                        <a:latin typeface="Cambria Math" panose="02040503050406030204" pitchFamily="18" charset="0"/>
+                      </a:rPr>
+                      <m:t>𝐸</m:t>
                     </m:r>
                   </m:oMath>
                 </a14:m>
                 <a:r>
-                  <a:rPr/>
                   <a:t>. The one-place predicates (classes) will denote their extensions (i.e., subsets of the domain). The two-place predicates (binary relations) will denote sets of ordered pairs.</a:t>
                 </a:r>
               </a:p>
               <a:p>
-                <a:pPr lvl="0" marL="0" indent="0">
+                <a:pPr marL="0" lvl="0" indent="0">
                   <a:buNone/>
                 </a:pPr>
                 <a14:m>
-                  <m:oMath xmlns:m="http://schemas.openxmlformats.org/officeDocument/2006/math">
-                    <m:r>
-                      <m:t>D</m:t>
-                    </m:r>
-                    <m:r>
-                      <m:t>(</m:t>
-                    </m:r>
-                    <m:r>
-                      <m:t>⟨</m:t>
-                    </m:r>
-                    <m:r>
-                      <m:t>c</m:t>
-                    </m:r>
-                    <m:r>
-                      <m:t>o</m:t>
-                    </m:r>
-                    <m:r>
-                      <m:t>n</m:t>
-                    </m:r>
-                    <m:r>
-                      <m:t>⟩</m:t>
-                    </m:r>
-                    <m:r>
-                      <m:t>)</m:t>
-                    </m:r>
-                    <m:r>
-                      <m:t>∈</m:t>
-                    </m:r>
-                    <m:r>
-                      <m:t>E</m:t>
-                    </m:r>
-                  </m:oMath>
+                  <m:oMathPara xmlns:m="http://schemas.openxmlformats.org/officeDocument/2006/math">
+                    <m:oMathParaPr>
+                      <m:jc m:val="centerGroup"/>
+                    </m:oMathParaPr>
+                    <m:oMath xmlns:m="http://schemas.openxmlformats.org/officeDocument/2006/math">
+                      <m:r>
+                        <a:rPr>
+                          <a:latin typeface="Cambria Math" panose="02040503050406030204" pitchFamily="18" charset="0"/>
+                        </a:rPr>
+                        <m:t>𝐷</m:t>
+                      </m:r>
+                      <m:r>
+                        <a:rPr>
+                          <a:latin typeface="Cambria Math" panose="02040503050406030204" pitchFamily="18" charset="0"/>
+                        </a:rPr>
+                        <m:t>(⟨</m:t>
+                      </m:r>
+                      <m:r>
+                        <a:rPr>
+                          <a:latin typeface="Cambria Math" panose="02040503050406030204" pitchFamily="18" charset="0"/>
+                        </a:rPr>
+                        <m:t>𝑐𝑜𝑛</m:t>
+                      </m:r>
+                      <m:r>
+                        <a:rPr>
+                          <a:latin typeface="Cambria Math" panose="02040503050406030204" pitchFamily="18" charset="0"/>
+                        </a:rPr>
+                        <m:t>⟩)∈</m:t>
+                      </m:r>
+                      <m:r>
+                        <a:rPr>
+                          <a:latin typeface="Cambria Math" panose="02040503050406030204" pitchFamily="18" charset="0"/>
+                        </a:rPr>
+                        <m:t>𝐸</m:t>
+                      </m:r>
+                    </m:oMath>
+                  </m:oMathPara>
                 </a14:m>
+                <a:endParaRPr/>
               </a:p>
               <a:p>
-                <a:pPr lvl="0" marL="0" indent="0">
+                <a:pPr marL="0" lvl="0" indent="0">
                   <a:buNone/>
                 </a:pPr>
                 <a14:m>
-                  <m:oMath xmlns:m="http://schemas.openxmlformats.org/officeDocument/2006/math">
-                    <m:r>
-                      <m:t>D</m:t>
-                    </m:r>
-                    <m:r>
-                      <m:t>(</m:t>
-                    </m:r>
-                    <m:r>
-                      <m:t>⟨</m:t>
-                    </m:r>
-                    <m:r>
-                      <m:t>1</m:t>
-                    </m:r>
-                    <m:r>
-                      <m:t>p</m:t>
-                    </m:r>
-                    <m:r>
-                      <m:t>p</m:t>
-                    </m:r>
-                    <m:r>
-                      <m:t>⟩</m:t>
-                    </m:r>
-                    <m:r>
-                      <m:t>)</m:t>
-                    </m:r>
-                    <m:r>
-                      <m:t>⊆</m:t>
-                    </m:r>
-                    <m:r>
-                      <m:t>E</m:t>
-                    </m:r>
-                  </m:oMath>
+                  <m:oMathPara xmlns:m="http://schemas.openxmlformats.org/officeDocument/2006/math">
+                    <m:oMathParaPr>
+                      <m:jc m:val="centerGroup"/>
+                    </m:oMathParaPr>
+                    <m:oMath xmlns:m="http://schemas.openxmlformats.org/officeDocument/2006/math">
+                      <m:r>
+                        <a:rPr>
+                          <a:latin typeface="Cambria Math" panose="02040503050406030204" pitchFamily="18" charset="0"/>
+                        </a:rPr>
+                        <m:t>𝐷</m:t>
+                      </m:r>
+                      <m:r>
+                        <a:rPr>
+                          <a:latin typeface="Cambria Math" panose="02040503050406030204" pitchFamily="18" charset="0"/>
+                        </a:rPr>
+                        <m:t>(⟨1</m:t>
+                      </m:r>
+                      <m:r>
+                        <a:rPr>
+                          <a:latin typeface="Cambria Math" panose="02040503050406030204" pitchFamily="18" charset="0"/>
+                        </a:rPr>
+                        <m:t>𝑝𝑝</m:t>
+                      </m:r>
+                      <m:r>
+                        <a:rPr>
+                          <a:latin typeface="Cambria Math" panose="02040503050406030204" pitchFamily="18" charset="0"/>
+                        </a:rPr>
+                        <m:t>⟩)⊆</m:t>
+                      </m:r>
+                      <m:r>
+                        <a:rPr>
+                          <a:latin typeface="Cambria Math" panose="02040503050406030204" pitchFamily="18" charset="0"/>
+                        </a:rPr>
+                        <m:t>𝐸</m:t>
+                      </m:r>
+                    </m:oMath>
+                  </m:oMathPara>
                 </a14:m>
+                <a:endParaRPr/>
               </a:p>
               <a:p>
-                <a:pPr lvl="0" marL="0" indent="0">
+                <a:pPr marL="0" lvl="0" indent="0">
                   <a:buNone/>
                 </a:pPr>
                 <a14:m>
-                  <m:oMath xmlns:m="http://schemas.openxmlformats.org/officeDocument/2006/math">
-                    <m:r>
-                      <m:t>D</m:t>
-                    </m:r>
-                    <m:r>
-                      <m:t>(</m:t>
-                    </m:r>
-                    <m:r>
-                      <m:t>⟨</m:t>
-                    </m:r>
-                    <m:r>
-                      <m:t>2</m:t>
-                    </m:r>
-                    <m:r>
-                      <m:t>p</m:t>
-                    </m:r>
-                    <m:r>
-                      <m:t>p</m:t>
-                    </m:r>
-                    <m:r>
-                      <m:t>⟩</m:t>
-                    </m:r>
-                    <m:r>
-                      <m:t>)</m:t>
-                    </m:r>
-                    <m:r>
-                      <m:t>⊆</m:t>
-                    </m:r>
-                    <m:r>
-                      <m:t>E</m:t>
-                    </m:r>
-                    <m:r>
-                      <m:t>×</m:t>
-                    </m:r>
-                    <m:r>
-                      <m:t>E</m:t>
-                    </m:r>
-                  </m:oMath>
+                  <m:oMathPara xmlns:m="http://schemas.openxmlformats.org/officeDocument/2006/math">
+                    <m:oMathParaPr>
+                      <m:jc m:val="centerGroup"/>
+                    </m:oMathParaPr>
+                    <m:oMath xmlns:m="http://schemas.openxmlformats.org/officeDocument/2006/math">
+                      <m:r>
+                        <a:rPr>
+                          <a:latin typeface="Cambria Math" panose="02040503050406030204" pitchFamily="18" charset="0"/>
+                        </a:rPr>
+                        <m:t>𝐷</m:t>
+                      </m:r>
+                      <m:r>
+                        <a:rPr>
+                          <a:latin typeface="Cambria Math" panose="02040503050406030204" pitchFamily="18" charset="0"/>
+                        </a:rPr>
+                        <m:t>(⟨2</m:t>
+                      </m:r>
+                      <m:r>
+                        <a:rPr>
+                          <a:latin typeface="Cambria Math" panose="02040503050406030204" pitchFamily="18" charset="0"/>
+                        </a:rPr>
+                        <m:t>𝑝𝑝</m:t>
+                      </m:r>
+                      <m:r>
+                        <a:rPr>
+                          <a:latin typeface="Cambria Math" panose="02040503050406030204" pitchFamily="18" charset="0"/>
+                        </a:rPr>
+                        <m:t>⟩)⊆</m:t>
+                      </m:r>
+                      <m:r>
+                        <a:rPr>
+                          <a:latin typeface="Cambria Math" panose="02040503050406030204" pitchFamily="18" charset="0"/>
+                        </a:rPr>
+                        <m:t>𝐸</m:t>
+                      </m:r>
+                      <m:r>
+                        <a:rPr>
+                          <a:latin typeface="Cambria Math" panose="02040503050406030204" pitchFamily="18" charset="0"/>
+                        </a:rPr>
+                        <m:t>×</m:t>
+                      </m:r>
+                      <m:r>
+                        <a:rPr>
+                          <a:latin typeface="Cambria Math" panose="02040503050406030204" pitchFamily="18" charset="0"/>
+                        </a:rPr>
+                        <m:t>𝐸</m:t>
+                      </m:r>
+                    </m:oMath>
+                  </m:oMathPara>
                 </a14:m>
+                <a:endParaRPr/>
               </a:p>
               <a:p>
-                <a:pPr lvl="0" marL="0" indent="0">
+                <a:pPr marL="0" lvl="0" indent="0">
                   <a:buNone/>
                 </a:pPr>
                 <a:r>
-                  <a:rPr/>
                   <a:t>Following a common convention, we adopt the notation </a:t>
                 </a:r>
                 <a14:m>
                   <m:oMath xmlns:m="http://schemas.openxmlformats.org/officeDocument/2006/math">
                     <m:sSub>
+                      <m:sSubPr>
+                        <m:ctrlPr>
+                          <a:rPr>
+                            <a:latin typeface="Cambria Math" panose="02040503050406030204" pitchFamily="18" charset="0"/>
+                          </a:rPr>
+                        </m:ctrlPr>
+                      </m:sSubPr>
                       <m:e>
                         <m:r>
-                          <m:t>φ</m:t>
+                          <a:rPr>
+                            <a:latin typeface="Cambria Math" panose="02040503050406030204" pitchFamily="18" charset="0"/>
+                          </a:rPr>
+                          <m:t>𝜑</m:t>
                         </m:r>
                       </m:e>
                       <m:sub>
                         <m:r>
-                          <m:t>D</m:t>
+                          <a:rPr>
+                            <a:latin typeface="Cambria Math" panose="02040503050406030204" pitchFamily="18" charset="0"/>
+                          </a:rPr>
+                          <m:t>𝐷</m:t>
                         </m:r>
                       </m:sub>
                     </m:sSub>
                   </m:oMath>
                 </a14:m>
                 <a:r>
-                  <a:rPr/>
                   <a:t> for </a:t>
                 </a:r>
                 <a14:m>
                   <m:oMath xmlns:m="http://schemas.openxmlformats.org/officeDocument/2006/math">
                     <m:r>
-                      <m:t>D</m:t>
-                    </m:r>
-                    <m:r>
+                      <a:rPr>
+                        <a:latin typeface="Cambria Math" panose="02040503050406030204" pitchFamily="18" charset="0"/>
+                      </a:rPr>
+                      <m:t>𝐷</m:t>
+                    </m:r>
+                    <m:r>
+                      <a:rPr>
+                        <a:latin typeface="Cambria Math" panose="02040503050406030204" pitchFamily="18" charset="0"/>
+                      </a:rPr>
                       <m:t>(</m:t>
                     </m:r>
                     <m:r>
-                      <m:t>φ</m:t>
-                    </m:r>
-                    <m:r>
+                      <a:rPr>
+                        <a:latin typeface="Cambria Math" panose="02040503050406030204" pitchFamily="18" charset="0"/>
+                      </a:rPr>
+                      <m:t>𝜑</m:t>
+                    </m:r>
+                    <m:r>
+                      <a:rPr>
+                        <a:latin typeface="Cambria Math" panose="02040503050406030204" pitchFamily="18" charset="0"/>
+                      </a:rPr>
                       <m:t>)</m:t>
                     </m:r>
                   </m:oMath>
                 </a14:m>
                 <a:r>
-                  <a:rPr/>
                   <a:t>. So, for example, </a:t>
                 </a:r>
                 <a14:m>
                   <m:oMath xmlns:m="http://schemas.openxmlformats.org/officeDocument/2006/math">
                     <m:sSub>
+                      <m:sSubPr>
+                        <m:ctrlPr>
+                          <a:rPr>
+                            <a:latin typeface="Cambria Math" panose="02040503050406030204" pitchFamily="18" charset="0"/>
+                          </a:rPr>
+                        </m:ctrlPr>
+                      </m:sSubPr>
                       <m:e>
                         <m:r>
-                          <m:t>a</m:t>
+                          <a:rPr>
+                            <a:latin typeface="Cambria Math" panose="02040503050406030204" pitchFamily="18" charset="0"/>
+                          </a:rPr>
+                          <m:t>𝑎</m:t>
                         </m:r>
                       </m:e>
                       <m:sub>
                         <m:r>
-                          <m:t>D</m:t>
+                          <a:rPr>
+                            <a:latin typeface="Cambria Math" panose="02040503050406030204" pitchFamily="18" charset="0"/>
+                          </a:rPr>
+                          <m:t>𝐷</m:t>
                         </m:r>
                       </m:sub>
                     </m:sSub>
                   </m:oMath>
                 </a14:m>
                 <a:r>
-                  <a:rPr/>
                   <a:t> would be some individual in the Domain set </a:t>
                 </a:r>
                 <a14:m>
                   <m:oMath xmlns:m="http://schemas.openxmlformats.org/officeDocument/2006/math">
                     <m:r>
-                      <m:t>E</m:t>
+                      <a:rPr>
+                        <a:latin typeface="Cambria Math" panose="02040503050406030204" pitchFamily="18" charset="0"/>
+                      </a:rPr>
+                      <m:t>𝐸</m:t>
                     </m:r>
                   </m:oMath>
                 </a14:m>
                 <a:r>
-                  <a:rPr/>
                   <a:t>, and </a:t>
                 </a:r>
                 <a14:m>
                   <m:oMath xmlns:m="http://schemas.openxmlformats.org/officeDocument/2006/math">
                     <m:r>
-                      <m:t>L</m:t>
-                    </m:r>
-                    <m:r>
-                      <m:t>o</m:t>
-                    </m:r>
-                    <m:r>
-                      <m:t>v</m:t>
+                      <a:rPr>
+                        <a:latin typeface="Cambria Math" panose="02040503050406030204" pitchFamily="18" charset="0"/>
+                      </a:rPr>
+                      <m:t>𝐿𝑜𝑣</m:t>
                     </m:r>
                     <m:sSub>
+                      <m:sSubPr>
+                        <m:ctrlPr>
+                          <a:rPr i="1">
+                            <a:latin typeface="Cambria Math" panose="02040503050406030204" pitchFamily="18" charset="0"/>
+                          </a:rPr>
+                        </m:ctrlPr>
+                      </m:sSubPr>
                       <m:e>
                         <m:r>
-                          <m:t>e</m:t>
+                          <a:rPr>
+                            <a:latin typeface="Cambria Math" panose="02040503050406030204" pitchFamily="18" charset="0"/>
+                          </a:rPr>
+                          <m:t>𝑒</m:t>
                         </m:r>
                       </m:e>
                       <m:sub>
                         <m:r>
-                          <m:t>D</m:t>
+                          <a:rPr>
+                            <a:latin typeface="Cambria Math" panose="02040503050406030204" pitchFamily="18" charset="0"/>
+                          </a:rPr>
+                          <m:t>𝐷</m:t>
                         </m:r>
                       </m:sub>
                     </m:sSub>
                   </m:oMath>
                 </a14:m>
                 <a:r>
-                  <a:rPr/>
                   <a:t> would be a set of ordered pairs </a:t>
                 </a:r>
                 <a14:m>
                   <m:oMath xmlns:m="http://schemas.openxmlformats.org/officeDocument/2006/math">
                     <m:r>
+                      <a:rPr>
+                        <a:latin typeface="Cambria Math" panose="02040503050406030204" pitchFamily="18" charset="0"/>
+                      </a:rPr>
                       <m:t>⟨</m:t>
                     </m:r>
                     <m:r>
-                      <m:t>x</m:t>
-                    </m:r>
-                    <m:r>
+                      <a:rPr>
+                        <a:latin typeface="Cambria Math" panose="02040503050406030204" pitchFamily="18" charset="0"/>
+                      </a:rPr>
+                      <m:t>𝑥</m:t>
+                    </m:r>
+                    <m:r>
+                      <a:rPr>
+                        <a:latin typeface="Cambria Math" panose="02040503050406030204" pitchFamily="18" charset="0"/>
+                      </a:rPr>
                       <m:t>,</m:t>
                     </m:r>
                     <m:r>
-                      <m:t>y</m:t>
-                    </m:r>
-                    <m:r>
+                      <a:rPr>
+                        <a:latin typeface="Cambria Math" panose="02040503050406030204" pitchFamily="18" charset="0"/>
+                      </a:rPr>
+                      <m:t>𝑦</m:t>
+                    </m:r>
+                    <m:r>
+                      <a:rPr>
+                        <a:latin typeface="Cambria Math" panose="02040503050406030204" pitchFamily="18" charset="0"/>
+                      </a:rPr>
                       <m:t>⟩</m:t>
                     </m:r>
                   </m:oMath>
                 </a14:m>
                 <a:r>
-                  <a:rPr/>
                   <a:t>, in each of which </a:t>
                 </a:r>
                 <a14:m>
                   <m:oMath xmlns:m="http://schemas.openxmlformats.org/officeDocument/2006/math">
                     <m:r>
-                      <m:t>x</m:t>
+                      <a:rPr>
+                        <a:latin typeface="Cambria Math" panose="02040503050406030204" pitchFamily="18" charset="0"/>
+                      </a:rPr>
+                      <m:t>𝑥</m:t>
                     </m:r>
                   </m:oMath>
                 </a14:m>
                 <a:r>
-                  <a:rPr/>
                   <a:t> loves </a:t>
                 </a:r>
                 <a14:m>
                   <m:oMath xmlns:m="http://schemas.openxmlformats.org/officeDocument/2006/math">
                     <m:r>
-                      <m:t>y</m:t>
+                      <a:rPr>
+                        <a:latin typeface="Cambria Math" panose="02040503050406030204" pitchFamily="18" charset="0"/>
+                      </a:rPr>
+                      <m:t>𝑦</m:t>
                     </m:r>
                   </m:oMath>
                 </a14:m>
                 <a:r>
-                  <a:rPr/>
                   <a:t>.</a:t>
                 </a:r>
               </a:p>
             </p:txBody>
           </p:sp>
         </mc:Choice>
+        <mc:Fallback>
+          <p:sp>
+            <p:nvSpPr>
+              <p:cNvPr id="3" name="Content Placeholder 2"/>
+              <p:cNvSpPr>
+                <a:spLocks noGrp="1" noRot="1" noChangeAspect="1" noMove="1" noResize="1" noEditPoints="1" noAdjustHandles="1" noChangeArrowheads="1" noChangeShapeType="1" noTextEdit="1"/>
+              </p:cNvSpPr>
+              <p:nvPr>
+                <p:ph idx="1"/>
+              </p:nvPr>
+            </p:nvSpPr>
+            <p:spPr>
+              <a:blipFill>
+                <a:blip r:embed="rId2"/>
+                <a:stretch>
+                  <a:fillRect l="-1185" t="-2561" r="-1259"/>
+                </a:stretch>
+              </a:blipFill>
+            </p:spPr>
+            <p:txBody>
+              <a:bodyPr/>
+              <a:lstStyle/>
+              <a:p>
+                <a:r>
+                  <a:rPr lang="en-US">
+                    <a:noFill/>
+                  </a:rPr>
+                  <a:t> </a:t>
+                </a:r>
+              </a:p>
+            </p:txBody>
+          </p:sp>
+        </mc:Fallback>
       </mc:AlternateContent>
     </p:spTree>
   </p:cSld>
+  <p:clrMapOvr>
+    <a:masterClrMapping/>
+  </p:clrMapOvr>
 </p:sld>
 </file>
 
@@ -6583,20 +6522,11 @@
           <a:bodyPr/>
           <a:lstStyle/>
           <a:p>
-            <a:pPr lvl="0" marL="0" indent="0">
+            <a:pPr marL="0" lvl="0" indent="0">
               <a:buNone/>
             </a:pPr>
             <a:r>
-              <a:rPr/>
-              <a:t>Variable</a:t>
-            </a:r>
-            <a:r>
-              <a:rPr/>
-              <a:t> </a:t>
-            </a:r>
-            <a:r>
-              <a:rPr/>
-              <a:t>assignments</a:t>
+              <a:t>Variable assignments</a:t>
             </a:r>
           </a:p>
         </p:txBody>
@@ -6615,899 +6545,1394 @@
             </p:nvSpPr>
             <p:spPr/>
             <p:txBody>
-              <a:bodyPr/>
+              <a:bodyPr>
+                <a:normAutofit fontScale="77500" lnSpcReduction="20000"/>
+              </a:bodyPr>
               <a:lstStyle/>
               <a:p>
                 <a:pPr lvl="1"/>
                 <a:r>
-                  <a:rPr/>
                   <a:t>Let </a:t>
                 </a:r>
                 <a14:m>
                   <m:oMath xmlns:m="http://schemas.openxmlformats.org/officeDocument/2006/math">
                     <m:r>
-                      <m:t>V</m:t>
+                      <a:rPr>
+                        <a:latin typeface="Cambria Math" panose="02040503050406030204" pitchFamily="18" charset="0"/>
+                      </a:rPr>
+                      <m:t>𝑉</m:t>
                     </m:r>
                   </m:oMath>
                 </a14:m>
                 <a:r>
-                  <a:rPr/>
                   <a:t> be the set of variables in the language. Bach’s </a:t>
                 </a:r>
                 <a14:m>
                   <m:oMath xmlns:m="http://schemas.openxmlformats.org/officeDocument/2006/math">
                     <m:r>
-                      <m:t>G</m:t>
+                      <a:rPr>
+                        <a:latin typeface="Cambria Math" panose="02040503050406030204" pitchFamily="18" charset="0"/>
+                      </a:rPr>
+                      <m:t>𝐺</m:t>
                     </m:r>
                   </m:oMath>
                 </a14:m>
                 <a:r>
-                  <a:rPr/>
                   <a:t> is a set of variable assignments, and each </a:t>
                 </a:r>
                 <a14:m>
                   <m:oMath xmlns:m="http://schemas.openxmlformats.org/officeDocument/2006/math">
                     <m:r>
-                      <m:t>g</m:t>
-                    </m:r>
-                    <m:r>
+                      <a:rPr>
+                        <a:latin typeface="Cambria Math" panose="02040503050406030204" pitchFamily="18" charset="0"/>
+                      </a:rPr>
+                      <m:t>𝑔</m:t>
+                    </m:r>
+                    <m:r>
+                      <a:rPr>
+                        <a:latin typeface="Cambria Math" panose="02040503050406030204" pitchFamily="18" charset="0"/>
+                      </a:rPr>
                       <m:t>∈</m:t>
                     </m:r>
                     <m:r>
-                      <m:t>G</m:t>
+                      <a:rPr>
+                        <a:latin typeface="Cambria Math" panose="02040503050406030204" pitchFamily="18" charset="0"/>
+                      </a:rPr>
+                      <m:t>𝐺</m:t>
                     </m:r>
                   </m:oMath>
                 </a14:m>
                 <a:r>
-                  <a:rPr/>
                   <a:t> is a function from variables (</a:t>
                 </a:r>
                 <a14:m>
                   <m:oMath xmlns:m="http://schemas.openxmlformats.org/officeDocument/2006/math">
                     <m:r>
-                      <m:t>v</m:t>
-                    </m:r>
-                    <m:r>
+                      <a:rPr>
+                        <a:latin typeface="Cambria Math" panose="02040503050406030204" pitchFamily="18" charset="0"/>
+                      </a:rPr>
+                      <m:t>𝑣</m:t>
+                    </m:r>
+                    <m:r>
+                      <a:rPr>
+                        <a:latin typeface="Cambria Math" panose="02040503050406030204" pitchFamily="18" charset="0"/>
+                      </a:rPr>
                       <m:t>∈</m:t>
                     </m:r>
                     <m:r>
-                      <m:t>V</m:t>
+                      <a:rPr>
+                        <a:latin typeface="Cambria Math" panose="02040503050406030204" pitchFamily="18" charset="0"/>
+                      </a:rPr>
+                      <m:t>𝑉</m:t>
                     </m:r>
                   </m:oMath>
                 </a14:m>
                 <a:r>
-                  <a:rPr/>
                   <a:t>) to individuals in </a:t>
                 </a:r>
                 <a14:m>
                   <m:oMath xmlns:m="http://schemas.openxmlformats.org/officeDocument/2006/math">
                     <m:r>
-                      <m:t>E</m:t>
+                      <a:rPr>
+                        <a:latin typeface="Cambria Math" panose="02040503050406030204" pitchFamily="18" charset="0"/>
+                      </a:rPr>
+                      <m:t>𝐸</m:t>
                     </m:r>
                   </m:oMath>
                 </a14:m>
                 <a:r>
-                  <a:rPr/>
                   <a:t>, i.e.: </a:t>
                 </a:r>
                 <a14:m>
                   <m:oMath xmlns:m="http://schemas.openxmlformats.org/officeDocument/2006/math">
                     <m:r>
-                      <m:t>g</m:t>
-                    </m:r>
-                    <m:r>
+                      <a:rPr>
+                        <a:latin typeface="Cambria Math" panose="02040503050406030204" pitchFamily="18" charset="0"/>
+                      </a:rPr>
+                      <m:t>𝑔</m:t>
+                    </m:r>
+                    <m:r>
+                      <a:rPr>
+                        <a:latin typeface="Cambria Math" panose="02040503050406030204" pitchFamily="18" charset="0"/>
+                      </a:rPr>
                       <m:t>⊆</m:t>
                     </m:r>
                     <m:r>
-                      <m:t>V</m:t>
-                    </m:r>
-                    <m:r>
+                      <a:rPr>
+                        <a:latin typeface="Cambria Math" panose="02040503050406030204" pitchFamily="18" charset="0"/>
+                      </a:rPr>
+                      <m:t>𝑉</m:t>
+                    </m:r>
+                    <m:r>
+                      <a:rPr>
+                        <a:latin typeface="Cambria Math" panose="02040503050406030204" pitchFamily="18" charset="0"/>
+                      </a:rPr>
                       <m:t>×</m:t>
                     </m:r>
                     <m:r>
-                      <m:t>E</m:t>
+                      <a:rPr>
+                        <a:latin typeface="Cambria Math" panose="02040503050406030204" pitchFamily="18" charset="0"/>
+                      </a:rPr>
+                      <m:t>𝐸</m:t>
                     </m:r>
                   </m:oMath>
                 </a14:m>
                 <a:r>
-                  <a:rPr/>
                   <a:t>.</a:t>
                 </a:r>
               </a:p>
               <a:p>
                 <a:pPr lvl="1"/>
                 <a:r>
-                  <a:rPr/>
                   <a:t>For example, suppose </a:t>
                 </a:r>
                 <a14:m>
                   <m:oMath xmlns:m="http://schemas.openxmlformats.org/officeDocument/2006/math">
                     <m:sSub>
+                      <m:sSubPr>
+                        <m:ctrlPr>
+                          <a:rPr>
+                            <a:latin typeface="Cambria Math" panose="02040503050406030204" pitchFamily="18" charset="0"/>
+                          </a:rPr>
+                        </m:ctrlPr>
+                      </m:sSubPr>
                       <m:e>
                         <m:r>
-                          <m:t>g</m:t>
+                          <a:rPr>
+                            <a:latin typeface="Cambria Math" panose="02040503050406030204" pitchFamily="18" charset="0"/>
+                          </a:rPr>
+                          <m:t>𝑔</m:t>
                         </m:r>
                       </m:e>
                       <m:sub>
                         <m:r>
+                          <a:rPr>
+                            <a:latin typeface="Cambria Math" panose="02040503050406030204" pitchFamily="18" charset="0"/>
+                          </a:rPr>
                           <m:t>1</m:t>
                         </m:r>
                       </m:sub>
                     </m:sSub>
                     <m:r>
-                      <m:t>=</m:t>
-                    </m:r>
-                    <m:r>
-                      <m:t>{</m:t>
-                    </m:r>
-                    <m:r>
-                      <m:t>⟨</m:t>
-                    </m:r>
-                    <m:r>
-                      <m:t>w</m:t>
-                    </m:r>
-                    <m:r>
+                      <a:rPr>
+                        <a:latin typeface="Cambria Math" panose="02040503050406030204" pitchFamily="18" charset="0"/>
+                      </a:rPr>
+                      <m:t>={⟨</m:t>
+                    </m:r>
+                    <m:r>
+                      <a:rPr>
+                        <a:latin typeface="Cambria Math" panose="02040503050406030204" pitchFamily="18" charset="0"/>
+                      </a:rPr>
+                      <m:t>𝑤</m:t>
+                    </m:r>
+                    <m:r>
+                      <a:rPr>
+                        <a:latin typeface="Cambria Math" panose="02040503050406030204" pitchFamily="18" charset="0"/>
+                      </a:rPr>
                       <m:t>,</m:t>
                     </m:r>
                     <m:sSub>
+                      <m:sSubPr>
+                        <m:ctrlPr>
+                          <a:rPr i="1">
+                            <a:latin typeface="Cambria Math" panose="02040503050406030204" pitchFamily="18" charset="0"/>
+                          </a:rPr>
+                        </m:ctrlPr>
+                      </m:sSubPr>
                       <m:e>
                         <m:r>
-                          <m:t>a</m:t>
+                          <a:rPr>
+                            <a:latin typeface="Cambria Math" panose="02040503050406030204" pitchFamily="18" charset="0"/>
+                          </a:rPr>
+                          <m:t>𝑎</m:t>
                         </m:r>
                       </m:e>
                       <m:sub>
                         <m:r>
-                          <m:t>D</m:t>
+                          <a:rPr>
+                            <a:latin typeface="Cambria Math" panose="02040503050406030204" pitchFamily="18" charset="0"/>
+                          </a:rPr>
+                          <m:t>𝐷</m:t>
                         </m:r>
                       </m:sub>
                     </m:sSub>
                     <m:r>
-                      <m:t>⟩</m:t>
-                    </m:r>
-                    <m:r>
+                      <a:rPr>
+                        <a:latin typeface="Cambria Math" panose="02040503050406030204" pitchFamily="18" charset="0"/>
+                      </a:rPr>
+                      <m:t>⟩,⟨</m:t>
+                    </m:r>
+                    <m:r>
+                      <a:rPr>
+                        <a:latin typeface="Cambria Math" panose="02040503050406030204" pitchFamily="18" charset="0"/>
+                      </a:rPr>
+                      <m:t>𝑥</m:t>
+                    </m:r>
+                    <m:r>
+                      <a:rPr>
+                        <a:latin typeface="Cambria Math" panose="02040503050406030204" pitchFamily="18" charset="0"/>
+                      </a:rPr>
                       <m:t>,</m:t>
                     </m:r>
-                    <m:r>
-                      <m:t>⟨</m:t>
-                    </m:r>
-                    <m:r>
-                      <m:t>x</m:t>
-                    </m:r>
-                    <m:r>
-                      <m:t>,</m:t>
-                    </m:r>
                     <m:sSub>
+                      <m:sSubPr>
+                        <m:ctrlPr>
+                          <a:rPr i="1">
+                            <a:latin typeface="Cambria Math" panose="02040503050406030204" pitchFamily="18" charset="0"/>
+                          </a:rPr>
+                        </m:ctrlPr>
+                      </m:sSubPr>
                       <m:e>
                         <m:r>
-                          <m:t>b</m:t>
+                          <a:rPr>
+                            <a:latin typeface="Cambria Math" panose="02040503050406030204" pitchFamily="18" charset="0"/>
+                          </a:rPr>
+                          <m:t>𝑏</m:t>
                         </m:r>
                       </m:e>
                       <m:sub>
                         <m:r>
-                          <m:t>D</m:t>
+                          <a:rPr>
+                            <a:latin typeface="Cambria Math" panose="02040503050406030204" pitchFamily="18" charset="0"/>
+                          </a:rPr>
+                          <m:t>𝐷</m:t>
                         </m:r>
                       </m:sub>
                     </m:sSub>
                     <m:r>
-                      <m:t>⟩</m:t>
-                    </m:r>
-                    <m:r>
+                      <a:rPr>
+                        <a:latin typeface="Cambria Math" panose="02040503050406030204" pitchFamily="18" charset="0"/>
+                      </a:rPr>
+                      <m:t>⟩,⟨</m:t>
+                    </m:r>
+                    <m:r>
+                      <a:rPr>
+                        <a:latin typeface="Cambria Math" panose="02040503050406030204" pitchFamily="18" charset="0"/>
+                      </a:rPr>
+                      <m:t>𝑦</m:t>
+                    </m:r>
+                    <m:r>
+                      <a:rPr>
+                        <a:latin typeface="Cambria Math" panose="02040503050406030204" pitchFamily="18" charset="0"/>
+                      </a:rPr>
                       <m:t>,</m:t>
                     </m:r>
-                    <m:r>
-                      <m:t>⟨</m:t>
-                    </m:r>
-                    <m:r>
-                      <m:t>y</m:t>
-                    </m:r>
-                    <m:r>
-                      <m:t>,</m:t>
-                    </m:r>
                     <m:sSub>
+                      <m:sSubPr>
+                        <m:ctrlPr>
+                          <a:rPr i="1">
+                            <a:latin typeface="Cambria Math" panose="02040503050406030204" pitchFamily="18" charset="0"/>
+                          </a:rPr>
+                        </m:ctrlPr>
+                      </m:sSubPr>
                       <m:e>
                         <m:r>
-                          <m:t>c</m:t>
+                          <a:rPr>
+                            <a:latin typeface="Cambria Math" panose="02040503050406030204" pitchFamily="18" charset="0"/>
+                          </a:rPr>
+                          <m:t>𝑐</m:t>
                         </m:r>
                       </m:e>
                       <m:sub>
                         <m:r>
-                          <m:t>D</m:t>
+                          <a:rPr>
+                            <a:latin typeface="Cambria Math" panose="02040503050406030204" pitchFamily="18" charset="0"/>
+                          </a:rPr>
+                          <m:t>𝐷</m:t>
                         </m:r>
                       </m:sub>
                     </m:sSub>
                     <m:r>
-                      <m:t>⟩</m:t>
-                    </m:r>
-                    <m:r>
+                      <a:rPr>
+                        <a:latin typeface="Cambria Math" panose="02040503050406030204" pitchFamily="18" charset="0"/>
+                      </a:rPr>
+                      <m:t>⟩,⟨</m:t>
+                    </m:r>
+                    <m:r>
+                      <a:rPr>
+                        <a:latin typeface="Cambria Math" panose="02040503050406030204" pitchFamily="18" charset="0"/>
+                      </a:rPr>
+                      <m:t>𝑧</m:t>
+                    </m:r>
+                    <m:r>
+                      <a:rPr>
+                        <a:latin typeface="Cambria Math" panose="02040503050406030204" pitchFamily="18" charset="0"/>
+                      </a:rPr>
                       <m:t>,</m:t>
                     </m:r>
-                    <m:r>
-                      <m:t>⟨</m:t>
-                    </m:r>
-                    <m:r>
-                      <m:t>z</m:t>
-                    </m:r>
-                    <m:r>
-                      <m:t>,</m:t>
-                    </m:r>
                     <m:sSub>
+                      <m:sSubPr>
+                        <m:ctrlPr>
+                          <a:rPr i="1">
+                            <a:latin typeface="Cambria Math" panose="02040503050406030204" pitchFamily="18" charset="0"/>
+                          </a:rPr>
+                        </m:ctrlPr>
+                      </m:sSubPr>
                       <m:e>
                         <m:r>
-                          <m:t>d</m:t>
+                          <a:rPr>
+                            <a:latin typeface="Cambria Math" panose="02040503050406030204" pitchFamily="18" charset="0"/>
+                          </a:rPr>
+                          <m:t>𝑑</m:t>
                         </m:r>
                       </m:e>
                       <m:sub>
                         <m:r>
-                          <m:t>D</m:t>
+                          <a:rPr>
+                            <a:latin typeface="Cambria Math" panose="02040503050406030204" pitchFamily="18" charset="0"/>
+                          </a:rPr>
+                          <m:t>𝐷</m:t>
                         </m:r>
                       </m:sub>
                     </m:sSub>
                     <m:r>
-                      <m:t>⟩</m:t>
-                    </m:r>
-                    <m:r>
-                      <m:t>}</m:t>
+                      <a:rPr>
+                        <a:latin typeface="Cambria Math" panose="02040503050406030204" pitchFamily="18" charset="0"/>
+                      </a:rPr>
+                      <m:t>⟩}</m:t>
                     </m:r>
                   </m:oMath>
                 </a14:m>
                 <a:r>
-                  <a:rPr/>
                   <a:t>, but </a:t>
                 </a:r>
                 <a14:m>
                   <m:oMath xmlns:m="http://schemas.openxmlformats.org/officeDocument/2006/math">
                     <m:sSub>
+                      <m:sSubPr>
+                        <m:ctrlPr>
+                          <a:rPr>
+                            <a:latin typeface="Cambria Math" panose="02040503050406030204" pitchFamily="18" charset="0"/>
+                          </a:rPr>
+                        </m:ctrlPr>
+                      </m:sSubPr>
                       <m:e>
                         <m:r>
-                          <m:t>g</m:t>
+                          <a:rPr>
+                            <a:latin typeface="Cambria Math" panose="02040503050406030204" pitchFamily="18" charset="0"/>
+                          </a:rPr>
+                          <m:t>𝑔</m:t>
                         </m:r>
                       </m:e>
                       <m:sub>
                         <m:r>
+                          <a:rPr>
+                            <a:latin typeface="Cambria Math" panose="02040503050406030204" pitchFamily="18" charset="0"/>
+                          </a:rPr>
                           <m:t>2</m:t>
                         </m:r>
                       </m:sub>
                     </m:sSub>
                     <m:r>
-                      <m:t>=</m:t>
-                    </m:r>
-                    <m:r>
-                      <m:t>{</m:t>
-                    </m:r>
-                    <m:r>
-                      <m:t>⟨</m:t>
-                    </m:r>
-                    <m:r>
-                      <m:t>w</m:t>
-                    </m:r>
-                    <m:r>
+                      <a:rPr>
+                        <a:latin typeface="Cambria Math" panose="02040503050406030204" pitchFamily="18" charset="0"/>
+                      </a:rPr>
+                      <m:t>={⟨</m:t>
+                    </m:r>
+                    <m:r>
+                      <a:rPr>
+                        <a:latin typeface="Cambria Math" panose="02040503050406030204" pitchFamily="18" charset="0"/>
+                      </a:rPr>
+                      <m:t>𝑤</m:t>
+                    </m:r>
+                    <m:r>
+                      <a:rPr>
+                        <a:latin typeface="Cambria Math" panose="02040503050406030204" pitchFamily="18" charset="0"/>
+                      </a:rPr>
                       <m:t>,</m:t>
                     </m:r>
                     <m:sSub>
+                      <m:sSubPr>
+                        <m:ctrlPr>
+                          <a:rPr i="1">
+                            <a:latin typeface="Cambria Math" panose="02040503050406030204" pitchFamily="18" charset="0"/>
+                          </a:rPr>
+                        </m:ctrlPr>
+                      </m:sSubPr>
                       <m:e>
                         <m:r>
-                          <m:t>b</m:t>
+                          <a:rPr>
+                            <a:latin typeface="Cambria Math" panose="02040503050406030204" pitchFamily="18" charset="0"/>
+                          </a:rPr>
+                          <m:t>𝑏</m:t>
                         </m:r>
                       </m:e>
                       <m:sub>
                         <m:r>
-                          <m:t>D</m:t>
+                          <a:rPr>
+                            <a:latin typeface="Cambria Math" panose="02040503050406030204" pitchFamily="18" charset="0"/>
+                          </a:rPr>
+                          <m:t>𝐷</m:t>
                         </m:r>
                       </m:sub>
                     </m:sSub>
                     <m:r>
-                      <m:t>⟩</m:t>
-                    </m:r>
-                    <m:r>
+                      <a:rPr>
+                        <a:latin typeface="Cambria Math" panose="02040503050406030204" pitchFamily="18" charset="0"/>
+                      </a:rPr>
+                      <m:t>⟩,⟨</m:t>
+                    </m:r>
+                    <m:r>
+                      <a:rPr>
+                        <a:latin typeface="Cambria Math" panose="02040503050406030204" pitchFamily="18" charset="0"/>
+                      </a:rPr>
+                      <m:t>𝑥</m:t>
+                    </m:r>
+                    <m:r>
+                      <a:rPr>
+                        <a:latin typeface="Cambria Math" panose="02040503050406030204" pitchFamily="18" charset="0"/>
+                      </a:rPr>
                       <m:t>,</m:t>
                     </m:r>
-                    <m:r>
-                      <m:t>⟨</m:t>
-                    </m:r>
-                    <m:r>
-                      <m:t>x</m:t>
-                    </m:r>
-                    <m:r>
-                      <m:t>,</m:t>
-                    </m:r>
                     <m:sSub>
+                      <m:sSubPr>
+                        <m:ctrlPr>
+                          <a:rPr i="1">
+                            <a:latin typeface="Cambria Math" panose="02040503050406030204" pitchFamily="18" charset="0"/>
+                          </a:rPr>
+                        </m:ctrlPr>
+                      </m:sSubPr>
                       <m:e>
                         <m:r>
-                          <m:t>c</m:t>
+                          <a:rPr>
+                            <a:latin typeface="Cambria Math" panose="02040503050406030204" pitchFamily="18" charset="0"/>
+                          </a:rPr>
+                          <m:t>𝑐</m:t>
                         </m:r>
                       </m:e>
                       <m:sub>
                         <m:r>
-                          <m:t>D</m:t>
+                          <a:rPr>
+                            <a:latin typeface="Cambria Math" panose="02040503050406030204" pitchFamily="18" charset="0"/>
+                          </a:rPr>
+                          <m:t>𝐷</m:t>
                         </m:r>
                       </m:sub>
                     </m:sSub>
                     <m:r>
-                      <m:t>⟩</m:t>
-                    </m:r>
-                    <m:r>
+                      <a:rPr>
+                        <a:latin typeface="Cambria Math" panose="02040503050406030204" pitchFamily="18" charset="0"/>
+                      </a:rPr>
+                      <m:t>⟩,⟨</m:t>
+                    </m:r>
+                    <m:r>
+                      <a:rPr>
+                        <a:latin typeface="Cambria Math" panose="02040503050406030204" pitchFamily="18" charset="0"/>
+                      </a:rPr>
+                      <m:t>𝑦</m:t>
+                    </m:r>
+                    <m:r>
+                      <a:rPr>
+                        <a:latin typeface="Cambria Math" panose="02040503050406030204" pitchFamily="18" charset="0"/>
+                      </a:rPr>
                       <m:t>,</m:t>
                     </m:r>
-                    <m:r>
-                      <m:t>⟨</m:t>
-                    </m:r>
-                    <m:r>
-                      <m:t>y</m:t>
-                    </m:r>
-                    <m:r>
-                      <m:t>,</m:t>
-                    </m:r>
                     <m:sSub>
+                      <m:sSubPr>
+                        <m:ctrlPr>
+                          <a:rPr i="1">
+                            <a:latin typeface="Cambria Math" panose="02040503050406030204" pitchFamily="18" charset="0"/>
+                          </a:rPr>
+                        </m:ctrlPr>
+                      </m:sSubPr>
                       <m:e>
                         <m:r>
-                          <m:t>d</m:t>
+                          <a:rPr>
+                            <a:latin typeface="Cambria Math" panose="02040503050406030204" pitchFamily="18" charset="0"/>
+                          </a:rPr>
+                          <m:t>𝑑</m:t>
                         </m:r>
                       </m:e>
                       <m:sub>
                         <m:r>
-                          <m:t>D</m:t>
+                          <a:rPr>
+                            <a:latin typeface="Cambria Math" panose="02040503050406030204" pitchFamily="18" charset="0"/>
+                          </a:rPr>
+                          <m:t>𝐷</m:t>
                         </m:r>
                       </m:sub>
                     </m:sSub>
                     <m:r>
-                      <m:t>⟩</m:t>
-                    </m:r>
-                    <m:r>
+                      <a:rPr>
+                        <a:latin typeface="Cambria Math" panose="02040503050406030204" pitchFamily="18" charset="0"/>
+                      </a:rPr>
+                      <m:t>⟩,⟨</m:t>
+                    </m:r>
+                    <m:r>
+                      <a:rPr>
+                        <a:latin typeface="Cambria Math" panose="02040503050406030204" pitchFamily="18" charset="0"/>
+                      </a:rPr>
+                      <m:t>𝑧</m:t>
+                    </m:r>
+                    <m:r>
+                      <a:rPr>
+                        <a:latin typeface="Cambria Math" panose="02040503050406030204" pitchFamily="18" charset="0"/>
+                      </a:rPr>
                       <m:t>,</m:t>
                     </m:r>
-                    <m:r>
-                      <m:t>⟨</m:t>
-                    </m:r>
-                    <m:r>
-                      <m:t>z</m:t>
-                    </m:r>
-                    <m:r>
-                      <m:t>,</m:t>
-                    </m:r>
                     <m:sSub>
+                      <m:sSubPr>
+                        <m:ctrlPr>
+                          <a:rPr i="1">
+                            <a:latin typeface="Cambria Math" panose="02040503050406030204" pitchFamily="18" charset="0"/>
+                          </a:rPr>
+                        </m:ctrlPr>
+                      </m:sSubPr>
                       <m:e>
                         <m:r>
-                          <m:t>a</m:t>
+                          <a:rPr>
+                            <a:latin typeface="Cambria Math" panose="02040503050406030204" pitchFamily="18" charset="0"/>
+                          </a:rPr>
+                          <m:t>𝑎</m:t>
                         </m:r>
                       </m:e>
                       <m:sub>
                         <m:r>
-                          <m:t>D</m:t>
+                          <a:rPr>
+                            <a:latin typeface="Cambria Math" panose="02040503050406030204" pitchFamily="18" charset="0"/>
+                          </a:rPr>
+                          <m:t>𝐷</m:t>
                         </m:r>
                       </m:sub>
                     </m:sSub>
                     <m:r>
-                      <m:t>⟩</m:t>
-                    </m:r>
-                    <m:r>
-                      <m:t>}</m:t>
+                      <a:rPr>
+                        <a:latin typeface="Cambria Math" panose="02040503050406030204" pitchFamily="18" charset="0"/>
+                      </a:rPr>
+                      <m:t>⟩}</m:t>
                     </m:r>
                   </m:oMath>
                 </a14:m>
                 <a:r>
-                  <a:rPr/>
                   <a:t>.</a:t>
                 </a:r>
               </a:p>
               <a:p>
                 <a:pPr lvl="1"/>
                 <a:r>
-                  <a:rPr/>
                   <a:t>Because our functions are cartesian product subsets, two or more different variables can be mapped to the same individual. For example, maybe </a:t>
                 </a:r>
                 <a14:m>
                   <m:oMath xmlns:m="http://schemas.openxmlformats.org/officeDocument/2006/math">
                     <m:sSub>
+                      <m:sSubPr>
+                        <m:ctrlPr>
+                          <a:rPr>
+                            <a:latin typeface="Cambria Math" panose="02040503050406030204" pitchFamily="18" charset="0"/>
+                          </a:rPr>
+                        </m:ctrlPr>
+                      </m:sSubPr>
                       <m:e>
                         <m:r>
-                          <m:t>g</m:t>
+                          <a:rPr>
+                            <a:latin typeface="Cambria Math" panose="02040503050406030204" pitchFamily="18" charset="0"/>
+                          </a:rPr>
+                          <m:t>𝑔</m:t>
                         </m:r>
                       </m:e>
                       <m:sub>
                         <m:r>
+                          <a:rPr>
+                            <a:latin typeface="Cambria Math" panose="02040503050406030204" pitchFamily="18" charset="0"/>
+                          </a:rPr>
                           <m:t>3</m:t>
                         </m:r>
                       </m:sub>
                     </m:sSub>
                     <m:r>
-                      <m:t>=</m:t>
-                    </m:r>
-                    <m:r>
-                      <m:t>{</m:t>
-                    </m:r>
-                    <m:r>
-                      <m:t>⟨</m:t>
-                    </m:r>
-                    <m:r>
-                      <m:t>w</m:t>
-                    </m:r>
-                    <m:r>
+                      <a:rPr>
+                        <a:latin typeface="Cambria Math" panose="02040503050406030204" pitchFamily="18" charset="0"/>
+                      </a:rPr>
+                      <m:t>={⟨</m:t>
+                    </m:r>
+                    <m:r>
+                      <a:rPr>
+                        <a:latin typeface="Cambria Math" panose="02040503050406030204" pitchFamily="18" charset="0"/>
+                      </a:rPr>
+                      <m:t>𝑤</m:t>
+                    </m:r>
+                    <m:r>
+                      <a:rPr>
+                        <a:latin typeface="Cambria Math" panose="02040503050406030204" pitchFamily="18" charset="0"/>
+                      </a:rPr>
                       <m:t>,</m:t>
                     </m:r>
                     <m:sSub>
+                      <m:sSubPr>
+                        <m:ctrlPr>
+                          <a:rPr i="1">
+                            <a:latin typeface="Cambria Math" panose="02040503050406030204" pitchFamily="18" charset="0"/>
+                          </a:rPr>
+                        </m:ctrlPr>
+                      </m:sSubPr>
                       <m:e>
                         <m:r>
-                          <m:t>a</m:t>
+                          <a:rPr>
+                            <a:latin typeface="Cambria Math" panose="02040503050406030204" pitchFamily="18" charset="0"/>
+                          </a:rPr>
+                          <m:t>𝑎</m:t>
                         </m:r>
                       </m:e>
                       <m:sub>
                         <m:r>
-                          <m:t>D</m:t>
+                          <a:rPr>
+                            <a:latin typeface="Cambria Math" panose="02040503050406030204" pitchFamily="18" charset="0"/>
+                          </a:rPr>
+                          <m:t>𝐷</m:t>
                         </m:r>
                       </m:sub>
                     </m:sSub>
                     <m:r>
-                      <m:t>⟩</m:t>
-                    </m:r>
-                    <m:r>
+                      <a:rPr>
+                        <a:latin typeface="Cambria Math" panose="02040503050406030204" pitchFamily="18" charset="0"/>
+                      </a:rPr>
+                      <m:t>⟩,⟨</m:t>
+                    </m:r>
+                    <m:r>
+                      <a:rPr>
+                        <a:latin typeface="Cambria Math" panose="02040503050406030204" pitchFamily="18" charset="0"/>
+                      </a:rPr>
+                      <m:t>𝑥</m:t>
+                    </m:r>
+                    <m:r>
+                      <a:rPr>
+                        <a:latin typeface="Cambria Math" panose="02040503050406030204" pitchFamily="18" charset="0"/>
+                      </a:rPr>
                       <m:t>,</m:t>
                     </m:r>
-                    <m:r>
-                      <m:t>⟨</m:t>
-                    </m:r>
-                    <m:r>
-                      <m:t>x</m:t>
-                    </m:r>
-                    <m:r>
-                      <m:t>,</m:t>
-                    </m:r>
                     <m:sSub>
+                      <m:sSubPr>
+                        <m:ctrlPr>
+                          <a:rPr i="1">
+                            <a:latin typeface="Cambria Math" panose="02040503050406030204" pitchFamily="18" charset="0"/>
+                          </a:rPr>
+                        </m:ctrlPr>
+                      </m:sSubPr>
                       <m:e>
                         <m:r>
-                          <m:t>a</m:t>
+                          <a:rPr>
+                            <a:latin typeface="Cambria Math" panose="02040503050406030204" pitchFamily="18" charset="0"/>
+                          </a:rPr>
+                          <m:t>𝑎</m:t>
                         </m:r>
                       </m:e>
                       <m:sub>
                         <m:r>
-                          <m:t>D</m:t>
+                          <a:rPr>
+                            <a:latin typeface="Cambria Math" panose="02040503050406030204" pitchFamily="18" charset="0"/>
+                          </a:rPr>
+                          <m:t>𝐷</m:t>
                         </m:r>
                       </m:sub>
                     </m:sSub>
                     <m:r>
-                      <m:t>⟩</m:t>
-                    </m:r>
-                    <m:r>
+                      <a:rPr>
+                        <a:latin typeface="Cambria Math" panose="02040503050406030204" pitchFamily="18" charset="0"/>
+                      </a:rPr>
+                      <m:t>⟩,⟨</m:t>
+                    </m:r>
+                    <m:r>
+                      <a:rPr>
+                        <a:latin typeface="Cambria Math" panose="02040503050406030204" pitchFamily="18" charset="0"/>
+                      </a:rPr>
+                      <m:t>𝑦</m:t>
+                    </m:r>
+                    <m:r>
+                      <a:rPr>
+                        <a:latin typeface="Cambria Math" panose="02040503050406030204" pitchFamily="18" charset="0"/>
+                      </a:rPr>
                       <m:t>,</m:t>
                     </m:r>
-                    <m:r>
-                      <m:t>⟨</m:t>
-                    </m:r>
-                    <m:r>
-                      <m:t>y</m:t>
-                    </m:r>
-                    <m:r>
-                      <m:t>,</m:t>
-                    </m:r>
                     <m:sSub>
+                      <m:sSubPr>
+                        <m:ctrlPr>
+                          <a:rPr i="1">
+                            <a:latin typeface="Cambria Math" panose="02040503050406030204" pitchFamily="18" charset="0"/>
+                          </a:rPr>
+                        </m:ctrlPr>
+                      </m:sSubPr>
                       <m:e>
                         <m:r>
-                          <m:t>b</m:t>
+                          <a:rPr>
+                            <a:latin typeface="Cambria Math" panose="02040503050406030204" pitchFamily="18" charset="0"/>
+                          </a:rPr>
+                          <m:t>𝑏</m:t>
                         </m:r>
                       </m:e>
                       <m:sub>
                         <m:r>
-                          <m:t>D</m:t>
+                          <a:rPr>
+                            <a:latin typeface="Cambria Math" panose="02040503050406030204" pitchFamily="18" charset="0"/>
+                          </a:rPr>
+                          <m:t>𝐷</m:t>
                         </m:r>
                       </m:sub>
                     </m:sSub>
                     <m:r>
-                      <m:t>⟩</m:t>
-                    </m:r>
-                    <m:r>
+                      <a:rPr>
+                        <a:latin typeface="Cambria Math" panose="02040503050406030204" pitchFamily="18" charset="0"/>
+                      </a:rPr>
+                      <m:t>⟩,⟨</m:t>
+                    </m:r>
+                    <m:r>
+                      <a:rPr>
+                        <a:latin typeface="Cambria Math" panose="02040503050406030204" pitchFamily="18" charset="0"/>
+                      </a:rPr>
+                      <m:t>𝑧</m:t>
+                    </m:r>
+                    <m:r>
+                      <a:rPr>
+                        <a:latin typeface="Cambria Math" panose="02040503050406030204" pitchFamily="18" charset="0"/>
+                      </a:rPr>
                       <m:t>,</m:t>
                     </m:r>
-                    <m:r>
-                      <m:t>⟨</m:t>
-                    </m:r>
-                    <m:r>
-                      <m:t>z</m:t>
-                    </m:r>
-                    <m:r>
-                      <m:t>,</m:t>
-                    </m:r>
                     <m:sSub>
+                      <m:sSubPr>
+                        <m:ctrlPr>
+                          <a:rPr i="1">
+                            <a:latin typeface="Cambria Math" panose="02040503050406030204" pitchFamily="18" charset="0"/>
+                          </a:rPr>
+                        </m:ctrlPr>
+                      </m:sSubPr>
                       <m:e>
                         <m:r>
-                          <m:t>a</m:t>
+                          <a:rPr>
+                            <a:latin typeface="Cambria Math" panose="02040503050406030204" pitchFamily="18" charset="0"/>
+                          </a:rPr>
+                          <m:t>𝑎</m:t>
                         </m:r>
                       </m:e>
                       <m:sub>
                         <m:r>
-                          <m:t>D</m:t>
+                          <a:rPr>
+                            <a:latin typeface="Cambria Math" panose="02040503050406030204" pitchFamily="18" charset="0"/>
+                          </a:rPr>
+                          <m:t>𝐷</m:t>
                         </m:r>
                       </m:sub>
                     </m:sSub>
                     <m:r>
-                      <m:t>⟩</m:t>
-                    </m:r>
-                    <m:r>
-                      <m:t>}</m:t>
+                      <a:rPr>
+                        <a:latin typeface="Cambria Math" panose="02040503050406030204" pitchFamily="18" charset="0"/>
+                      </a:rPr>
+                      <m:t>⟩}</m:t>
                     </m:r>
                   </m:oMath>
                 </a14:m>
                 <a:r>
-                  <a:rPr/>
                   <a:t> and </a:t>
                 </a:r>
                 <a14:m>
                   <m:oMath xmlns:m="http://schemas.openxmlformats.org/officeDocument/2006/math">
                     <m:sSub>
+                      <m:sSubPr>
+                        <m:ctrlPr>
+                          <a:rPr>
+                            <a:latin typeface="Cambria Math" panose="02040503050406030204" pitchFamily="18" charset="0"/>
+                          </a:rPr>
+                        </m:ctrlPr>
+                      </m:sSubPr>
                       <m:e>
                         <m:r>
-                          <m:t>g</m:t>
+                          <a:rPr>
+                            <a:latin typeface="Cambria Math" panose="02040503050406030204" pitchFamily="18" charset="0"/>
+                          </a:rPr>
+                          <m:t>𝑔</m:t>
                         </m:r>
                       </m:e>
                       <m:sub>
                         <m:r>
+                          <a:rPr>
+                            <a:latin typeface="Cambria Math" panose="02040503050406030204" pitchFamily="18" charset="0"/>
+                          </a:rPr>
                           <m:t>4</m:t>
                         </m:r>
                       </m:sub>
                     </m:sSub>
                     <m:r>
-                      <m:t>=</m:t>
-                    </m:r>
-                    <m:r>
-                      <m:t>{</m:t>
-                    </m:r>
-                    <m:r>
-                      <m:t>⟨</m:t>
-                    </m:r>
-                    <m:r>
-                      <m:t>w</m:t>
-                    </m:r>
-                    <m:r>
+                      <a:rPr>
+                        <a:latin typeface="Cambria Math" panose="02040503050406030204" pitchFamily="18" charset="0"/>
+                      </a:rPr>
+                      <m:t>={⟨</m:t>
+                    </m:r>
+                    <m:r>
+                      <a:rPr>
+                        <a:latin typeface="Cambria Math" panose="02040503050406030204" pitchFamily="18" charset="0"/>
+                      </a:rPr>
+                      <m:t>𝑤</m:t>
+                    </m:r>
+                    <m:r>
+                      <a:rPr>
+                        <a:latin typeface="Cambria Math" panose="02040503050406030204" pitchFamily="18" charset="0"/>
+                      </a:rPr>
                       <m:t>,</m:t>
                     </m:r>
                     <m:sSub>
+                      <m:sSubPr>
+                        <m:ctrlPr>
+                          <a:rPr i="1">
+                            <a:latin typeface="Cambria Math" panose="02040503050406030204" pitchFamily="18" charset="0"/>
+                          </a:rPr>
+                        </m:ctrlPr>
+                      </m:sSubPr>
                       <m:e>
                         <m:r>
-                          <m:t>c</m:t>
+                          <a:rPr>
+                            <a:latin typeface="Cambria Math" panose="02040503050406030204" pitchFamily="18" charset="0"/>
+                          </a:rPr>
+                          <m:t>𝑐</m:t>
                         </m:r>
                       </m:e>
                       <m:sub>
                         <m:r>
-                          <m:t>D</m:t>
+                          <a:rPr>
+                            <a:latin typeface="Cambria Math" panose="02040503050406030204" pitchFamily="18" charset="0"/>
+                          </a:rPr>
+                          <m:t>𝐷</m:t>
                         </m:r>
                       </m:sub>
                     </m:sSub>
                     <m:r>
-                      <m:t>⟩</m:t>
-                    </m:r>
-                    <m:r>
+                      <a:rPr>
+                        <a:latin typeface="Cambria Math" panose="02040503050406030204" pitchFamily="18" charset="0"/>
+                      </a:rPr>
+                      <m:t>⟩,⟨</m:t>
+                    </m:r>
+                    <m:r>
+                      <a:rPr>
+                        <a:latin typeface="Cambria Math" panose="02040503050406030204" pitchFamily="18" charset="0"/>
+                      </a:rPr>
+                      <m:t>𝑥</m:t>
+                    </m:r>
+                    <m:r>
+                      <a:rPr>
+                        <a:latin typeface="Cambria Math" panose="02040503050406030204" pitchFamily="18" charset="0"/>
+                      </a:rPr>
                       <m:t>,</m:t>
                     </m:r>
-                    <m:r>
-                      <m:t>⟨</m:t>
-                    </m:r>
-                    <m:r>
-                      <m:t>x</m:t>
-                    </m:r>
-                    <m:r>
-                      <m:t>,</m:t>
-                    </m:r>
                     <m:sSub>
+                      <m:sSubPr>
+                        <m:ctrlPr>
+                          <a:rPr i="1">
+                            <a:latin typeface="Cambria Math" panose="02040503050406030204" pitchFamily="18" charset="0"/>
+                          </a:rPr>
+                        </m:ctrlPr>
+                      </m:sSubPr>
                       <m:e>
                         <m:r>
-                          <m:t>c</m:t>
+                          <a:rPr>
+                            <a:latin typeface="Cambria Math" panose="02040503050406030204" pitchFamily="18" charset="0"/>
+                          </a:rPr>
+                          <m:t>𝑐</m:t>
                         </m:r>
                       </m:e>
                       <m:sub>
                         <m:r>
-                          <m:t>D</m:t>
+                          <a:rPr>
+                            <a:latin typeface="Cambria Math" panose="02040503050406030204" pitchFamily="18" charset="0"/>
+                          </a:rPr>
+                          <m:t>𝐷</m:t>
                         </m:r>
                       </m:sub>
                     </m:sSub>
                     <m:r>
-                      <m:t>⟩</m:t>
-                    </m:r>
-                    <m:r>
+                      <a:rPr>
+                        <a:latin typeface="Cambria Math" panose="02040503050406030204" pitchFamily="18" charset="0"/>
+                      </a:rPr>
+                      <m:t>⟩,⟨</m:t>
+                    </m:r>
+                    <m:r>
+                      <a:rPr>
+                        <a:latin typeface="Cambria Math" panose="02040503050406030204" pitchFamily="18" charset="0"/>
+                      </a:rPr>
+                      <m:t>𝑦</m:t>
+                    </m:r>
+                    <m:r>
+                      <a:rPr>
+                        <a:latin typeface="Cambria Math" panose="02040503050406030204" pitchFamily="18" charset="0"/>
+                      </a:rPr>
                       <m:t>,</m:t>
                     </m:r>
-                    <m:r>
-                      <m:t>⟨</m:t>
-                    </m:r>
-                    <m:r>
-                      <m:t>y</m:t>
-                    </m:r>
-                    <m:r>
-                      <m:t>,</m:t>
-                    </m:r>
                     <m:sSub>
+                      <m:sSubPr>
+                        <m:ctrlPr>
+                          <a:rPr i="1">
+                            <a:latin typeface="Cambria Math" panose="02040503050406030204" pitchFamily="18" charset="0"/>
+                          </a:rPr>
+                        </m:ctrlPr>
+                      </m:sSubPr>
                       <m:e>
                         <m:r>
-                          <m:t>c</m:t>
+                          <a:rPr>
+                            <a:latin typeface="Cambria Math" panose="02040503050406030204" pitchFamily="18" charset="0"/>
+                          </a:rPr>
+                          <m:t>𝑐</m:t>
                         </m:r>
                       </m:e>
                       <m:sub>
                         <m:r>
-                          <m:t>D</m:t>
+                          <a:rPr>
+                            <a:latin typeface="Cambria Math" panose="02040503050406030204" pitchFamily="18" charset="0"/>
+                          </a:rPr>
+                          <m:t>𝐷</m:t>
                         </m:r>
                       </m:sub>
                     </m:sSub>
                     <m:r>
-                      <m:t>⟩</m:t>
-                    </m:r>
-                    <m:r>
+                      <a:rPr>
+                        <a:latin typeface="Cambria Math" panose="02040503050406030204" pitchFamily="18" charset="0"/>
+                      </a:rPr>
+                      <m:t>⟩,⟨</m:t>
+                    </m:r>
+                    <m:r>
+                      <a:rPr>
+                        <a:latin typeface="Cambria Math" panose="02040503050406030204" pitchFamily="18" charset="0"/>
+                      </a:rPr>
+                      <m:t>𝑧</m:t>
+                    </m:r>
+                    <m:r>
+                      <a:rPr>
+                        <a:latin typeface="Cambria Math" panose="02040503050406030204" pitchFamily="18" charset="0"/>
+                      </a:rPr>
                       <m:t>,</m:t>
                     </m:r>
-                    <m:r>
-                      <m:t>⟨</m:t>
-                    </m:r>
-                    <m:r>
-                      <m:t>z</m:t>
-                    </m:r>
-                    <m:r>
-                      <m:t>,</m:t>
-                    </m:r>
                     <m:sSub>
+                      <m:sSubPr>
+                        <m:ctrlPr>
+                          <a:rPr i="1">
+                            <a:latin typeface="Cambria Math" panose="02040503050406030204" pitchFamily="18" charset="0"/>
+                          </a:rPr>
+                        </m:ctrlPr>
+                      </m:sSubPr>
                       <m:e>
                         <m:r>
-                          <m:t>c</m:t>
+                          <a:rPr>
+                            <a:latin typeface="Cambria Math" panose="02040503050406030204" pitchFamily="18" charset="0"/>
+                          </a:rPr>
+                          <m:t>𝑐</m:t>
                         </m:r>
                       </m:e>
                       <m:sub>
                         <m:r>
-                          <m:t>D</m:t>
+                          <a:rPr>
+                            <a:latin typeface="Cambria Math" panose="02040503050406030204" pitchFamily="18" charset="0"/>
+                          </a:rPr>
+                          <m:t>𝐷</m:t>
                         </m:r>
                       </m:sub>
                     </m:sSub>
                     <m:r>
-                      <m:t>⟩</m:t>
-                    </m:r>
-                    <m:r>
-                      <m:t>}</m:t>
+                      <a:rPr>
+                        <a:latin typeface="Cambria Math" panose="02040503050406030204" pitchFamily="18" charset="0"/>
+                      </a:rPr>
+                      <m:t>⟩}</m:t>
                     </m:r>
                   </m:oMath>
                 </a14:m>
                 <a:r>
-                  <a:rPr/>
                   <a:t>. But they’re functions, so every variable in the domain will be included.</a:t>
                 </a:r>
               </a:p>
               <a:p>
                 <a:pPr lvl="1"/>
                 <a:r>
-                  <a:rPr/>
                   <a:t>The expression </a:t>
                 </a:r>
                 <a14:m>
                   <m:oMath xmlns:m="http://schemas.openxmlformats.org/officeDocument/2006/math">
                     <m:r>
-                      <m:t>g</m:t>
-                    </m:r>
-                    <m:r>
+                      <a:rPr>
+                        <a:latin typeface="Cambria Math" panose="02040503050406030204" pitchFamily="18" charset="0"/>
+                      </a:rPr>
+                      <m:t>𝑔</m:t>
+                    </m:r>
+                    <m:r>
+                      <a:rPr>
+                        <a:latin typeface="Cambria Math" panose="02040503050406030204" pitchFamily="18" charset="0"/>
+                      </a:rPr>
                       <m:t>[</m:t>
                     </m:r>
                     <m:r>
-                      <m:t>v</m:t>
-                    </m:r>
-                    <m:r>
+                      <a:rPr>
+                        <a:latin typeface="Cambria Math" panose="02040503050406030204" pitchFamily="18" charset="0"/>
+                      </a:rPr>
+                      <m:t>𝑣</m:t>
+                    </m:r>
+                    <m:r>
+                      <a:rPr>
+                        <a:latin typeface="Cambria Math" panose="02040503050406030204" pitchFamily="18" charset="0"/>
+                      </a:rPr>
                       <m:t>≔</m:t>
                     </m:r>
                     <m:r>
-                      <m:t>e</m:t>
-                    </m:r>
-                    <m:r>
+                      <a:rPr>
+                        <a:latin typeface="Cambria Math" panose="02040503050406030204" pitchFamily="18" charset="0"/>
+                      </a:rPr>
+                      <m:t>𝑒</m:t>
+                    </m:r>
+                    <m:r>
+                      <a:rPr>
+                        <a:latin typeface="Cambria Math" panose="02040503050406030204" pitchFamily="18" charset="0"/>
+                      </a:rPr>
                       <m:t>]</m:t>
                     </m:r>
                   </m:oMath>
                 </a14:m>
                 <a:r>
-                  <a:rPr/>
                   <a:t> is understood to mean “the variable assignment that is completely like </a:t>
                 </a:r>
                 <a14:m>
                   <m:oMath xmlns:m="http://schemas.openxmlformats.org/officeDocument/2006/math">
                     <m:r>
-                      <m:t>g</m:t>
+                      <a:rPr>
+                        <a:latin typeface="Cambria Math" panose="02040503050406030204" pitchFamily="18" charset="0"/>
+                      </a:rPr>
+                      <m:t>𝑔</m:t>
                     </m:r>
                   </m:oMath>
                 </a14:m>
                 <a:r>
-                  <a:rPr/>
                   <a:t> except that </a:t>
                 </a:r>
                 <a14:m>
                   <m:oMath xmlns:m="http://schemas.openxmlformats.org/officeDocument/2006/math">
                     <m:r>
-                      <m:t>v</m:t>
+                      <a:rPr>
+                        <a:latin typeface="Cambria Math" panose="02040503050406030204" pitchFamily="18" charset="0"/>
+                      </a:rPr>
+                      <m:t>𝑣</m:t>
                     </m:r>
                   </m:oMath>
                 </a14:m>
                 <a:r>
-                  <a:rPr/>
                   <a:t> now gets the value </a:t>
                 </a:r>
                 <a14:m>
                   <m:oMath xmlns:m="http://schemas.openxmlformats.org/officeDocument/2006/math">
                     <m:r>
-                      <m:t>e</m:t>
+                      <a:rPr>
+                        <a:latin typeface="Cambria Math" panose="02040503050406030204" pitchFamily="18" charset="0"/>
+                      </a:rPr>
+                      <m:t>𝑒</m:t>
                     </m:r>
                   </m:oMath>
                 </a14:m>
                 <a:r>
-                  <a:rPr/>
                   <a:t> (where </a:t>
                 </a:r>
                 <a14:m>
                   <m:oMath xmlns:m="http://schemas.openxmlformats.org/officeDocument/2006/math">
                     <m:r>
-                      <m:t>g</m:t>
+                      <a:rPr>
+                        <a:latin typeface="Cambria Math" panose="02040503050406030204" pitchFamily="18" charset="0"/>
+                      </a:rPr>
+                      <m:t>𝑔</m:t>
                     </m:r>
                   </m:oMath>
                 </a14:m>
                 <a:r>
-                  <a:rPr/>
                   <a:t> might have assigned a different value).”</a:t>
                 </a:r>
               </a:p>
               <a:p>
                 <a:pPr lvl="1"/>
                 <a:r>
-                  <a:rPr/>
                   <a:t>For example, </a:t>
                 </a:r>
                 <a14:m>
                   <m:oMath xmlns:m="http://schemas.openxmlformats.org/officeDocument/2006/math">
                     <m:sSub>
+                      <m:sSubPr>
+                        <m:ctrlPr>
+                          <a:rPr>
+                            <a:latin typeface="Cambria Math" panose="02040503050406030204" pitchFamily="18" charset="0"/>
+                          </a:rPr>
+                        </m:ctrlPr>
+                      </m:sSubPr>
                       <m:e>
                         <m:r>
-                          <m:t>g</m:t>
+                          <a:rPr>
+                            <a:latin typeface="Cambria Math" panose="02040503050406030204" pitchFamily="18" charset="0"/>
+                          </a:rPr>
+                          <m:t>𝑔</m:t>
                         </m:r>
                       </m:e>
                       <m:sub>
                         <m:r>
+                          <a:rPr>
+                            <a:latin typeface="Cambria Math" panose="02040503050406030204" pitchFamily="18" charset="0"/>
+                          </a:rPr>
                           <m:t>1</m:t>
                         </m:r>
                       </m:sub>
                     </m:sSub>
                     <m:r>
+                      <a:rPr>
+                        <a:latin typeface="Cambria Math" panose="02040503050406030204" pitchFamily="18" charset="0"/>
+                      </a:rPr>
                       <m:t>[</m:t>
                     </m:r>
                     <m:r>
-                      <m:t>x</m:t>
-                    </m:r>
-                    <m:r>
+                      <a:rPr>
+                        <a:latin typeface="Cambria Math" panose="02040503050406030204" pitchFamily="18" charset="0"/>
+                      </a:rPr>
+                      <m:t>𝑥</m:t>
+                    </m:r>
+                    <m:r>
+                      <a:rPr>
+                        <a:latin typeface="Cambria Math" panose="02040503050406030204" pitchFamily="18" charset="0"/>
+                      </a:rPr>
                       <m:t>≔</m:t>
                     </m:r>
                     <m:sSub>
+                      <m:sSubPr>
+                        <m:ctrlPr>
+                          <a:rPr i="1">
+                            <a:latin typeface="Cambria Math" panose="02040503050406030204" pitchFamily="18" charset="0"/>
+                          </a:rPr>
+                        </m:ctrlPr>
+                      </m:sSubPr>
                       <m:e>
                         <m:r>
-                          <m:t>d</m:t>
+                          <a:rPr>
+                            <a:latin typeface="Cambria Math" panose="02040503050406030204" pitchFamily="18" charset="0"/>
+                          </a:rPr>
+                          <m:t>𝑑</m:t>
                         </m:r>
                       </m:e>
                       <m:sub>
                         <m:r>
-                          <m:t>D</m:t>
+                          <a:rPr>
+                            <a:latin typeface="Cambria Math" panose="02040503050406030204" pitchFamily="18" charset="0"/>
+                          </a:rPr>
+                          <m:t>𝐷</m:t>
                         </m:r>
                       </m:sub>
                     </m:sSub>
                     <m:r>
-                      <m:t>]</m:t>
-                    </m:r>
-                    <m:r>
-                      <m:t>=</m:t>
-                    </m:r>
-                    <m:r>
-                      <m:t>{</m:t>
-                    </m:r>
-                    <m:r>
-                      <m:t>⟨</m:t>
-                    </m:r>
-                    <m:r>
-                      <m:t>w</m:t>
-                    </m:r>
-                    <m:r>
+                      <a:rPr>
+                        <a:latin typeface="Cambria Math" panose="02040503050406030204" pitchFamily="18" charset="0"/>
+                      </a:rPr>
+                      <m:t>]={⟨</m:t>
+                    </m:r>
+                    <m:r>
+                      <a:rPr>
+                        <a:latin typeface="Cambria Math" panose="02040503050406030204" pitchFamily="18" charset="0"/>
+                      </a:rPr>
+                      <m:t>𝑤</m:t>
+                    </m:r>
+                    <m:r>
+                      <a:rPr>
+                        <a:latin typeface="Cambria Math" panose="02040503050406030204" pitchFamily="18" charset="0"/>
+                      </a:rPr>
                       <m:t>,</m:t>
                     </m:r>
                     <m:sSub>
+                      <m:sSubPr>
+                        <m:ctrlPr>
+                          <a:rPr i="1">
+                            <a:latin typeface="Cambria Math" panose="02040503050406030204" pitchFamily="18" charset="0"/>
+                          </a:rPr>
+                        </m:ctrlPr>
+                      </m:sSubPr>
                       <m:e>
                         <m:r>
-                          <m:t>a</m:t>
+                          <a:rPr>
+                            <a:latin typeface="Cambria Math" panose="02040503050406030204" pitchFamily="18" charset="0"/>
+                          </a:rPr>
+                          <m:t>𝑎</m:t>
                         </m:r>
                       </m:e>
                       <m:sub>
                         <m:r>
-                          <m:t>D</m:t>
+                          <a:rPr>
+                            <a:latin typeface="Cambria Math" panose="02040503050406030204" pitchFamily="18" charset="0"/>
+                          </a:rPr>
+                          <m:t>𝐷</m:t>
                         </m:r>
                       </m:sub>
                     </m:sSub>
                     <m:r>
-                      <m:t>⟩</m:t>
-                    </m:r>
-                    <m:r>
+                      <a:rPr>
+                        <a:latin typeface="Cambria Math" panose="02040503050406030204" pitchFamily="18" charset="0"/>
+                      </a:rPr>
+                      <m:t>⟩,⟨</m:t>
+                    </m:r>
+                    <m:r>
+                      <a:rPr>
+                        <a:latin typeface="Cambria Math" panose="02040503050406030204" pitchFamily="18" charset="0"/>
+                      </a:rPr>
+                      <m:t>𝑥</m:t>
+                    </m:r>
+                    <m:r>
+                      <a:rPr>
+                        <a:latin typeface="Cambria Math" panose="02040503050406030204" pitchFamily="18" charset="0"/>
+                      </a:rPr>
                       <m:t>,</m:t>
                     </m:r>
-                    <m:r>
-                      <m:t>⟨</m:t>
-                    </m:r>
-                    <m:r>
-                      <m:t>x</m:t>
-                    </m:r>
-                    <m:r>
-                      <m:t>,</m:t>
-                    </m:r>
                     <m:sSub>
+                      <m:sSubPr>
+                        <m:ctrlPr>
+                          <a:rPr i="1">
+                            <a:latin typeface="Cambria Math" panose="02040503050406030204" pitchFamily="18" charset="0"/>
+                          </a:rPr>
+                        </m:ctrlPr>
+                      </m:sSubPr>
                       <m:e>
                         <m:r>
-                          <m:t>d</m:t>
+                          <a:rPr>
+                            <a:latin typeface="Cambria Math" panose="02040503050406030204" pitchFamily="18" charset="0"/>
+                          </a:rPr>
+                          <m:t>𝑑</m:t>
                         </m:r>
                       </m:e>
                       <m:sub>
                         <m:r>
-                          <m:t>D</m:t>
+                          <a:rPr>
+                            <a:latin typeface="Cambria Math" panose="02040503050406030204" pitchFamily="18" charset="0"/>
+                          </a:rPr>
+                          <m:t>𝐷</m:t>
                         </m:r>
                       </m:sub>
                     </m:sSub>
                     <m:r>
-                      <m:t>⟩</m:t>
-                    </m:r>
-                    <m:r>
+                      <a:rPr>
+                        <a:latin typeface="Cambria Math" panose="02040503050406030204" pitchFamily="18" charset="0"/>
+                      </a:rPr>
+                      <m:t>⟩,⟨</m:t>
+                    </m:r>
+                    <m:r>
+                      <a:rPr>
+                        <a:latin typeface="Cambria Math" panose="02040503050406030204" pitchFamily="18" charset="0"/>
+                      </a:rPr>
+                      <m:t>𝑦</m:t>
+                    </m:r>
+                    <m:r>
+                      <a:rPr>
+                        <a:latin typeface="Cambria Math" panose="02040503050406030204" pitchFamily="18" charset="0"/>
+                      </a:rPr>
                       <m:t>,</m:t>
                     </m:r>
-                    <m:r>
-                      <m:t>⟨</m:t>
-                    </m:r>
-                    <m:r>
-                      <m:t>y</m:t>
-                    </m:r>
-                    <m:r>
-                      <m:t>,</m:t>
-                    </m:r>
                     <m:sSub>
+                      <m:sSubPr>
+                        <m:ctrlPr>
+                          <a:rPr i="1">
+                            <a:latin typeface="Cambria Math" panose="02040503050406030204" pitchFamily="18" charset="0"/>
+                          </a:rPr>
+                        </m:ctrlPr>
+                      </m:sSubPr>
                       <m:e>
                         <m:r>
-                          <m:t>c</m:t>
+                          <a:rPr>
+                            <a:latin typeface="Cambria Math" panose="02040503050406030204" pitchFamily="18" charset="0"/>
+                          </a:rPr>
+                          <m:t>𝑐</m:t>
                         </m:r>
                       </m:e>
                       <m:sub>
                         <m:r>
-                          <m:t>D</m:t>
+                          <a:rPr>
+                            <a:latin typeface="Cambria Math" panose="02040503050406030204" pitchFamily="18" charset="0"/>
+                          </a:rPr>
+                          <m:t>𝐷</m:t>
                         </m:r>
                       </m:sub>
                     </m:sSub>
                     <m:r>
-                      <m:t>⟩</m:t>
-                    </m:r>
-                    <m:r>
+                      <a:rPr>
+                        <a:latin typeface="Cambria Math" panose="02040503050406030204" pitchFamily="18" charset="0"/>
+                      </a:rPr>
+                      <m:t>⟩,⟨</m:t>
+                    </m:r>
+                    <m:r>
+                      <a:rPr>
+                        <a:latin typeface="Cambria Math" panose="02040503050406030204" pitchFamily="18" charset="0"/>
+                      </a:rPr>
+                      <m:t>𝑧</m:t>
+                    </m:r>
+                    <m:r>
+                      <a:rPr>
+                        <a:latin typeface="Cambria Math" panose="02040503050406030204" pitchFamily="18" charset="0"/>
+                      </a:rPr>
                       <m:t>,</m:t>
                     </m:r>
-                    <m:r>
-                      <m:t>⟨</m:t>
-                    </m:r>
-                    <m:r>
-                      <m:t>z</m:t>
-                    </m:r>
-                    <m:r>
-                      <m:t>,</m:t>
-                    </m:r>
                     <m:sSub>
+                      <m:sSubPr>
+                        <m:ctrlPr>
+                          <a:rPr i="1">
+                            <a:latin typeface="Cambria Math" panose="02040503050406030204" pitchFamily="18" charset="0"/>
+                          </a:rPr>
+                        </m:ctrlPr>
+                      </m:sSubPr>
                       <m:e>
                         <m:r>
-                          <m:t>d</m:t>
+                          <a:rPr>
+                            <a:latin typeface="Cambria Math" panose="02040503050406030204" pitchFamily="18" charset="0"/>
+                          </a:rPr>
+                          <m:t>𝑑</m:t>
                         </m:r>
                       </m:e>
                       <m:sub>
                         <m:r>
-                          <m:t>D</m:t>
+                          <a:rPr>
+                            <a:latin typeface="Cambria Math" panose="02040503050406030204" pitchFamily="18" charset="0"/>
+                          </a:rPr>
+                          <m:t>𝐷</m:t>
                         </m:r>
                       </m:sub>
                     </m:sSub>
                     <m:r>
-                      <m:t>⟩</m:t>
-                    </m:r>
-                    <m:r>
-                      <m:t>}</m:t>
+                      <a:rPr>
+                        <a:latin typeface="Cambria Math" panose="02040503050406030204" pitchFamily="18" charset="0"/>
+                      </a:rPr>
+                      <m:t>⟩}</m:t>
                     </m:r>
                   </m:oMath>
                 </a14:m>
+                <a:endParaRPr/>
               </a:p>
             </p:txBody>
           </p:sp>
         </mc:Choice>
+        <mc:Fallback>
+          <p:sp>
+            <p:nvSpPr>
+              <p:cNvPr id="3" name="Content Placeholder 2"/>
+              <p:cNvSpPr>
+                <a:spLocks noGrp="1" noRot="1" noChangeAspect="1" noMove="1" noResize="1" noEditPoints="1" noAdjustHandles="1" noChangeArrowheads="1" noChangeShapeType="1" noTextEdit="1"/>
+              </p:cNvSpPr>
+              <p:nvPr>
+                <p:ph idx="1"/>
+              </p:nvPr>
+            </p:nvSpPr>
+            <p:spPr>
+              <a:blipFill>
+                <a:blip r:embed="rId2"/>
+                <a:stretch>
+                  <a:fillRect t="-2291" r="-444"/>
+                </a:stretch>
+              </a:blipFill>
+            </p:spPr>
+            <p:txBody>
+              <a:bodyPr/>
+              <a:lstStyle/>
+              <a:p>
+                <a:r>
+                  <a:rPr lang="en-US">
+                    <a:noFill/>
+                  </a:rPr>
+                  <a:t> </a:t>
+                </a:r>
+              </a:p>
+            </p:txBody>
+          </p:sp>
+        </mc:Fallback>
       </mc:AlternateContent>
     </p:spTree>
   </p:cSld>
+  <p:clrMapOvr>
+    <a:masterClrMapping/>
+  </p:clrMapOvr>
 </p:sld>
 </file>
 
@@ -7543,36 +7968,11 @@
           <a:bodyPr/>
           <a:lstStyle/>
           <a:p>
-            <a:pPr lvl="0" marL="0" indent="0">
+            <a:pPr marL="0" lvl="0" indent="0">
               <a:buNone/>
             </a:pPr>
             <a:r>
-              <a:rPr/>
-              <a:t>Denotation,</a:t>
-            </a:r>
-            <a:r>
-              <a:rPr/>
-              <a:t> </a:t>
-            </a:r>
-            <a:r>
-              <a:rPr/>
-              <a:t>support,</a:t>
-            </a:r>
-            <a:r>
-              <a:rPr/>
-              <a:t> </a:t>
-            </a:r>
-            <a:r>
-              <a:rPr/>
-              <a:t>and</a:t>
-            </a:r>
-            <a:r>
-              <a:rPr/>
-              <a:t> </a:t>
-            </a:r>
-            <a:r>
-              <a:rPr/>
-              <a:t>truth</a:t>
+              <a:t>Denotation, support, and truth</a:t>
             </a:r>
           </a:p>
         </p:txBody>
@@ -7591,57 +7991,84 @@
             </p:nvSpPr>
             <p:spPr/>
             <p:txBody>
-              <a:bodyPr/>
+              <a:bodyPr>
+                <a:normAutofit fontScale="62500" lnSpcReduction="20000"/>
+              </a:bodyPr>
               <a:lstStyle/>
               <a:p>
-                <a:pPr lvl="0" marL="0" indent="0">
+                <a:pPr marL="0" lvl="0" indent="0">
                   <a:buNone/>
                 </a:pPr>
                 <a:r>
-                  <a:rPr/>
                   <a:t>An expression in our language will be true or false in an interpretation, relative to a particular assignment of individuals to variables. So we write </a:t>
                 </a:r>
                 <a14:m>
                   <m:oMath xmlns:m="http://schemas.openxmlformats.org/officeDocument/2006/math">
                     <m:r>
-                      <m:t>I</m:t>
-                    </m:r>
-                    <m:r>
+                      <a:rPr>
+                        <a:latin typeface="Cambria Math" panose="02040503050406030204" pitchFamily="18" charset="0"/>
+                      </a:rPr>
+                      <m:t>𝐼</m:t>
+                    </m:r>
+                    <m:r>
+                      <a:rPr>
+                        <a:latin typeface="Cambria Math" panose="02040503050406030204" pitchFamily="18" charset="0"/>
+                      </a:rPr>
                       <m:t> </m:t>
                     </m:r>
                     <m:sSub>
+                      <m:sSubPr>
+                        <m:ctrlPr>
+                          <a:rPr i="1">
+                            <a:latin typeface="Cambria Math" panose="02040503050406030204" pitchFamily="18" charset="0"/>
+                          </a:rPr>
+                        </m:ctrlPr>
+                      </m:sSubPr>
                       <m:e>
                         <m:r>
+                          <a:rPr>
+                            <a:latin typeface="Cambria Math" panose="02040503050406030204" pitchFamily="18" charset="0"/>
+                          </a:rPr>
                           <m:t>⊨</m:t>
                         </m:r>
                       </m:e>
                       <m:sub>
                         <m:r>
-                          <m:t>g</m:t>
+                          <a:rPr>
+                            <a:latin typeface="Cambria Math" panose="02040503050406030204" pitchFamily="18" charset="0"/>
+                          </a:rPr>
+                          <m:t>𝑔</m:t>
                         </m:r>
                       </m:sub>
                     </m:sSub>
                     <m:r>
+                      <a:rPr>
+                        <a:latin typeface="Cambria Math" panose="02040503050406030204" pitchFamily="18" charset="0"/>
+                      </a:rPr>
                       <m:t> </m:t>
                     </m:r>
                     <m:r>
-                      <m:t>φ</m:t>
+                      <a:rPr>
+                        <a:latin typeface="Cambria Math" panose="02040503050406030204" pitchFamily="18" charset="0"/>
+                      </a:rPr>
+                      <m:t>𝜑</m:t>
                     </m:r>
                   </m:oMath>
                 </a14:m>
                 <a:r>
-                  <a:rPr/>
                   <a:t> to mean that assignment </a:t>
                 </a:r>
                 <a14:m>
                   <m:oMath xmlns:m="http://schemas.openxmlformats.org/officeDocument/2006/math">
                     <m:r>
-                      <m:t>g</m:t>
+                      <a:rPr>
+                        <a:latin typeface="Cambria Math" panose="02040503050406030204" pitchFamily="18" charset="0"/>
+                      </a:rPr>
+                      <m:t>𝑔</m:t>
                     </m:r>
                   </m:oMath>
                 </a14:m>
                 <a:r>
-                  <a:rPr/>
                   <a:t> </a:t>
                 </a:r>
                 <a:r>
@@ -7649,76 +8076,83 @@
                   <a:t>satisfies</a:t>
                 </a:r>
                 <a:r>
-                  <a:rPr/>
                   <a:t> expression </a:t>
                 </a:r>
                 <a14:m>
                   <m:oMath xmlns:m="http://schemas.openxmlformats.org/officeDocument/2006/math">
                     <m:r>
-                      <m:t>φ</m:t>
+                      <a:rPr>
+                        <a:latin typeface="Cambria Math" panose="02040503050406030204" pitchFamily="18" charset="0"/>
+                      </a:rPr>
+                      <m:t>𝜑</m:t>
                     </m:r>
                   </m:oMath>
                 </a14:m>
                 <a:r>
-                  <a:rPr/>
                   <a:t> in interpretation </a:t>
                 </a:r>
                 <a14:m>
                   <m:oMath xmlns:m="http://schemas.openxmlformats.org/officeDocument/2006/math">
                     <m:r>
-                      <m:t>I</m:t>
+                      <a:rPr>
+                        <a:latin typeface="Cambria Math" panose="02040503050406030204" pitchFamily="18" charset="0"/>
+                      </a:rPr>
+                      <m:t>𝐼</m:t>
                     </m:r>
                   </m:oMath>
                 </a14:m>
                 <a:r>
-                  <a:rPr/>
                   <a:t> (or, in other words, </a:t>
                 </a:r>
                 <a14:m>
                   <m:oMath xmlns:m="http://schemas.openxmlformats.org/officeDocument/2006/math">
                     <m:r>
-                      <m:t>φ</m:t>
+                      <a:rPr>
+                        <a:latin typeface="Cambria Math" panose="02040503050406030204" pitchFamily="18" charset="0"/>
+                      </a:rPr>
+                      <m:t>𝜑</m:t>
                     </m:r>
                   </m:oMath>
                 </a14:m>
                 <a:r>
-                  <a:rPr/>
                   <a:t> is true in interpretation </a:t>
                 </a:r>
                 <a14:m>
                   <m:oMath xmlns:m="http://schemas.openxmlformats.org/officeDocument/2006/math">
                     <m:r>
-                      <m:t>I</m:t>
+                      <a:rPr>
+                        <a:latin typeface="Cambria Math" panose="02040503050406030204" pitchFamily="18" charset="0"/>
+                      </a:rPr>
+                      <m:t>𝐼</m:t>
                     </m:r>
                   </m:oMath>
                 </a14:m>
                 <a:r>
-                  <a:rPr/>
                   <a:t> under assignment </a:t>
                 </a:r>
                 <a14:m>
                   <m:oMath xmlns:m="http://schemas.openxmlformats.org/officeDocument/2006/math">
                     <m:r>
-                      <m:t>g</m:t>
+                      <a:rPr>
+                        <a:latin typeface="Cambria Math" panose="02040503050406030204" pitchFamily="18" charset="0"/>
+                      </a:rPr>
+                      <m:t>𝑔</m:t>
                     </m:r>
                   </m:oMath>
                 </a14:m>
                 <a:r>
-                  <a:rPr/>
                   <a:t>).</a:t>
                 </a:r>
               </a:p>
               <a:p>
                 <a:pPr lvl="1"/>
                 <a:r>
-                  <a:rPr/>
                   <a:t>${\ldbrack}v{\rdbrack}^g_D = g(v)$</a:t>
                 </a:r>
               </a:p>
               <a:p>
                 <a:pPr lvl="1"/>
                 <a:r>
-                  <a:rPr/>
                   <a:t>${\ldbrack}c{\rdbrack}^g_D = c_D$</a:t>
                 </a:r>
               </a:p>
@@ -7727,47 +8161,76 @@
                 <a14:m>
                   <m:oMath xmlns:m="http://schemas.openxmlformats.org/officeDocument/2006/math">
                     <m:r>
-                      <m:t>I</m:t>
-                    </m:r>
-                    <m:r>
+                      <a:rPr>
+                        <a:latin typeface="Cambria Math" panose="02040503050406030204" pitchFamily="18" charset="0"/>
+                      </a:rPr>
+                      <m:t>𝐼</m:t>
+                    </m:r>
+                    <m:r>
+                      <a:rPr>
+                        <a:latin typeface="Cambria Math" panose="02040503050406030204" pitchFamily="18" charset="0"/>
+                      </a:rPr>
                       <m:t> </m:t>
                     </m:r>
                     <m:sSub>
+                      <m:sSubPr>
+                        <m:ctrlPr>
+                          <a:rPr i="1">
+                            <a:latin typeface="Cambria Math" panose="02040503050406030204" pitchFamily="18" charset="0"/>
+                          </a:rPr>
+                        </m:ctrlPr>
+                      </m:sSubPr>
                       <m:e>
                         <m:r>
+                          <a:rPr>
+                            <a:latin typeface="Cambria Math" panose="02040503050406030204" pitchFamily="18" charset="0"/>
+                          </a:rPr>
                           <m:t>⊨</m:t>
                         </m:r>
                       </m:e>
                       <m:sub>
                         <m:r>
-                          <m:t>g</m:t>
+                          <a:rPr>
+                            <a:latin typeface="Cambria Math" panose="02040503050406030204" pitchFamily="18" charset="0"/>
+                          </a:rPr>
+                          <m:t>𝑔</m:t>
                         </m:r>
                       </m:sub>
                     </m:sSub>
                     <m:r>
+                      <a:rPr>
+                        <a:latin typeface="Cambria Math" panose="02040503050406030204" pitchFamily="18" charset="0"/>
+                      </a:rPr>
                       <m:t> </m:t>
                     </m:r>
                     <m:r>
-                      <m:t>P</m:t>
-                    </m:r>
-                    <m:r>
+                      <a:rPr>
+                        <a:latin typeface="Cambria Math" panose="02040503050406030204" pitchFamily="18" charset="0"/>
+                      </a:rPr>
+                      <m:t>𝑃</m:t>
+                    </m:r>
+                    <m:r>
+                      <a:rPr>
+                        <a:latin typeface="Cambria Math" panose="02040503050406030204" pitchFamily="18" charset="0"/>
+                      </a:rPr>
                       <m:t>(</m:t>
                     </m:r>
                     <m:r>
-                      <m:t>t</m:t>
-                    </m:r>
-                    <m:r>
+                      <a:rPr>
+                        <a:latin typeface="Cambria Math" panose="02040503050406030204" pitchFamily="18" charset="0"/>
+                      </a:rPr>
+                      <m:t>𝑡</m:t>
+                    </m:r>
+                    <m:r>
+                      <a:rPr>
+                        <a:latin typeface="Cambria Math" panose="02040503050406030204" pitchFamily="18" charset="0"/>
+                      </a:rPr>
                       <m:t>)</m:t>
                     </m:r>
                   </m:oMath>
                 </a14:m>
                 <a:r>
-                  <a:rPr/>
-                  <a:t> iff </a:t>
-                </a:r>
-                <a:r>
-                  <a:rPr/>
-                  <a:t>${\ldbrack}t{\rdbrack}^g_D \in P_D$</a:t>
+                  <a:t> iff ${\ldbrack}t{\rdbrack}^g_D \in P_D$</a:t>
                 </a:r>
               </a:p>
               <a:p>
@@ -7775,53 +8238,88 @@
                 <a14:m>
                   <m:oMath xmlns:m="http://schemas.openxmlformats.org/officeDocument/2006/math">
                     <m:r>
-                      <m:t>I</m:t>
-                    </m:r>
-                    <m:r>
+                      <a:rPr>
+                        <a:latin typeface="Cambria Math" panose="02040503050406030204" pitchFamily="18" charset="0"/>
+                      </a:rPr>
+                      <m:t>𝐼</m:t>
+                    </m:r>
+                    <m:r>
+                      <a:rPr>
+                        <a:latin typeface="Cambria Math" panose="02040503050406030204" pitchFamily="18" charset="0"/>
+                      </a:rPr>
                       <m:t> </m:t>
                     </m:r>
                     <m:sSub>
+                      <m:sSubPr>
+                        <m:ctrlPr>
+                          <a:rPr i="1">
+                            <a:latin typeface="Cambria Math" panose="02040503050406030204" pitchFamily="18" charset="0"/>
+                          </a:rPr>
+                        </m:ctrlPr>
+                      </m:sSubPr>
                       <m:e>
                         <m:r>
+                          <a:rPr>
+                            <a:latin typeface="Cambria Math" panose="02040503050406030204" pitchFamily="18" charset="0"/>
+                          </a:rPr>
                           <m:t>⊨</m:t>
                         </m:r>
                       </m:e>
                       <m:sub>
                         <m:r>
-                          <m:t>g</m:t>
+                          <a:rPr>
+                            <a:latin typeface="Cambria Math" panose="02040503050406030204" pitchFamily="18" charset="0"/>
+                          </a:rPr>
+                          <m:t>𝑔</m:t>
                         </m:r>
                       </m:sub>
                     </m:sSub>
                     <m:r>
+                      <a:rPr>
+                        <a:latin typeface="Cambria Math" panose="02040503050406030204" pitchFamily="18" charset="0"/>
+                      </a:rPr>
                       <m:t> </m:t>
                     </m:r>
                     <m:r>
-                      <m:t>R</m:t>
-                    </m:r>
-                    <m:r>
+                      <a:rPr>
+                        <a:latin typeface="Cambria Math" panose="02040503050406030204" pitchFamily="18" charset="0"/>
+                      </a:rPr>
+                      <m:t>𝑅</m:t>
+                    </m:r>
+                    <m:r>
+                      <a:rPr>
+                        <a:latin typeface="Cambria Math" panose="02040503050406030204" pitchFamily="18" charset="0"/>
+                      </a:rPr>
                       <m:t>(</m:t>
                     </m:r>
                     <m:r>
-                      <m:t>s</m:t>
-                    </m:r>
-                    <m:r>
+                      <a:rPr>
+                        <a:latin typeface="Cambria Math" panose="02040503050406030204" pitchFamily="18" charset="0"/>
+                      </a:rPr>
+                      <m:t>𝑠</m:t>
+                    </m:r>
+                    <m:r>
+                      <a:rPr>
+                        <a:latin typeface="Cambria Math" panose="02040503050406030204" pitchFamily="18" charset="0"/>
+                      </a:rPr>
                       <m:t>,</m:t>
                     </m:r>
                     <m:r>
-                      <m:t>t</m:t>
-                    </m:r>
-                    <m:r>
+                      <a:rPr>
+                        <a:latin typeface="Cambria Math" panose="02040503050406030204" pitchFamily="18" charset="0"/>
+                      </a:rPr>
+                      <m:t>𝑡</m:t>
+                    </m:r>
+                    <m:r>
+                      <a:rPr>
+                        <a:latin typeface="Cambria Math" panose="02040503050406030204" pitchFamily="18" charset="0"/>
+                      </a:rPr>
                       <m:t>)</m:t>
                     </m:r>
                   </m:oMath>
                 </a14:m>
                 <a:r>
-                  <a:rPr/>
-                  <a:t> iff </a:t>
-                </a:r>
-                <a:r>
-                  <a:rPr/>
-                  <a:t>${\langle}{\ldbrack}s{\rdbrack}^g_D,{\ldbrack}t{\rdbrack}^g_D{\rangle} \in R_D$</a:t>
+                  <a:t> iff ${\langle}{\ldbrack}s{\rdbrack}^g_D,{\ldbrack}t{\rdbrack}^g_D{\rangle} \in R_D$</a:t>
                 </a:r>
               </a:p>
               <a:p>
@@ -7829,168 +8327,294 @@
                 <a14:m>
                   <m:oMath xmlns:m="http://schemas.openxmlformats.org/officeDocument/2006/math">
                     <m:r>
-                      <m:t>I</m:t>
-                    </m:r>
-                    <m:r>
+                      <a:rPr>
+                        <a:latin typeface="Cambria Math" panose="02040503050406030204" pitchFamily="18" charset="0"/>
+                      </a:rPr>
+                      <m:t>𝐼</m:t>
+                    </m:r>
+                    <m:r>
+                      <a:rPr>
+                        <a:latin typeface="Cambria Math" panose="02040503050406030204" pitchFamily="18" charset="0"/>
+                      </a:rPr>
                       <m:t> </m:t>
                     </m:r>
                     <m:sSub>
+                      <m:sSubPr>
+                        <m:ctrlPr>
+                          <a:rPr i="1">
+                            <a:latin typeface="Cambria Math" panose="02040503050406030204" pitchFamily="18" charset="0"/>
+                          </a:rPr>
+                        </m:ctrlPr>
+                      </m:sSubPr>
                       <m:e>
                         <m:r>
+                          <a:rPr>
+                            <a:latin typeface="Cambria Math" panose="02040503050406030204" pitchFamily="18" charset="0"/>
+                          </a:rPr>
                           <m:t>⊨</m:t>
                         </m:r>
                       </m:e>
                       <m:sub>
                         <m:r>
-                          <m:t>g</m:t>
+                          <a:rPr>
+                            <a:latin typeface="Cambria Math" panose="02040503050406030204" pitchFamily="18" charset="0"/>
+                          </a:rPr>
+                          <m:t>𝑔</m:t>
                         </m:r>
                       </m:sub>
                     </m:sSub>
                     <m:r>
-                      <m:t> </m:t>
-                    </m:r>
-                    <m:r>
-                      <m:t>−</m:t>
-                    </m:r>
-                    <m:r>
-                      <m:t>φ</m:t>
+                      <a:rPr>
+                        <a:latin typeface="Cambria Math" panose="02040503050406030204" pitchFamily="18" charset="0"/>
+                      </a:rPr>
+                      <m:t> −</m:t>
+                    </m:r>
+                    <m:r>
+                      <a:rPr>
+                        <a:latin typeface="Cambria Math" panose="02040503050406030204" pitchFamily="18" charset="0"/>
+                      </a:rPr>
+                      <m:t>𝜑</m:t>
                     </m:r>
                   </m:oMath>
                 </a14:m>
                 <a:r>
-                  <a:rPr/>
                   <a:t> iff it is not the case that </a:t>
                 </a:r>
                 <a14:m>
                   <m:oMath xmlns:m="http://schemas.openxmlformats.org/officeDocument/2006/math">
                     <m:r>
-                      <m:t>I</m:t>
-                    </m:r>
-                    <m:r>
+                      <a:rPr>
+                        <a:latin typeface="Cambria Math" panose="02040503050406030204" pitchFamily="18" charset="0"/>
+                      </a:rPr>
+                      <m:t>𝐼</m:t>
+                    </m:r>
+                    <m:r>
+                      <a:rPr>
+                        <a:latin typeface="Cambria Math" panose="02040503050406030204" pitchFamily="18" charset="0"/>
+                      </a:rPr>
                       <m:t> </m:t>
                     </m:r>
                     <m:sSub>
+                      <m:sSubPr>
+                        <m:ctrlPr>
+                          <a:rPr i="1">
+                            <a:latin typeface="Cambria Math" panose="02040503050406030204" pitchFamily="18" charset="0"/>
+                          </a:rPr>
+                        </m:ctrlPr>
+                      </m:sSubPr>
                       <m:e>
                         <m:r>
+                          <a:rPr>
+                            <a:latin typeface="Cambria Math" panose="02040503050406030204" pitchFamily="18" charset="0"/>
+                          </a:rPr>
                           <m:t>⊨</m:t>
                         </m:r>
                       </m:e>
                       <m:sub>
                         <m:r>
-                          <m:t>g</m:t>
+                          <a:rPr>
+                            <a:latin typeface="Cambria Math" panose="02040503050406030204" pitchFamily="18" charset="0"/>
+                          </a:rPr>
+                          <m:t>𝑔</m:t>
                         </m:r>
                       </m:sub>
                     </m:sSub>
                     <m:r>
+                      <a:rPr>
+                        <a:latin typeface="Cambria Math" panose="02040503050406030204" pitchFamily="18" charset="0"/>
+                      </a:rPr>
                       <m:t> </m:t>
                     </m:r>
                     <m:r>
-                      <m:t>φ</m:t>
+                      <a:rPr>
+                        <a:latin typeface="Cambria Math" panose="02040503050406030204" pitchFamily="18" charset="0"/>
+                      </a:rPr>
+                      <m:t>𝜑</m:t>
                     </m:r>
                   </m:oMath>
                 </a14:m>
+                <a:endParaRPr/>
               </a:p>
               <a:p>
                 <a:pPr lvl="1"/>
                 <a14:m>
                   <m:oMath xmlns:m="http://schemas.openxmlformats.org/officeDocument/2006/math">
                     <m:r>
-                      <m:t>I</m:t>
-                    </m:r>
-                    <m:r>
+                      <a:rPr>
+                        <a:latin typeface="Cambria Math" panose="02040503050406030204" pitchFamily="18" charset="0"/>
+                      </a:rPr>
+                      <m:t>𝐼</m:t>
+                    </m:r>
+                    <m:r>
+                      <a:rPr>
+                        <a:latin typeface="Cambria Math" panose="02040503050406030204" pitchFamily="18" charset="0"/>
+                      </a:rPr>
                       <m:t> </m:t>
                     </m:r>
                     <m:sSub>
+                      <m:sSubPr>
+                        <m:ctrlPr>
+                          <a:rPr i="1">
+                            <a:latin typeface="Cambria Math" panose="02040503050406030204" pitchFamily="18" charset="0"/>
+                          </a:rPr>
+                        </m:ctrlPr>
+                      </m:sSubPr>
                       <m:e>
                         <m:r>
+                          <a:rPr>
+                            <a:latin typeface="Cambria Math" panose="02040503050406030204" pitchFamily="18" charset="0"/>
+                          </a:rPr>
                           <m:t>⊨</m:t>
                         </m:r>
                       </m:e>
                       <m:sub>
                         <m:r>
-                          <m:t>g</m:t>
+                          <a:rPr>
+                            <a:latin typeface="Cambria Math" panose="02040503050406030204" pitchFamily="18" charset="0"/>
+                          </a:rPr>
+                          <m:t>𝑔</m:t>
                         </m:r>
                       </m:sub>
                     </m:sSub>
                     <m:r>
-                      <m:t> </m:t>
-                    </m:r>
-                    <m:r>
-                      <m:t>(</m:t>
+                      <a:rPr>
+                        <a:latin typeface="Cambria Math" panose="02040503050406030204" pitchFamily="18" charset="0"/>
+                      </a:rPr>
+                      <m:t> (</m:t>
                     </m:r>
                     <m:sSub>
+                      <m:sSubPr>
+                        <m:ctrlPr>
+                          <a:rPr i="1">
+                            <a:latin typeface="Cambria Math" panose="02040503050406030204" pitchFamily="18" charset="0"/>
+                          </a:rPr>
+                        </m:ctrlPr>
+                      </m:sSubPr>
                       <m:e>
                         <m:r>
-                          <m:t>φ</m:t>
+                          <a:rPr>
+                            <a:latin typeface="Cambria Math" panose="02040503050406030204" pitchFamily="18" charset="0"/>
+                          </a:rPr>
+                          <m:t>𝜑</m:t>
                         </m:r>
                       </m:e>
                       <m:sub>
                         <m:r>
+                          <a:rPr>
+                            <a:latin typeface="Cambria Math" panose="02040503050406030204" pitchFamily="18" charset="0"/>
+                          </a:rPr>
                           <m:t>1</m:t>
                         </m:r>
                       </m:sub>
                     </m:sSub>
                     <m:r>
-                      <m:t> </m:t>
-                    </m:r>
-                    <m:r>
-                      <m:t>&amp;</m:t>
-                    </m:r>
-                    <m:r>
-                      <m:t> </m:t>
+                      <a:rPr>
+                        <a:latin typeface="Cambria Math" panose="02040503050406030204" pitchFamily="18" charset="0"/>
+                      </a:rPr>
+                      <m:t> &amp; </m:t>
                     </m:r>
                     <m:sSub>
+                      <m:sSubPr>
+                        <m:ctrlPr>
+                          <a:rPr i="1">
+                            <a:latin typeface="Cambria Math" panose="02040503050406030204" pitchFamily="18" charset="0"/>
+                          </a:rPr>
+                        </m:ctrlPr>
+                      </m:sSubPr>
                       <m:e>
                         <m:r>
-                          <m:t>φ</m:t>
+                          <a:rPr>
+                            <a:latin typeface="Cambria Math" panose="02040503050406030204" pitchFamily="18" charset="0"/>
+                          </a:rPr>
+                          <m:t>𝜑</m:t>
                         </m:r>
                       </m:e>
                       <m:sub>
                         <m:r>
+                          <a:rPr>
+                            <a:latin typeface="Cambria Math" panose="02040503050406030204" pitchFamily="18" charset="0"/>
+                          </a:rPr>
                           <m:t>2</m:t>
                         </m:r>
                       </m:sub>
                     </m:sSub>
                     <m:r>
+                      <a:rPr>
+                        <a:latin typeface="Cambria Math" panose="02040503050406030204" pitchFamily="18" charset="0"/>
+                      </a:rPr>
                       <m:t>)</m:t>
                     </m:r>
                   </m:oMath>
                 </a14:m>
                 <a:r>
-                  <a:rPr/>
                   <a:t> iff </a:t>
                 </a:r>
                 <a14:m>
                   <m:oMath xmlns:m="http://schemas.openxmlformats.org/officeDocument/2006/math">
                     <m:r>
-                      <m:t>I</m:t>
-                    </m:r>
-                    <m:r>
+                      <a:rPr>
+                        <a:latin typeface="Cambria Math" panose="02040503050406030204" pitchFamily="18" charset="0"/>
+                      </a:rPr>
+                      <m:t>𝐼</m:t>
+                    </m:r>
+                    <m:r>
+                      <a:rPr>
+                        <a:latin typeface="Cambria Math" panose="02040503050406030204" pitchFamily="18" charset="0"/>
+                      </a:rPr>
                       <m:t> </m:t>
                     </m:r>
                     <m:sSub>
+                      <m:sSubPr>
+                        <m:ctrlPr>
+                          <a:rPr i="1">
+                            <a:latin typeface="Cambria Math" panose="02040503050406030204" pitchFamily="18" charset="0"/>
+                          </a:rPr>
+                        </m:ctrlPr>
+                      </m:sSubPr>
                       <m:e>
                         <m:r>
+                          <a:rPr>
+                            <a:latin typeface="Cambria Math" panose="02040503050406030204" pitchFamily="18" charset="0"/>
+                          </a:rPr>
                           <m:t>⊨</m:t>
                         </m:r>
                       </m:e>
                       <m:sub>
                         <m:r>
-                          <m:t>g</m:t>
+                          <a:rPr>
+                            <a:latin typeface="Cambria Math" panose="02040503050406030204" pitchFamily="18" charset="0"/>
+                          </a:rPr>
+                          <m:t>𝑔</m:t>
                         </m:r>
                       </m:sub>
                     </m:sSub>
                     <m:r>
+                      <a:rPr>
+                        <a:latin typeface="Cambria Math" panose="02040503050406030204" pitchFamily="18" charset="0"/>
+                      </a:rPr>
                       <m:t> </m:t>
                     </m:r>
                     <m:sSub>
+                      <m:sSubPr>
+                        <m:ctrlPr>
+                          <a:rPr i="1">
+                            <a:latin typeface="Cambria Math" panose="02040503050406030204" pitchFamily="18" charset="0"/>
+                          </a:rPr>
+                        </m:ctrlPr>
+                      </m:sSubPr>
                       <m:e>
                         <m:r>
-                          <m:t>φ</m:t>
+                          <a:rPr>
+                            <a:latin typeface="Cambria Math" panose="02040503050406030204" pitchFamily="18" charset="0"/>
+                          </a:rPr>
+                          <m:t>𝜑</m:t>
                         </m:r>
                       </m:e>
                       <m:sub>
                         <m:r>
+                          <a:rPr>
+                            <a:latin typeface="Cambria Math" panose="02040503050406030204" pitchFamily="18" charset="0"/>
+                          </a:rPr>
                           <m:t>1</m:t>
                         </m:r>
                       </m:sub>
@@ -7998,142 +8622,262 @@
                   </m:oMath>
                 </a14:m>
                 <a:r>
-                  <a:rPr/>
                   <a:t> and </a:t>
                 </a:r>
                 <a14:m>
                   <m:oMath xmlns:m="http://schemas.openxmlformats.org/officeDocument/2006/math">
                     <m:r>
-                      <m:t>I</m:t>
-                    </m:r>
-                    <m:r>
+                      <a:rPr>
+                        <a:latin typeface="Cambria Math" panose="02040503050406030204" pitchFamily="18" charset="0"/>
+                      </a:rPr>
+                      <m:t>𝐼</m:t>
+                    </m:r>
+                    <m:r>
+                      <a:rPr>
+                        <a:latin typeface="Cambria Math" panose="02040503050406030204" pitchFamily="18" charset="0"/>
+                      </a:rPr>
                       <m:t> </m:t>
                     </m:r>
                     <m:sSub>
+                      <m:sSubPr>
+                        <m:ctrlPr>
+                          <a:rPr i="1">
+                            <a:latin typeface="Cambria Math" panose="02040503050406030204" pitchFamily="18" charset="0"/>
+                          </a:rPr>
+                        </m:ctrlPr>
+                      </m:sSubPr>
                       <m:e>
                         <m:r>
+                          <a:rPr>
+                            <a:latin typeface="Cambria Math" panose="02040503050406030204" pitchFamily="18" charset="0"/>
+                          </a:rPr>
                           <m:t>⊨</m:t>
                         </m:r>
                       </m:e>
                       <m:sub>
                         <m:r>
-                          <m:t>g</m:t>
+                          <a:rPr>
+                            <a:latin typeface="Cambria Math" panose="02040503050406030204" pitchFamily="18" charset="0"/>
+                          </a:rPr>
+                          <m:t>𝑔</m:t>
                         </m:r>
                       </m:sub>
                     </m:sSub>
                     <m:r>
+                      <a:rPr>
+                        <a:latin typeface="Cambria Math" panose="02040503050406030204" pitchFamily="18" charset="0"/>
+                      </a:rPr>
                       <m:t> </m:t>
                     </m:r>
                     <m:sSub>
+                      <m:sSubPr>
+                        <m:ctrlPr>
+                          <a:rPr i="1">
+                            <a:latin typeface="Cambria Math" panose="02040503050406030204" pitchFamily="18" charset="0"/>
+                          </a:rPr>
+                        </m:ctrlPr>
+                      </m:sSubPr>
                       <m:e>
                         <m:r>
-                          <m:t>φ</m:t>
+                          <a:rPr>
+                            <a:latin typeface="Cambria Math" panose="02040503050406030204" pitchFamily="18" charset="0"/>
+                          </a:rPr>
+                          <m:t>𝜑</m:t>
                         </m:r>
                       </m:e>
                       <m:sub>
                         <m:r>
+                          <a:rPr>
+                            <a:latin typeface="Cambria Math" panose="02040503050406030204" pitchFamily="18" charset="0"/>
+                          </a:rPr>
                           <m:t>2</m:t>
                         </m:r>
                       </m:sub>
                     </m:sSub>
                   </m:oMath>
                 </a14:m>
+                <a:endParaRPr/>
               </a:p>
               <a:p>
                 <a:pPr lvl="1"/>
                 <a14:m>
                   <m:oMath xmlns:m="http://schemas.openxmlformats.org/officeDocument/2006/math">
                     <m:r>
-                      <m:t>I</m:t>
-                    </m:r>
-                    <m:r>
+                      <a:rPr>
+                        <a:latin typeface="Cambria Math" panose="02040503050406030204" pitchFamily="18" charset="0"/>
+                      </a:rPr>
+                      <m:t>𝐼</m:t>
+                    </m:r>
+                    <m:r>
+                      <a:rPr>
+                        <a:latin typeface="Cambria Math" panose="02040503050406030204" pitchFamily="18" charset="0"/>
+                      </a:rPr>
                       <m:t> </m:t>
                     </m:r>
                     <m:sSub>
+                      <m:sSubPr>
+                        <m:ctrlPr>
+                          <a:rPr i="1">
+                            <a:latin typeface="Cambria Math" panose="02040503050406030204" pitchFamily="18" charset="0"/>
+                          </a:rPr>
+                        </m:ctrlPr>
+                      </m:sSubPr>
                       <m:e>
                         <m:r>
+                          <a:rPr>
+                            <a:latin typeface="Cambria Math" panose="02040503050406030204" pitchFamily="18" charset="0"/>
+                          </a:rPr>
                           <m:t>⊨</m:t>
                         </m:r>
                       </m:e>
                       <m:sub>
                         <m:r>
-                          <m:t>g</m:t>
+                          <a:rPr>
+                            <a:latin typeface="Cambria Math" panose="02040503050406030204" pitchFamily="18" charset="0"/>
+                          </a:rPr>
+                          <m:t>𝑔</m:t>
                         </m:r>
                       </m:sub>
                     </m:sSub>
                     <m:r>
-                      <m:t> </m:t>
-                    </m:r>
-                    <m:r>
-                      <m:t>(</m:t>
+                      <a:rPr>
+                        <a:latin typeface="Cambria Math" panose="02040503050406030204" pitchFamily="18" charset="0"/>
+                      </a:rPr>
+                      <m:t> (</m:t>
                     </m:r>
                     <m:sSub>
+                      <m:sSubPr>
+                        <m:ctrlPr>
+                          <a:rPr i="1">
+                            <a:latin typeface="Cambria Math" panose="02040503050406030204" pitchFamily="18" charset="0"/>
+                          </a:rPr>
+                        </m:ctrlPr>
+                      </m:sSubPr>
                       <m:e>
                         <m:r>
-                          <m:t>φ</m:t>
+                          <a:rPr>
+                            <a:latin typeface="Cambria Math" panose="02040503050406030204" pitchFamily="18" charset="0"/>
+                          </a:rPr>
+                          <m:t>𝜑</m:t>
                         </m:r>
                       </m:e>
                       <m:sub>
                         <m:r>
+                          <a:rPr>
+                            <a:latin typeface="Cambria Math" panose="02040503050406030204" pitchFamily="18" charset="0"/>
+                          </a:rPr>
                           <m:t>1</m:t>
                         </m:r>
                       </m:sub>
                     </m:sSub>
                     <m:r>
+                      <a:rPr>
+                        <a:latin typeface="Cambria Math" panose="02040503050406030204" pitchFamily="18" charset="0"/>
+                      </a:rPr>
                       <m:t>∨</m:t>
                     </m:r>
                     <m:sSub>
+                      <m:sSubPr>
+                        <m:ctrlPr>
+                          <a:rPr i="1">
+                            <a:latin typeface="Cambria Math" panose="02040503050406030204" pitchFamily="18" charset="0"/>
+                          </a:rPr>
+                        </m:ctrlPr>
+                      </m:sSubPr>
                       <m:e>
                         <m:r>
-                          <m:t>φ</m:t>
+                          <a:rPr>
+                            <a:latin typeface="Cambria Math" panose="02040503050406030204" pitchFamily="18" charset="0"/>
+                          </a:rPr>
+                          <m:t>𝜑</m:t>
                         </m:r>
                       </m:e>
                       <m:sub>
                         <m:r>
+                          <a:rPr>
+                            <a:latin typeface="Cambria Math" panose="02040503050406030204" pitchFamily="18" charset="0"/>
+                          </a:rPr>
                           <m:t>2</m:t>
                         </m:r>
                       </m:sub>
                     </m:sSub>
                     <m:r>
+                      <a:rPr>
+                        <a:latin typeface="Cambria Math" panose="02040503050406030204" pitchFamily="18" charset="0"/>
+                      </a:rPr>
                       <m:t>)</m:t>
                     </m:r>
                   </m:oMath>
                 </a14:m>
                 <a:r>
-                  <a:rPr/>
                   <a:t> iff </a:t>
                 </a:r>
                 <a14:m>
                   <m:oMath xmlns:m="http://schemas.openxmlformats.org/officeDocument/2006/math">
                     <m:r>
-                      <m:t>I</m:t>
-                    </m:r>
-                    <m:r>
+                      <a:rPr>
+                        <a:latin typeface="Cambria Math" panose="02040503050406030204" pitchFamily="18" charset="0"/>
+                      </a:rPr>
+                      <m:t>𝐼</m:t>
+                    </m:r>
+                    <m:r>
+                      <a:rPr>
+                        <a:latin typeface="Cambria Math" panose="02040503050406030204" pitchFamily="18" charset="0"/>
+                      </a:rPr>
                       <m:t> </m:t>
                     </m:r>
                     <m:sSub>
+                      <m:sSubPr>
+                        <m:ctrlPr>
+                          <a:rPr i="1">
+                            <a:latin typeface="Cambria Math" panose="02040503050406030204" pitchFamily="18" charset="0"/>
+                          </a:rPr>
+                        </m:ctrlPr>
+                      </m:sSubPr>
                       <m:e>
                         <m:r>
+                          <a:rPr>
+                            <a:latin typeface="Cambria Math" panose="02040503050406030204" pitchFamily="18" charset="0"/>
+                          </a:rPr>
                           <m:t>⊨</m:t>
                         </m:r>
                       </m:e>
                       <m:sub>
                         <m:r>
-                          <m:t>g</m:t>
+                          <a:rPr>
+                            <a:latin typeface="Cambria Math" panose="02040503050406030204" pitchFamily="18" charset="0"/>
+                          </a:rPr>
+                          <m:t>𝑔</m:t>
                         </m:r>
                       </m:sub>
                     </m:sSub>
                     <m:r>
+                      <a:rPr>
+                        <a:latin typeface="Cambria Math" panose="02040503050406030204" pitchFamily="18" charset="0"/>
+                      </a:rPr>
                       <m:t> </m:t>
                     </m:r>
                     <m:sSub>
+                      <m:sSubPr>
+                        <m:ctrlPr>
+                          <a:rPr i="1">
+                            <a:latin typeface="Cambria Math" panose="02040503050406030204" pitchFamily="18" charset="0"/>
+                          </a:rPr>
+                        </m:ctrlPr>
+                      </m:sSubPr>
                       <m:e>
                         <m:r>
-                          <m:t>φ</m:t>
+                          <a:rPr>
+                            <a:latin typeface="Cambria Math" panose="02040503050406030204" pitchFamily="18" charset="0"/>
+                          </a:rPr>
+                          <m:t>𝜑</m:t>
                         </m:r>
                       </m:e>
                       <m:sub>
                         <m:r>
+                          <a:rPr>
+                            <a:latin typeface="Cambria Math" panose="02040503050406030204" pitchFamily="18" charset="0"/>
+                          </a:rPr>
                           <m:t>1</m:t>
                         </m:r>
                       </m:sub>
@@ -8141,255 +8885,472 @@
                   </m:oMath>
                 </a14:m>
                 <a:r>
-                  <a:rPr/>
                   <a:t> or </a:t>
                 </a:r>
                 <a14:m>
                   <m:oMath xmlns:m="http://schemas.openxmlformats.org/officeDocument/2006/math">
                     <m:r>
-                      <m:t>I</m:t>
-                    </m:r>
-                    <m:r>
+                      <a:rPr>
+                        <a:latin typeface="Cambria Math" panose="02040503050406030204" pitchFamily="18" charset="0"/>
+                      </a:rPr>
+                      <m:t>𝐼</m:t>
+                    </m:r>
+                    <m:r>
+                      <a:rPr>
+                        <a:latin typeface="Cambria Math" panose="02040503050406030204" pitchFamily="18" charset="0"/>
+                      </a:rPr>
                       <m:t> </m:t>
                     </m:r>
                     <m:sSub>
+                      <m:sSubPr>
+                        <m:ctrlPr>
+                          <a:rPr i="1">
+                            <a:latin typeface="Cambria Math" panose="02040503050406030204" pitchFamily="18" charset="0"/>
+                          </a:rPr>
+                        </m:ctrlPr>
+                      </m:sSubPr>
                       <m:e>
                         <m:r>
+                          <a:rPr>
+                            <a:latin typeface="Cambria Math" panose="02040503050406030204" pitchFamily="18" charset="0"/>
+                          </a:rPr>
                           <m:t>⊨</m:t>
                         </m:r>
                       </m:e>
                       <m:sub>
                         <m:r>
-                          <m:t>g</m:t>
+                          <a:rPr>
+                            <a:latin typeface="Cambria Math" panose="02040503050406030204" pitchFamily="18" charset="0"/>
+                          </a:rPr>
+                          <m:t>𝑔</m:t>
                         </m:r>
                       </m:sub>
                     </m:sSub>
                     <m:r>
+                      <a:rPr>
+                        <a:latin typeface="Cambria Math" panose="02040503050406030204" pitchFamily="18" charset="0"/>
+                      </a:rPr>
                       <m:t> </m:t>
                     </m:r>
                     <m:sSub>
+                      <m:sSubPr>
+                        <m:ctrlPr>
+                          <a:rPr i="1">
+                            <a:latin typeface="Cambria Math" panose="02040503050406030204" pitchFamily="18" charset="0"/>
+                          </a:rPr>
+                        </m:ctrlPr>
+                      </m:sSubPr>
                       <m:e>
                         <m:r>
-                          <m:t>φ</m:t>
+                          <a:rPr>
+                            <a:latin typeface="Cambria Math" panose="02040503050406030204" pitchFamily="18" charset="0"/>
+                          </a:rPr>
+                          <m:t>𝜑</m:t>
                         </m:r>
                       </m:e>
                       <m:sub>
                         <m:r>
+                          <a:rPr>
+                            <a:latin typeface="Cambria Math" panose="02040503050406030204" pitchFamily="18" charset="0"/>
+                          </a:rPr>
                           <m:t>2</m:t>
                         </m:r>
                       </m:sub>
                     </m:sSub>
                   </m:oMath>
                 </a14:m>
+                <a:endParaRPr/>
               </a:p>
               <a:p>
                 <a:pPr lvl="1"/>
                 <a14:m>
                   <m:oMath xmlns:m="http://schemas.openxmlformats.org/officeDocument/2006/math">
                     <m:r>
-                      <m:t>I</m:t>
-                    </m:r>
-                    <m:r>
+                      <a:rPr>
+                        <a:latin typeface="Cambria Math" panose="02040503050406030204" pitchFamily="18" charset="0"/>
+                      </a:rPr>
+                      <m:t>𝐼</m:t>
+                    </m:r>
+                    <m:r>
+                      <a:rPr>
+                        <a:latin typeface="Cambria Math" panose="02040503050406030204" pitchFamily="18" charset="0"/>
+                      </a:rPr>
                       <m:t> </m:t>
                     </m:r>
                     <m:sSub>
+                      <m:sSubPr>
+                        <m:ctrlPr>
+                          <a:rPr i="1">
+                            <a:latin typeface="Cambria Math" panose="02040503050406030204" pitchFamily="18" charset="0"/>
+                          </a:rPr>
+                        </m:ctrlPr>
+                      </m:sSubPr>
                       <m:e>
                         <m:r>
+                          <a:rPr>
+                            <a:latin typeface="Cambria Math" panose="02040503050406030204" pitchFamily="18" charset="0"/>
+                          </a:rPr>
                           <m:t>⊨</m:t>
                         </m:r>
                       </m:e>
                       <m:sub>
                         <m:r>
-                          <m:t>g</m:t>
+                          <a:rPr>
+                            <a:latin typeface="Cambria Math" panose="02040503050406030204" pitchFamily="18" charset="0"/>
+                          </a:rPr>
+                          <m:t>𝑔</m:t>
                         </m:r>
                       </m:sub>
                     </m:sSub>
                     <m:r>
-                      <m:t> </m:t>
-                    </m:r>
-                    <m:r>
-                      <m:t>∀</m:t>
-                    </m:r>
-                    <m:r>
-                      <m:t>v</m:t>
-                    </m:r>
-                    <m:r>
-                      <m:t>φ</m:t>
+                      <a:rPr>
+                        <a:latin typeface="Cambria Math" panose="02040503050406030204" pitchFamily="18" charset="0"/>
+                      </a:rPr>
+                      <m:t> ∀</m:t>
+                    </m:r>
+                    <m:r>
+                      <a:rPr>
+                        <a:latin typeface="Cambria Math" panose="02040503050406030204" pitchFamily="18" charset="0"/>
+                      </a:rPr>
+                      <m:t>𝑣</m:t>
+                    </m:r>
+                    <m:r>
+                      <a:rPr>
+                        <a:latin typeface="Cambria Math" panose="02040503050406030204" pitchFamily="18" charset="0"/>
+                      </a:rPr>
+                      <m:t>𝜑</m:t>
                     </m:r>
                   </m:oMath>
                 </a14:m>
                 <a:r>
-                  <a:rPr/>
                   <a:t> iff for all </a:t>
                 </a:r>
                 <a14:m>
                   <m:oMath xmlns:m="http://schemas.openxmlformats.org/officeDocument/2006/math">
                     <m:r>
-                      <m:t>e</m:t>
-                    </m:r>
-                    <m:r>
+                      <a:rPr>
+                        <a:latin typeface="Cambria Math" panose="02040503050406030204" pitchFamily="18" charset="0"/>
+                      </a:rPr>
+                      <m:t>𝑒</m:t>
+                    </m:r>
+                    <m:r>
+                      <a:rPr>
+                        <a:latin typeface="Cambria Math" panose="02040503050406030204" pitchFamily="18" charset="0"/>
+                      </a:rPr>
                       <m:t>∈</m:t>
                     </m:r>
                     <m:r>
-                      <m:t>E</m:t>
+                      <a:rPr>
+                        <a:latin typeface="Cambria Math" panose="02040503050406030204" pitchFamily="18" charset="0"/>
+                      </a:rPr>
+                      <m:t>𝐸</m:t>
                     </m:r>
                   </m:oMath>
                 </a14:m>
                 <a:r>
-                  <a:rPr/>
                   <a:t> it holds that </a:t>
                 </a:r>
                 <a14:m>
                   <m:oMath xmlns:m="http://schemas.openxmlformats.org/officeDocument/2006/math">
                     <m:r>
-                      <m:t>I</m:t>
-                    </m:r>
-                    <m:r>
+                      <a:rPr>
+                        <a:latin typeface="Cambria Math" panose="02040503050406030204" pitchFamily="18" charset="0"/>
+                      </a:rPr>
+                      <m:t>𝐼</m:t>
+                    </m:r>
+                    <m:r>
+                      <a:rPr>
+                        <a:latin typeface="Cambria Math" panose="02040503050406030204" pitchFamily="18" charset="0"/>
+                      </a:rPr>
                       <m:t> </m:t>
                     </m:r>
                     <m:sSub>
+                      <m:sSubPr>
+                        <m:ctrlPr>
+                          <a:rPr i="1">
+                            <a:latin typeface="Cambria Math" panose="02040503050406030204" pitchFamily="18" charset="0"/>
+                          </a:rPr>
+                        </m:ctrlPr>
+                      </m:sSubPr>
                       <m:e>
                         <m:r>
+                          <a:rPr>
+                            <a:latin typeface="Cambria Math" panose="02040503050406030204" pitchFamily="18" charset="0"/>
+                          </a:rPr>
                           <m:t>⊨</m:t>
                         </m:r>
                       </m:e>
                       <m:sub>
                         <m:r>
-                          <m:t>g</m:t>
-                        </m:r>
-                        <m:r>
+                          <a:rPr>
+                            <a:latin typeface="Cambria Math" panose="02040503050406030204" pitchFamily="18" charset="0"/>
+                          </a:rPr>
+                          <m:t>𝑔</m:t>
+                        </m:r>
+                        <m:r>
+                          <a:rPr>
+                            <a:latin typeface="Cambria Math" panose="02040503050406030204" pitchFamily="18" charset="0"/>
+                          </a:rPr>
                           <m:t>[</m:t>
                         </m:r>
                         <m:r>
-                          <m:t>v</m:t>
-                        </m:r>
-                        <m:r>
+                          <a:rPr>
+                            <a:latin typeface="Cambria Math" panose="02040503050406030204" pitchFamily="18" charset="0"/>
+                          </a:rPr>
+                          <m:t>𝑣</m:t>
+                        </m:r>
+                        <m:r>
+                          <a:rPr>
+                            <a:latin typeface="Cambria Math" panose="02040503050406030204" pitchFamily="18" charset="0"/>
+                          </a:rPr>
                           <m:t>≔</m:t>
                         </m:r>
                         <m:r>
-                          <m:t>e</m:t>
-                        </m:r>
-                        <m:r>
+                          <a:rPr>
+                            <a:latin typeface="Cambria Math" panose="02040503050406030204" pitchFamily="18" charset="0"/>
+                          </a:rPr>
+                          <m:t>𝑒</m:t>
+                        </m:r>
+                        <m:r>
+                          <a:rPr>
+                            <a:latin typeface="Cambria Math" panose="02040503050406030204" pitchFamily="18" charset="0"/>
+                          </a:rPr>
                           <m:t>]</m:t>
                         </m:r>
                       </m:sub>
                     </m:sSub>
                     <m:r>
+                      <a:rPr>
+                        <a:latin typeface="Cambria Math" panose="02040503050406030204" pitchFamily="18" charset="0"/>
+                      </a:rPr>
                       <m:t> </m:t>
                     </m:r>
                     <m:r>
-                      <m:t>φ</m:t>
+                      <a:rPr>
+                        <a:latin typeface="Cambria Math" panose="02040503050406030204" pitchFamily="18" charset="0"/>
+                      </a:rPr>
+                      <m:t>𝜑</m:t>
                     </m:r>
                   </m:oMath>
                 </a14:m>
+                <a:endParaRPr/>
               </a:p>
               <a:p>
                 <a:pPr lvl="1"/>
                 <a14:m>
                   <m:oMath xmlns:m="http://schemas.openxmlformats.org/officeDocument/2006/math">
                     <m:r>
-                      <m:t>I</m:t>
-                    </m:r>
-                    <m:r>
+                      <a:rPr>
+                        <a:latin typeface="Cambria Math" panose="02040503050406030204" pitchFamily="18" charset="0"/>
+                      </a:rPr>
+                      <m:t>𝐼</m:t>
+                    </m:r>
+                    <m:r>
+                      <a:rPr>
+                        <a:latin typeface="Cambria Math" panose="02040503050406030204" pitchFamily="18" charset="0"/>
+                      </a:rPr>
                       <m:t> </m:t>
                     </m:r>
                     <m:sSub>
+                      <m:sSubPr>
+                        <m:ctrlPr>
+                          <a:rPr i="1">
+                            <a:latin typeface="Cambria Math" panose="02040503050406030204" pitchFamily="18" charset="0"/>
+                          </a:rPr>
+                        </m:ctrlPr>
+                      </m:sSubPr>
                       <m:e>
                         <m:r>
+                          <a:rPr>
+                            <a:latin typeface="Cambria Math" panose="02040503050406030204" pitchFamily="18" charset="0"/>
+                          </a:rPr>
                           <m:t>⊨</m:t>
                         </m:r>
                       </m:e>
                       <m:sub>
                         <m:r>
-                          <m:t>g</m:t>
+                          <a:rPr>
+                            <a:latin typeface="Cambria Math" panose="02040503050406030204" pitchFamily="18" charset="0"/>
+                          </a:rPr>
+                          <m:t>𝑔</m:t>
                         </m:r>
                       </m:sub>
                     </m:sSub>
                     <m:r>
-                      <m:t> </m:t>
-                    </m:r>
-                    <m:r>
-                      <m:t>∃</m:t>
-                    </m:r>
-                    <m:r>
-                      <m:t>v</m:t>
-                    </m:r>
-                    <m:r>
-                      <m:t>φ</m:t>
+                      <a:rPr>
+                        <a:latin typeface="Cambria Math" panose="02040503050406030204" pitchFamily="18" charset="0"/>
+                      </a:rPr>
+                      <m:t> ∃</m:t>
+                    </m:r>
+                    <m:r>
+                      <a:rPr>
+                        <a:latin typeface="Cambria Math" panose="02040503050406030204" pitchFamily="18" charset="0"/>
+                      </a:rPr>
+                      <m:t>𝑣</m:t>
+                    </m:r>
+                    <m:r>
+                      <a:rPr>
+                        <a:latin typeface="Cambria Math" panose="02040503050406030204" pitchFamily="18" charset="0"/>
+                      </a:rPr>
+                      <m:t>𝜑</m:t>
                     </m:r>
                   </m:oMath>
                 </a14:m>
                 <a:r>
-                  <a:rPr/>
                   <a:t> iff for at least one </a:t>
                 </a:r>
                 <a14:m>
                   <m:oMath xmlns:m="http://schemas.openxmlformats.org/officeDocument/2006/math">
                     <m:r>
-                      <m:t>e</m:t>
-                    </m:r>
-                    <m:r>
+                      <a:rPr>
+                        <a:latin typeface="Cambria Math" panose="02040503050406030204" pitchFamily="18" charset="0"/>
+                      </a:rPr>
+                      <m:t>𝑒</m:t>
+                    </m:r>
+                    <m:r>
+                      <a:rPr>
+                        <a:latin typeface="Cambria Math" panose="02040503050406030204" pitchFamily="18" charset="0"/>
+                      </a:rPr>
                       <m:t>∈</m:t>
                     </m:r>
                     <m:r>
-                      <m:t>E</m:t>
+                      <a:rPr>
+                        <a:latin typeface="Cambria Math" panose="02040503050406030204" pitchFamily="18" charset="0"/>
+                      </a:rPr>
+                      <m:t>𝐸</m:t>
                     </m:r>
                   </m:oMath>
                 </a14:m>
                 <a:r>
-                  <a:rPr/>
                   <a:t> it holds that </a:t>
                 </a:r>
                 <a14:m>
                   <m:oMath xmlns:m="http://schemas.openxmlformats.org/officeDocument/2006/math">
                     <m:r>
-                      <m:t>I</m:t>
-                    </m:r>
-                    <m:r>
+                      <a:rPr>
+                        <a:latin typeface="Cambria Math" panose="02040503050406030204" pitchFamily="18" charset="0"/>
+                      </a:rPr>
+                      <m:t>𝐼</m:t>
+                    </m:r>
+                    <m:r>
+                      <a:rPr>
+                        <a:latin typeface="Cambria Math" panose="02040503050406030204" pitchFamily="18" charset="0"/>
+                      </a:rPr>
                       <m:t> </m:t>
                     </m:r>
                     <m:sSub>
+                      <m:sSubPr>
+                        <m:ctrlPr>
+                          <a:rPr i="1">
+                            <a:latin typeface="Cambria Math" panose="02040503050406030204" pitchFamily="18" charset="0"/>
+                          </a:rPr>
+                        </m:ctrlPr>
+                      </m:sSubPr>
                       <m:e>
                         <m:r>
+                          <a:rPr>
+                            <a:latin typeface="Cambria Math" panose="02040503050406030204" pitchFamily="18" charset="0"/>
+                          </a:rPr>
                           <m:t>⊨</m:t>
                         </m:r>
                       </m:e>
                       <m:sub>
                         <m:r>
-                          <m:t>g</m:t>
-                        </m:r>
-                        <m:r>
+                          <a:rPr>
+                            <a:latin typeface="Cambria Math" panose="02040503050406030204" pitchFamily="18" charset="0"/>
+                          </a:rPr>
+                          <m:t>𝑔</m:t>
+                        </m:r>
+                        <m:r>
+                          <a:rPr>
+                            <a:latin typeface="Cambria Math" panose="02040503050406030204" pitchFamily="18" charset="0"/>
+                          </a:rPr>
                           <m:t>[</m:t>
                         </m:r>
                         <m:r>
-                          <m:t>v</m:t>
-                        </m:r>
-                        <m:r>
+                          <a:rPr>
+                            <a:latin typeface="Cambria Math" panose="02040503050406030204" pitchFamily="18" charset="0"/>
+                          </a:rPr>
+                          <m:t>𝑣</m:t>
+                        </m:r>
+                        <m:r>
+                          <a:rPr>
+                            <a:latin typeface="Cambria Math" panose="02040503050406030204" pitchFamily="18" charset="0"/>
+                          </a:rPr>
                           <m:t>≔</m:t>
                         </m:r>
                         <m:r>
-                          <m:t>e</m:t>
-                        </m:r>
-                        <m:r>
+                          <a:rPr>
+                            <a:latin typeface="Cambria Math" panose="02040503050406030204" pitchFamily="18" charset="0"/>
+                          </a:rPr>
+                          <m:t>𝑒</m:t>
+                        </m:r>
+                        <m:r>
+                          <a:rPr>
+                            <a:latin typeface="Cambria Math" panose="02040503050406030204" pitchFamily="18" charset="0"/>
+                          </a:rPr>
                           <m:t>]</m:t>
                         </m:r>
                       </m:sub>
                     </m:sSub>
                     <m:r>
+                      <a:rPr>
+                        <a:latin typeface="Cambria Math" panose="02040503050406030204" pitchFamily="18" charset="0"/>
+                      </a:rPr>
                       <m:t> </m:t>
                     </m:r>
                     <m:r>
-                      <m:t>φ</m:t>
+                      <a:rPr>
+                        <a:latin typeface="Cambria Math" panose="02040503050406030204" pitchFamily="18" charset="0"/>
+                      </a:rPr>
+                      <m:t>𝜑</m:t>
                     </m:r>
                   </m:oMath>
                 </a14:m>
+                <a:endParaRPr/>
               </a:p>
             </p:txBody>
           </p:sp>
         </mc:Choice>
+        <mc:Fallback>
+          <p:sp>
+            <p:nvSpPr>
+              <p:cNvPr id="3" name="Content Placeholder 2"/>
+              <p:cNvSpPr>
+                <a:spLocks noGrp="1" noRot="1" noChangeAspect="1" noMove="1" noResize="1" noEditPoints="1" noAdjustHandles="1" noChangeArrowheads="1" noChangeShapeType="1" noTextEdit="1"/>
+              </p:cNvSpPr>
+              <p:nvPr>
+                <p:ph idx="1"/>
+              </p:nvPr>
+            </p:nvSpPr>
+            <p:spPr>
+              <a:blipFill>
+                <a:blip r:embed="rId2"/>
+                <a:stretch>
+                  <a:fillRect l="-741" t="-2022"/>
+                </a:stretch>
+              </a:blipFill>
+            </p:spPr>
+            <p:txBody>
+              <a:bodyPr/>
+              <a:lstStyle/>
+              <a:p>
+                <a:r>
+                  <a:rPr lang="en-US">
+                    <a:noFill/>
+                  </a:rPr>
+                  <a:t> </a:t>
+                </a:r>
+              </a:p>
+            </p:txBody>
+          </p:sp>
+        </mc:Fallback>
       </mc:AlternateContent>
     </p:spTree>
   </p:cSld>
+  <p:clrMapOvr>
+    <a:masterClrMapping/>
+  </p:clrMapOvr>
 </p:sld>
 </file>
 
@@ -8425,154 +9386,140 @@
           <a:bodyPr/>
           <a:lstStyle/>
           <a:p>
-            <a:pPr lvl="0" marL="0" indent="0">
+            <a:pPr marL="0" lvl="0" indent="0">
               <a:buNone/>
             </a:pPr>
             <a:r>
-              <a:rPr/>
-              <a:t>Using</a:t>
-            </a:r>
-            <a:r>
-              <a:rPr/>
-              <a:t> </a:t>
-            </a:r>
-            <a:r>
-              <a:rPr/>
-              <a:t>existential</a:t>
-            </a:r>
-            <a:r>
-              <a:rPr/>
-              <a:t> </a:t>
-            </a:r>
-            <a:r>
-              <a:rPr/>
-              <a:t>quantification</a:t>
+              <a:t>Using existential quantification</a:t>
             </a:r>
           </a:p>
         </p:txBody>
       </p:sp>
-      <mc:AlternateContent xmlns:mc="http://schemas.openxmlformats.org/markup-compatibility/2006">
-        <mc:Choice xmlns:a14="http://schemas.microsoft.com/office/drawing/2010/main" Requires="a14">
-          <p:sp>
-            <p:nvSpPr>
-              <p:cNvPr id="3" name="Content Placeholder 2"/>
-              <p:cNvSpPr>
-                <a:spLocks noGrp="1"/>
-              </p:cNvSpPr>
-              <p:nvPr>
-                <p:ph idx="1"/>
-              </p:nvPr>
-            </p:nvSpPr>
-            <p:spPr/>
-            <p:txBody>
-              <a:bodyPr/>
-              <a:lstStyle/>
-              <a:p>
-                <a:pPr lvl="1"/>
-                <a:r>
-                  <a:rPr/>
-                  <a:t>With predicate logic we could deduce the existence of a needed tool from a property that it should realize.</a:t>
-                </a:r>
-              </a:p>
-              <a:p>
-                <a:pPr lvl="1"/>
-                <a14:m>
-                  <m:oMath xmlns:m="http://schemas.openxmlformats.org/officeDocument/2006/math">
-                    <m:r>
-                      <m:t>∀</m:t>
-                    </m:r>
-                    <m:r>
-                      <m:t>x</m:t>
-                    </m:r>
-                    <m:r>
-                      <m:t>∀</m:t>
-                    </m:r>
-                    <m:r>
-                      <m:t>y</m:t>
-                    </m:r>
-                    <m:r>
-                      <m:t>∀</m:t>
-                    </m:r>
-                    <m:r>
-                      <m:t>z</m:t>
-                    </m:r>
-                    <m:r>
-                      <m:t>(</m:t>
-                    </m:r>
-                    <m:r>
-                      <m:t>(</m:t>
-                    </m:r>
-                    <m:r>
-                      <m:t>R</m:t>
-                    </m:r>
-                    <m:r>
-                      <m:t>x</m:t>
-                    </m:r>
-                    <m:r>
-                      <m:t>y</m:t>
-                    </m:r>
-                    <m:r>
-                      <m:t>∧</m:t>
-                    </m:r>
-                    <m:r>
-                      <m:t>S</m:t>
-                    </m:r>
-                    <m:r>
-                      <m:t>y</m:t>
-                    </m:r>
-                    <m:r>
-                      <m:t>z</m:t>
-                    </m:r>
-                    <m:r>
-                      <m:t>)</m:t>
-                    </m:r>
-                    <m:r>
-                      <m:t>→</m:t>
-                    </m:r>
-                    <m:r>
-                      <m:t>∃</m:t>
-                    </m:r>
-                    <m:r>
-                      <m:t>w</m:t>
-                    </m:r>
-                    <m:r>
-                      <m:t>N</m:t>
-                    </m:r>
-                    <m:r>
-                      <m:t>x</m:t>
-                    </m:r>
-                    <m:r>
-                      <m:t>w</m:t>
-                    </m:r>
-                    <m:r>
-                      <m:t>z</m:t>
-                    </m:r>
-                    <m:r>
-                      <m:t>)</m:t>
-                    </m:r>
-                  </m:oMath>
-                </a14:m>
-              </a:p>
-              <a:p>
-                <a:pPr lvl="1"/>
-                <a:r>
-                  <a:rPr/>
-                  <a:t>This is a powerful inference, since it lets us reason about one or more individuals that aren’t specified.</a:t>
-                </a:r>
-              </a:p>
-              <a:p>
-                <a:pPr lvl="1"/>
-                <a:r>
-                  <a:rPr/>
-                  <a:t>But Datalog doesn’t give us full existential quantification for reasoning.</a:t>
-                </a:r>
-              </a:p>
-            </p:txBody>
-          </p:sp>
-        </mc:Choice>
-      </mc:AlternateContent>
+      <p:sp>
+        <p:nvSpPr>
+          <p:cNvPr id="3" name="Content Placeholder 2"/>
+          <p:cNvSpPr>
+            <a:spLocks noGrp="1"/>
+          </p:cNvSpPr>
+          <p:nvPr>
+            <p:ph idx="1"/>
+          </p:nvPr>
+        </p:nvSpPr>
+        <p:spPr/>
+        <p:txBody>
+          <a:bodyPr/>
+          <a:lstStyle/>
+          <a:p>
+            <a:pPr lvl="1"/>
+            <a:r>
+              <a:t>With predicate logic we could deduce the existence of a needed tool from a property that it should realize.</a:t>
+            </a:r>
+          </a:p>
+          <a:p>
+            <a:pPr lvl="1"/>
+            <a14:m xmlns:a14="http://schemas.microsoft.com/office/drawing/2010/main">
+              <m:oMath xmlns:m="http://schemas.openxmlformats.org/officeDocument/2006/math">
+                <m:r>
+                  <a:rPr>
+                    <a:latin typeface="Cambria Math" panose="02040503050406030204" pitchFamily="18" charset="0"/>
+                  </a:rPr>
+                  <m:t>∀</m:t>
+                </m:r>
+                <m:r>
+                  <a:rPr>
+                    <a:latin typeface="Cambria Math" panose="02040503050406030204" pitchFamily="18" charset="0"/>
+                  </a:rPr>
+                  <m:t>𝑥</m:t>
+                </m:r>
+                <m:r>
+                  <a:rPr>
+                    <a:latin typeface="Cambria Math" panose="02040503050406030204" pitchFamily="18" charset="0"/>
+                  </a:rPr>
+                  <m:t>∀</m:t>
+                </m:r>
+                <m:r>
+                  <a:rPr>
+                    <a:latin typeface="Cambria Math" panose="02040503050406030204" pitchFamily="18" charset="0"/>
+                  </a:rPr>
+                  <m:t>𝑦</m:t>
+                </m:r>
+                <m:r>
+                  <a:rPr>
+                    <a:latin typeface="Cambria Math" panose="02040503050406030204" pitchFamily="18" charset="0"/>
+                  </a:rPr>
+                  <m:t>∀</m:t>
+                </m:r>
+                <m:r>
+                  <a:rPr>
+                    <a:latin typeface="Cambria Math" panose="02040503050406030204" pitchFamily="18" charset="0"/>
+                  </a:rPr>
+                  <m:t>𝑧</m:t>
+                </m:r>
+                <m:r>
+                  <a:rPr>
+                    <a:latin typeface="Cambria Math" panose="02040503050406030204" pitchFamily="18" charset="0"/>
+                  </a:rPr>
+                  <m:t>((</m:t>
+                </m:r>
+                <m:r>
+                  <a:rPr>
+                    <a:latin typeface="Cambria Math" panose="02040503050406030204" pitchFamily="18" charset="0"/>
+                  </a:rPr>
+                  <m:t>𝑅𝑥𝑦</m:t>
+                </m:r>
+                <m:r>
+                  <a:rPr>
+                    <a:latin typeface="Cambria Math" panose="02040503050406030204" pitchFamily="18" charset="0"/>
+                  </a:rPr>
+                  <m:t>∧</m:t>
+                </m:r>
+                <m:r>
+                  <a:rPr>
+                    <a:latin typeface="Cambria Math" panose="02040503050406030204" pitchFamily="18" charset="0"/>
+                  </a:rPr>
+                  <m:t>𝑆𝑦𝑧</m:t>
+                </m:r>
+                <m:r>
+                  <a:rPr>
+                    <a:latin typeface="Cambria Math" panose="02040503050406030204" pitchFamily="18" charset="0"/>
+                  </a:rPr>
+                  <m:t>)→∃</m:t>
+                </m:r>
+                <m:r>
+                  <a:rPr>
+                    <a:latin typeface="Cambria Math" panose="02040503050406030204" pitchFamily="18" charset="0"/>
+                  </a:rPr>
+                  <m:t>𝑤𝑁𝑥𝑤𝑧</m:t>
+                </m:r>
+                <m:r>
+                  <a:rPr>
+                    <a:latin typeface="Cambria Math" panose="02040503050406030204" pitchFamily="18" charset="0"/>
+                  </a:rPr>
+                  <m:t>)</m:t>
+                </m:r>
+              </m:oMath>
+            </a14:m>
+            <a:endParaRPr/>
+          </a:p>
+          <a:p>
+            <a:pPr lvl="1"/>
+            <a:r>
+              <a:t>This is a powerful inference, since it lets us reason about one or more individuals that aren’t specified.</a:t>
+            </a:r>
+          </a:p>
+          <a:p>
+            <a:pPr lvl="1"/>
+            <a:r>
+              <a:t>But Datalog doesn’t give us full existential quantification for reasoning.</a:t>
+            </a:r>
+          </a:p>
+        </p:txBody>
+      </p:sp>
     </p:spTree>
   </p:cSld>
+  <p:clrMapOvr>
+    <a:masterClrMapping/>
+  </p:clrMapOvr>
 </p:sld>
 </file>
 
@@ -8608,36 +9555,11 @@
           <a:bodyPr/>
           <a:lstStyle/>
           <a:p>
-            <a:pPr lvl="0" marL="0" indent="0">
+            <a:pPr marL="0" lvl="0" indent="0">
               <a:buNone/>
             </a:pPr>
             <a:r>
-              <a:rPr/>
-              <a:t>Our</a:t>
-            </a:r>
-            <a:r>
-              <a:rPr/>
-              <a:t> </a:t>
-            </a:r>
-            <a:r>
-              <a:rPr/>
-              <a:t>approximation</a:t>
-            </a:r>
-            <a:r>
-              <a:rPr/>
-              <a:t> </a:t>
-            </a:r>
-            <a:r>
-              <a:rPr/>
-              <a:t>using</a:t>
-            </a:r>
-            <a:r>
-              <a:rPr/>
-              <a:t> </a:t>
-            </a:r>
-            <a:r>
-              <a:rPr/>
-              <a:t>constants</a:t>
+              <a:t>Our approximation using constants</a:t>
             </a:r>
           </a:p>
         </p:txBody>
@@ -8656,207 +9578,222 @@
             </p:nvSpPr>
             <p:spPr/>
             <p:txBody>
-              <a:bodyPr/>
+              <a:bodyPr>
+                <a:normAutofit fontScale="77500" lnSpcReduction="20000"/>
+              </a:bodyPr>
               <a:lstStyle/>
               <a:p>
                 <a:pPr lvl="1"/>
                 <a:r>
-                  <a:rPr/>
                   <a:t>Datalog doesn’t support </a:t>
                 </a:r>
                 <a14:m>
                   <m:oMath xmlns:m="http://schemas.openxmlformats.org/officeDocument/2006/math">
                     <m:r>
+                      <a:rPr>
+                        <a:latin typeface="Cambria Math" panose="02040503050406030204" pitchFamily="18" charset="0"/>
+                      </a:rPr>
                       <m:t>∀</m:t>
                     </m:r>
                     <m:r>
-                      <m:t>x</m:t>
-                    </m:r>
-                    <m:r>
+                      <a:rPr>
+                        <a:latin typeface="Cambria Math" panose="02040503050406030204" pitchFamily="18" charset="0"/>
+                      </a:rPr>
+                      <m:t>𝑥</m:t>
+                    </m:r>
+                    <m:r>
+                      <a:rPr>
+                        <a:latin typeface="Cambria Math" panose="02040503050406030204" pitchFamily="18" charset="0"/>
+                      </a:rPr>
                       <m:t>∀</m:t>
                     </m:r>
                     <m:r>
-                      <m:t>y</m:t>
-                    </m:r>
-                    <m:r>
+                      <a:rPr>
+                        <a:latin typeface="Cambria Math" panose="02040503050406030204" pitchFamily="18" charset="0"/>
+                      </a:rPr>
+                      <m:t>𝑦</m:t>
+                    </m:r>
+                    <m:r>
+                      <a:rPr>
+                        <a:latin typeface="Cambria Math" panose="02040503050406030204" pitchFamily="18" charset="0"/>
+                      </a:rPr>
                       <m:t>∀</m:t>
                     </m:r>
                     <m:r>
-                      <m:t>z</m:t>
-                    </m:r>
-                    <m:r>
-                      <m:t>(</m:t>
-                    </m:r>
-                    <m:r>
-                      <m:t>(</m:t>
-                    </m:r>
-                    <m:r>
-                      <m:t>R</m:t>
-                    </m:r>
-                    <m:r>
-                      <m:t>x</m:t>
-                    </m:r>
-                    <m:r>
-                      <m:t>y</m:t>
-                    </m:r>
-                    <m:r>
+                      <a:rPr>
+                        <a:latin typeface="Cambria Math" panose="02040503050406030204" pitchFamily="18" charset="0"/>
+                      </a:rPr>
+                      <m:t>𝑧</m:t>
+                    </m:r>
+                    <m:r>
+                      <a:rPr>
+                        <a:latin typeface="Cambria Math" panose="02040503050406030204" pitchFamily="18" charset="0"/>
+                      </a:rPr>
+                      <m:t>((</m:t>
+                    </m:r>
+                    <m:r>
+                      <a:rPr>
+                        <a:latin typeface="Cambria Math" panose="02040503050406030204" pitchFamily="18" charset="0"/>
+                      </a:rPr>
+                      <m:t>𝑅𝑥𝑦</m:t>
+                    </m:r>
+                    <m:r>
+                      <a:rPr>
+                        <a:latin typeface="Cambria Math" panose="02040503050406030204" pitchFamily="18" charset="0"/>
+                      </a:rPr>
                       <m:t>∧</m:t>
                     </m:r>
                     <m:r>
-                      <m:t>S</m:t>
-                    </m:r>
-                    <m:r>
-                      <m:t>y</m:t>
-                    </m:r>
-                    <m:r>
-                      <m:t>z</m:t>
-                    </m:r>
-                    <m:r>
-                      <m:t>)</m:t>
-                    </m:r>
-                    <m:r>
-                      <m:t>→</m:t>
-                    </m:r>
-                    <m:r>
-                      <m:t>∃</m:t>
-                    </m:r>
-                    <m:r>
-                      <m:t>w</m:t>
-                    </m:r>
-                    <m:r>
-                      <m:t>N</m:t>
-                    </m:r>
-                    <m:r>
-                      <m:t>x</m:t>
-                    </m:r>
-                    <m:r>
-                      <m:t>w</m:t>
-                    </m:r>
-                    <m:r>
-                      <m:t>z</m:t>
-                    </m:r>
-                    <m:r>
+                      <a:rPr>
+                        <a:latin typeface="Cambria Math" panose="02040503050406030204" pitchFamily="18" charset="0"/>
+                      </a:rPr>
+                      <m:t>𝑆𝑦𝑧</m:t>
+                    </m:r>
+                    <m:r>
+                      <a:rPr>
+                        <a:latin typeface="Cambria Math" panose="02040503050406030204" pitchFamily="18" charset="0"/>
+                      </a:rPr>
+                      <m:t>)→∃</m:t>
+                    </m:r>
+                    <m:r>
+                      <a:rPr>
+                        <a:latin typeface="Cambria Math" panose="02040503050406030204" pitchFamily="18" charset="0"/>
+                      </a:rPr>
+                      <m:t>𝑤𝑁𝑥𝑤𝑧</m:t>
+                    </m:r>
+                    <m:r>
+                      <a:rPr>
+                        <a:latin typeface="Cambria Math" panose="02040503050406030204" pitchFamily="18" charset="0"/>
+                      </a:rPr>
                       <m:t>)</m:t>
                     </m:r>
                   </m:oMath>
                 </a14:m>
+                <a:endParaRPr/>
               </a:p>
               <a:p>
                 <a:pPr lvl="1"/>
                 <a:r>
-                  <a:rPr/>
                   <a:t>Our work around is </a:t>
                 </a:r>
                 <a14:m>
                   <m:oMath xmlns:m="http://schemas.openxmlformats.org/officeDocument/2006/math">
                     <m:r>
+                      <a:rPr>
+                        <a:latin typeface="Cambria Math" panose="02040503050406030204" pitchFamily="18" charset="0"/>
+                      </a:rPr>
                       <m:t>∀</m:t>
                     </m:r>
                     <m:r>
-                      <m:t>x</m:t>
-                    </m:r>
-                    <m:r>
+                      <a:rPr>
+                        <a:latin typeface="Cambria Math" panose="02040503050406030204" pitchFamily="18" charset="0"/>
+                      </a:rPr>
+                      <m:t>𝑥</m:t>
+                    </m:r>
+                    <m:r>
+                      <a:rPr>
+                        <a:latin typeface="Cambria Math" panose="02040503050406030204" pitchFamily="18" charset="0"/>
+                      </a:rPr>
                       <m:t>∀</m:t>
                     </m:r>
                     <m:r>
-                      <m:t>y</m:t>
-                    </m:r>
-                    <m:r>
+                      <a:rPr>
+                        <a:latin typeface="Cambria Math" panose="02040503050406030204" pitchFamily="18" charset="0"/>
+                      </a:rPr>
+                      <m:t>𝑦</m:t>
+                    </m:r>
+                    <m:r>
+                      <a:rPr>
+                        <a:latin typeface="Cambria Math" panose="02040503050406030204" pitchFamily="18" charset="0"/>
+                      </a:rPr>
                       <m:t>∀</m:t>
                     </m:r>
                     <m:r>
-                      <m:t>z</m:t>
-                    </m:r>
-                    <m:r>
-                      <m:t>(</m:t>
-                    </m:r>
-                    <m:r>
-                      <m:t>(</m:t>
-                    </m:r>
-                    <m:r>
-                      <m:t>R</m:t>
-                    </m:r>
-                    <m:r>
-                      <m:t>x</m:t>
-                    </m:r>
-                    <m:r>
-                      <m:t>y</m:t>
-                    </m:r>
-                    <m:r>
+                      <a:rPr>
+                        <a:latin typeface="Cambria Math" panose="02040503050406030204" pitchFamily="18" charset="0"/>
+                      </a:rPr>
+                      <m:t>𝑧</m:t>
+                    </m:r>
+                    <m:r>
+                      <a:rPr>
+                        <a:latin typeface="Cambria Math" panose="02040503050406030204" pitchFamily="18" charset="0"/>
+                      </a:rPr>
+                      <m:t>((</m:t>
+                    </m:r>
+                    <m:r>
+                      <a:rPr>
+                        <a:latin typeface="Cambria Math" panose="02040503050406030204" pitchFamily="18" charset="0"/>
+                      </a:rPr>
+                      <m:t>𝑅𝑥𝑦</m:t>
+                    </m:r>
+                    <m:r>
+                      <a:rPr>
+                        <a:latin typeface="Cambria Math" panose="02040503050406030204" pitchFamily="18" charset="0"/>
+                      </a:rPr>
                       <m:t>∧</m:t>
                     </m:r>
                     <m:r>
-                      <m:t>S</m:t>
-                    </m:r>
-                    <m:r>
-                      <m:t>y</m:t>
-                    </m:r>
-                    <m:r>
-                      <m:t>z</m:t>
-                    </m:r>
-                    <m:r>
-                      <m:t>)</m:t>
-                    </m:r>
-                    <m:r>
-                      <m:t>→</m:t>
-                    </m:r>
-                    <m:r>
-                      <m:t>N</m:t>
-                    </m:r>
-                    <m:r>
-                      <m:t>x</m:t>
-                    </m:r>
-                    <m:r>
-                      <m:t>a</m:t>
-                    </m:r>
-                    <m:r>
-                      <m:t>z</m:t>
-                    </m:r>
-                    <m:r>
+                      <a:rPr>
+                        <a:latin typeface="Cambria Math" panose="02040503050406030204" pitchFamily="18" charset="0"/>
+                      </a:rPr>
+                      <m:t>𝑆𝑦𝑧</m:t>
+                    </m:r>
+                    <m:r>
+                      <a:rPr>
+                        <a:latin typeface="Cambria Math" panose="02040503050406030204" pitchFamily="18" charset="0"/>
+                      </a:rPr>
+                      <m:t>)→</m:t>
+                    </m:r>
+                    <m:r>
+                      <a:rPr>
+                        <a:latin typeface="Cambria Math" panose="02040503050406030204" pitchFamily="18" charset="0"/>
+                      </a:rPr>
+                      <m:t>𝑁𝑥𝑎𝑧</m:t>
+                    </m:r>
+                    <m:r>
+                      <a:rPr>
+                        <a:latin typeface="Cambria Math" panose="02040503050406030204" pitchFamily="18" charset="0"/>
+                      </a:rPr>
                       <m:t>)</m:t>
                     </m:r>
                   </m:oMath>
                 </a14:m>
+                <a:endParaRPr/>
               </a:p>
               <a:p>
                 <a:pPr lvl="1"/>
                 <a:r>
-                  <a:rPr/>
                   <a:t>That is to say, if a recipe requires an ingredient and that ingredient satisfies a property, then the recipe needs a tool we call ‘something.’</a:t>
                 </a:r>
               </a:p>
               <a:p>
                 <a:pPr lvl="1"/>
                 <a:r>
-                  <a:rPr/>
                   <a:t>But on this account, ‘something’ is some particular tool that we’re calling ‘something.’</a:t>
                 </a:r>
               </a:p>
               <a:p>
                 <a:pPr lvl="1"/>
                 <a:r>
-                  <a:rPr/>
                   <a:t>And ‘something’ is always the same something, no matter how many different qualifying properties it’s matched with.</a:t>
                 </a:r>
               </a:p>
               <a:p>
                 <a:pPr lvl="1"/>
                 <a:r>
-                  <a:rPr/>
                   <a:t>That’s not consistent with the semantics of predicate logic.</a:t>
                 </a:r>
               </a:p>
               <a:p>
-                <a:pPr lvl="0" marL="0" indent="0">
+                <a:pPr marL="0" lvl="0" indent="0">
                   <a:buNone/>
                 </a:pPr>
                 <a:r>
-                  <a:rPr/>
                   <a:t>. . .</a:t>
                 </a:r>
               </a:p>
               <a:p>
-                <a:pPr lvl="0" marL="1270000" indent="0">
+                <a:pPr marL="1270000" lvl="0" indent="0">
                   <a:buNone/>
                 </a:pPr>
                 <a:r>
@@ -8871,9 +9808,45 @@
             </p:txBody>
           </p:sp>
         </mc:Choice>
+        <mc:Fallback>
+          <p:sp>
+            <p:nvSpPr>
+              <p:cNvPr id="3" name="Content Placeholder 2"/>
+              <p:cNvSpPr>
+                <a:spLocks noGrp="1" noRot="1" noChangeAspect="1" noMove="1" noResize="1" noEditPoints="1" noAdjustHandles="1" noChangeArrowheads="1" noChangeShapeType="1" noTextEdit="1"/>
+              </p:cNvSpPr>
+              <p:nvPr>
+                <p:ph idx="1"/>
+              </p:nvPr>
+            </p:nvSpPr>
+            <p:spPr>
+              <a:blipFill>
+                <a:blip r:embed="rId2"/>
+                <a:stretch>
+                  <a:fillRect l="-1185" t="-2291"/>
+                </a:stretch>
+              </a:blipFill>
+            </p:spPr>
+            <p:txBody>
+              <a:bodyPr/>
+              <a:lstStyle/>
+              <a:p>
+                <a:r>
+                  <a:rPr lang="en-US">
+                    <a:noFill/>
+                  </a:rPr>
+                  <a:t> </a:t>
+                </a:r>
+              </a:p>
+            </p:txBody>
+          </p:sp>
+        </mc:Fallback>
       </mc:AlternateContent>
     </p:spTree>
   </p:cSld>
+  <p:clrMapOvr>
+    <a:masterClrMapping/>
+  </p:clrMapOvr>
 </p:sld>
 </file>
 
@@ -8909,36 +9882,11 @@
           <a:bodyPr/>
           <a:lstStyle/>
           <a:p>
-            <a:pPr lvl="0" marL="0" indent="0">
+            <a:pPr marL="0" lvl="0" indent="0">
               <a:buNone/>
             </a:pPr>
             <a:r>
-              <a:rPr/>
-              <a:t>The</a:t>
-            </a:r>
-            <a:r>
-              <a:rPr/>
-              <a:t> </a:t>
-            </a:r>
-            <a:r>
-              <a:rPr/>
-              <a:t>closed</a:t>
-            </a:r>
-            <a:r>
-              <a:rPr/>
-              <a:t> </a:t>
-            </a:r>
-            <a:r>
-              <a:rPr/>
-              <a:t>world</a:t>
-            </a:r>
-            <a:r>
-              <a:rPr/>
-              <a:t> </a:t>
-            </a:r>
-            <a:r>
-              <a:rPr/>
-              <a:t>assumption</a:t>
+              <a:t>The closed world assumption</a:t>
             </a:r>
           </a:p>
         </p:txBody>
@@ -8955,54 +9903,49 @@
         </p:nvSpPr>
         <p:spPr/>
         <p:txBody>
-          <a:bodyPr/>
+          <a:bodyPr>
+            <a:normAutofit fontScale="77500" lnSpcReduction="20000"/>
+          </a:bodyPr>
           <a:lstStyle/>
           <a:p>
             <a:pPr lvl="1"/>
             <a:r>
-              <a:rPr/>
               <a:t>Many deductive applications are based on a ‘closed world assumption.’</a:t>
             </a:r>
           </a:p>
           <a:p>
             <a:pPr lvl="1"/>
             <a:r>
-              <a:rPr/>
               <a:t>This means that if a statement is not deduced to be true, then that statement should be treated as false.</a:t>
             </a:r>
           </a:p>
           <a:p>
             <a:pPr lvl="1"/>
             <a:r>
-              <a:rPr/>
               <a:t>For example, our assertions do not directly state that the chicken soup recipe needs a slow cooker.</a:t>
             </a:r>
           </a:p>
           <a:p>
             <a:pPr lvl="1"/>
             <a:r>
-              <a:rPr/>
               <a:t>But a substep of a step included in the recipe uses a slow cooker, so the need for the tool can be deduced.</a:t>
             </a:r>
           </a:p>
           <a:p>
             <a:pPr lvl="1"/>
             <a:r>
-              <a:rPr/>
               <a:t>We deduce that some tool is needed for dicing, skinning, and trimming.</a:t>
             </a:r>
           </a:p>
           <a:p>
             <a:pPr lvl="1"/>
             <a:r>
-              <a:rPr/>
               <a:t>But we can’t deduce that we need a knife for those actions.</a:t>
             </a:r>
           </a:p>
           <a:p>
             <a:pPr lvl="1"/>
             <a:r>
-              <a:rPr/>
               <a:t>Under a closed world assumption we would take it as false that a knife is needed for this recipe.</a:t>
             </a:r>
           </a:p>
@@ -9010,6 +9953,9 @@
       </p:sp>
     </p:spTree>
   </p:cSld>
+  <p:clrMapOvr>
+    <a:masterClrMapping/>
+  </p:clrMapOvr>
 </p:sld>
 </file>
 
@@ -9045,36 +9991,11 @@
           <a:bodyPr/>
           <a:lstStyle/>
           <a:p>
-            <a:pPr lvl="0" marL="0" indent="0">
+            <a:pPr marL="0" lvl="0" indent="0">
               <a:buNone/>
             </a:pPr>
             <a:r>
-              <a:rPr/>
-              <a:t>The</a:t>
-            </a:r>
-            <a:r>
-              <a:rPr/>
-              <a:t> </a:t>
-            </a:r>
-            <a:r>
-              <a:rPr/>
-              <a:t>closed</a:t>
-            </a:r>
-            <a:r>
-              <a:rPr/>
-              <a:t> </a:t>
-            </a:r>
-            <a:r>
-              <a:rPr/>
-              <a:t>world</a:t>
-            </a:r>
-            <a:r>
-              <a:rPr/>
-              <a:t> </a:t>
-            </a:r>
-            <a:r>
-              <a:rPr/>
-              <a:t>assumption</a:t>
+              <a:t>The closed world assumption</a:t>
             </a:r>
           </a:p>
         </p:txBody>
@@ -9091,40 +10012,37 @@
         </p:nvSpPr>
         <p:spPr/>
         <p:txBody>
-          <a:bodyPr/>
+          <a:bodyPr>
+            <a:normAutofit fontScale="85000" lnSpcReduction="10000"/>
+          </a:bodyPr>
           <a:lstStyle/>
           <a:p>
             <a:pPr lvl="1"/>
             <a:r>
-              <a:rPr/>
               <a:t>The closed world assumption is reasonable in applications where all relevant facts and rules of inference are available.</a:t>
             </a:r>
           </a:p>
           <a:p>
             <a:pPr lvl="1"/>
             <a:r>
-              <a:rPr/>
               <a:t>Systems under the stewardship of one organization with limited use cases and all information stored together are good candidates for the closed world assumption.</a:t>
             </a:r>
           </a:p>
           <a:p>
             <a:pPr lvl="1"/>
             <a:r>
-              <a:rPr/>
               <a:t>But these days many information systems rely on loosely coupled, widely distributed data.</a:t>
             </a:r>
           </a:p>
           <a:p>
             <a:pPr lvl="1"/>
             <a:r>
-              <a:rPr/>
               <a:t>Systems are designed for uses across institutional boundaries.</a:t>
             </a:r>
           </a:p>
           <a:p>
             <a:pPr lvl="1"/>
             <a:r>
-              <a:rPr/>
               <a:t>Stakeholders cooperate on maintaining and integrating machine readable data.</a:t>
             </a:r>
           </a:p>
@@ -9132,6 +10050,9 @@
       </p:sp>
     </p:spTree>
   </p:cSld>
+  <p:clrMapOvr>
+    <a:masterClrMapping/>
+  </p:clrMapOvr>
 </p:sld>
 </file>
 
@@ -9167,36 +10088,11 @@
           <a:bodyPr/>
           <a:lstStyle/>
           <a:p>
-            <a:pPr lvl="0" marL="0" indent="0">
+            <a:pPr marL="0" lvl="0" indent="0">
               <a:buNone/>
             </a:pPr>
             <a:r>
-              <a:rPr/>
-              <a:t>The</a:t>
-            </a:r>
-            <a:r>
-              <a:rPr/>
-              <a:t> </a:t>
-            </a:r>
-            <a:r>
-              <a:rPr/>
-              <a:t>open</a:t>
-            </a:r>
-            <a:r>
-              <a:rPr/>
-              <a:t> </a:t>
-            </a:r>
-            <a:r>
-              <a:rPr/>
-              <a:t>world</a:t>
-            </a:r>
-            <a:r>
-              <a:rPr/>
-              <a:t> </a:t>
-            </a:r>
-            <a:r>
-              <a:rPr/>
-              <a:t>assumption</a:t>
+              <a:t>The open world assumption</a:t>
             </a:r>
           </a:p>
         </p:txBody>
@@ -9218,21 +10114,18 @@
           <a:p>
             <a:pPr lvl="1"/>
             <a:r>
-              <a:rPr/>
               <a:t>With an open world assumption, we can’t conclude that failure to deduce a proposition means that the proposition is false.</a:t>
             </a:r>
           </a:p>
           <a:p>
             <a:pPr lvl="1"/>
             <a:r>
-              <a:rPr/>
               <a:t>Reasoning must be based on what might be true, consistent with what we know.</a:t>
             </a:r>
           </a:p>
           <a:p>
             <a:pPr lvl="1"/>
             <a:r>
-              <a:rPr/>
               <a:t>Understanding how this works requires the concept of an </a:t>
             </a:r>
             <a:r>
@@ -9244,6 +10137,9 @@
       </p:sp>
     </p:spTree>
   </p:cSld>
+  <p:clrMapOvr>
+    <a:masterClrMapping/>
+  </p:clrMapOvr>
 </p:sld>
 </file>
 
@@ -9279,28 +10175,11 @@
           <a:bodyPr/>
           <a:lstStyle/>
           <a:p>
-            <a:pPr lvl="0" marL="0" indent="0">
+            <a:pPr marL="0" lvl="0" indent="0">
               <a:buNone/>
             </a:pPr>
             <a:r>
-              <a:rPr/>
-              <a:t>Bach</a:t>
-            </a:r>
-            <a:r>
-              <a:rPr/>
-              <a:t> </a:t>
-            </a:r>
-            <a:r>
-              <a:rPr/>
-              <a:t>on</a:t>
-            </a:r>
-            <a:r>
-              <a:rPr/>
-              <a:t> </a:t>
-            </a:r>
-            <a:r>
-              <a:rPr/>
-              <a:t>Semantics</a:t>
+              <a:t>Bach on Semantics</a:t>
             </a:r>
           </a:p>
         </p:txBody>
@@ -9324,7 +10203,6 @@
               <a:buAutoNum type="arabicPeriod"/>
             </a:pPr>
             <a:r>
-              <a:rPr/>
               <a:t>The structure of language can each be described using formal systems.</a:t>
             </a:r>
           </a:p>
@@ -9333,7 +10211,6 @@
               <a:buAutoNum type="arabicPeriod"/>
             </a:pPr>
             <a:r>
-              <a:rPr/>
               <a:t>Language has meaning.</a:t>
             </a:r>
           </a:p>
@@ -9342,7 +10219,6 @@
               <a:buAutoNum type="arabicPeriod"/>
             </a:pPr>
             <a:r>
-              <a:rPr/>
               <a:t>Meanings are things that aren’t language.</a:t>
             </a:r>
           </a:p>
@@ -9350,6 +10226,9 @@
       </p:sp>
     </p:spTree>
   </p:cSld>
+  <p:clrMapOvr>
+    <a:masterClrMapping/>
+  </p:clrMapOvr>
 </p:sld>
 </file>
 
@@ -9385,43 +10264,18 @@
           <a:bodyPr/>
           <a:lstStyle/>
           <a:p>
-            <a:pPr lvl="0" marL="0" indent="0">
+            <a:pPr marL="0" lvl="0" indent="0">
               <a:buNone/>
             </a:pPr>
             <a:r>
-              <a:rPr/>
-              <a:t>Language</a:t>
-            </a:r>
-            <a:r>
-              <a:rPr/>
-              <a:t> </a:t>
-            </a:r>
-            <a:r>
-              <a:rPr/>
-              <a:t>and</a:t>
-            </a:r>
-            <a:r>
-              <a:rPr/>
-              <a:t> </a:t>
-            </a:r>
-            <a:r>
-              <a:rPr/>
-              <a:t>the</a:t>
-            </a:r>
-            <a:r>
-              <a:rPr/>
-              <a:t> </a:t>
-            </a:r>
-            <a:r>
-              <a:rPr/>
-              <a:t>world</a:t>
+              <a:t>Language and the world</a:t>
             </a:r>
           </a:p>
         </p:txBody>
       </p:sp>
       <p:pic>
         <p:nvPicPr>
-          <p:cNvPr descr="denotes.eps" id="0" name="Picture 1"/>
+          <p:cNvPr id="3" name="Picture 1" descr="denotes.eps"/>
           <p:cNvPicPr>
             <a:picLocks noGrp="1" noChangeAspect="1"/>
           </p:cNvPicPr>
@@ -9451,7 +10305,7 @@
       </p:pic>
       <p:sp>
         <p:nvSpPr>
-          <p:cNvPr id="1" name="TextBox 3"/>
+          <p:cNvPr id="4" name="TextBox 3"/>
           <p:cNvSpPr txBox="1"/>
           <p:nvPr/>
         </p:nvSpPr>
@@ -9469,58 +10323,20 @@
           <a:bodyPr/>
           <a:lstStyle/>
           <a:p>
-            <a:pPr lvl="0" marL="0" indent="0" algn="ctr">
+            <a:pPr marL="0" lvl="0" indent="0" algn="ctr">
               <a:buNone/>
             </a:pPr>
             <a:r>
-              <a:rPr/>
-              <a:t>page</a:t>
-            </a:r>
-            <a:r>
-              <a:rPr/>
-              <a:t> </a:t>
-            </a:r>
-            <a:r>
-              <a:rPr/>
-              <a:t>10</a:t>
-            </a:r>
-            <a:r>
-              <a:rPr/>
-              <a:t> </a:t>
-            </a:r>
-            <a:r>
-              <a:rPr/>
-              <a:t>figure</a:t>
-            </a:r>
-            <a:r>
-              <a:rPr/>
-              <a:t> </a:t>
-            </a:r>
-            <a:r>
-              <a:rPr/>
-              <a:t>from</a:t>
-            </a:r>
-            <a:r>
-              <a:rPr/>
-              <a:t> </a:t>
-            </a:r>
-            <a:r>
-              <a:rPr/>
-              <a:t>Bach</a:t>
-            </a:r>
-            <a:r>
-              <a:rPr/>
-              <a:t> </a:t>
-            </a:r>
-            <a:r>
-              <a:rPr/>
-              <a:t>(1989)</a:t>
+              <a:t>page 10 figure from Bach (1989)</a:t>
             </a:r>
           </a:p>
         </p:txBody>
       </p:sp>
     </p:spTree>
   </p:cSld>
+  <p:clrMapOvr>
+    <a:masterClrMapping/>
+  </p:clrMapOvr>
 </p:sld>
 </file>
 
